--- a/slides/workshop.pptx
+++ b/slides/workshop.pptx
@@ -3760,7 +3760,7 @@
                 </a:solidFill>
                 <a:latin typeface="Courier"/>
               </a:rPr>
-              <a:t>fabric -p ai </a:t>
+              <a:t>fabric -p not_a_pattern </a:t>
             </a:r>
             <a:r>
               <a:rPr>
@@ -5845,7 +5845,7 @@
               <a:rPr>
                 <a:latin typeface="Courier"/>
               </a:rPr>
-              <a:t>cp context-*.md /home/ken/.config/fabric/contexts/  
+              <a:t>cp context-*.md ~/.config/fabric/contexts/  
 echo "explain the CIA Traid" | fabric -C context-expert.md -p raw_query
 echo "explain the CIA Traid" | fabric -C context-layperson.md -p raw_query</a:t>
             </a:r>
@@ -8725,7 +8725,7 @@
                 </a:solidFill>
                 <a:latin typeface="Courier"/>
               </a:rPr>
-              <a:t> security_log.txt)</a:t>
+              <a:t> security.log)</a:t>
             </a:r>
             <a:r>
               <a:rPr>
@@ -8818,7 +8818,7 @@
                 </a:solidFill>
                 <a:latin typeface="Courier"/>
               </a:rPr>
-              <a:t> security_log.txt)</a:t>
+              <a:t> security.log)</a:t>
             </a:r>
             <a:r>
               <a:rPr>
@@ -9053,7 +9053,7 @@
                 </a:solidFill>
                 <a:latin typeface="Courier"/>
               </a:rPr>
-              <a:t> security_log.txt)</a:t>
+              <a:t> security.log)</a:t>
             </a:r>
             <a:r>
               <a:rPr>
@@ -11471,7 +11471,25 @@
                 </a:solidFill>
                 <a:latin typeface="Courier"/>
               </a:rPr>
-              <a:t>"~/.config/fabric/patterns"</a:t>
+              <a:t>"</a:t>
+            </a:r>
+            <a:r>
+              <a:rPr>
+                <a:solidFill>
+                  <a:srgbClr val="BDAE9D"/>
+                </a:solidFill>
+                <a:latin typeface="Courier"/>
+              </a:rPr>
+              <a:t>$HOME</a:t>
+            </a:r>
+            <a:r>
+              <a:rPr>
+                <a:solidFill>
+                  <a:srgbClr val="049B0A"/>
+                </a:solidFill>
+                <a:latin typeface="Courier"/>
+              </a:rPr>
+              <a:t>/.config/fabric/patterns"</a:t>
             </a:r>
             <a:br/>
             <a:r>
@@ -11520,7 +11538,7 @@
                 </a:solidFill>
                 <a:latin typeface="Courier"/>
               </a:rPr>
-              <a:t>"Create a pattern for analyzing AWS CloudTrail logs that identifies privilege escalation attempts"</a:t>
+              <a:t>"Analyzing AWS CloudTrail logs that identifies privilege escalation attempts"</a:t>
             </a:r>
             <a:r>
               <a:rPr>
@@ -12936,7 +12954,7 @@
                 </a:solidFill>
                 <a:latin typeface="Courier"/>
               </a:rPr>
-              <a:t>"- "</a:t>
+              <a:t>"--&gt; "</a:t>
             </a:r>
             <a:r>
               <a:rPr>

--- a/slides/workshop.pptx
+++ b/slides/workshop.pptx
@@ -60,6 +60,8 @@
     <p:sldId id="308" r:id="rId54"/>
     <p:sldId id="309" r:id="rId55"/>
     <p:sldId id="310" r:id="rId56"/>
+    <p:sldId id="311" r:id="rId57"/>
+    <p:sldId id="312" r:id="rId58"/>
   </p:sldIdLst>
   <p:sldSz cx="12192000" cy="6858000"/>
   <p:notesSz cx="6858000" cy="9144000"/>
@@ -5669,16 +5671,7 @@
               <a:buNone/>
             </a:pPr>
             <a:r>
-              <a:t>Understanding the </a:t>
-            </a:r>
-            <a:r>
-              <a:rPr>
-                <a:latin typeface="Courier"/>
-              </a:rPr>
-              <a:t>context</a:t>
-            </a:r>
-            <a:r>
-              <a:t> Parameter</a:t>
+              <a:t>LLM Hallucinations</a:t>
             </a:r>
           </a:p>
         </p:txBody>
@@ -5703,66 +5696,6 @@
         <p:txBody>
           <a:bodyPr/>
           <a:lstStyle/>
-          <a:p>
-            <a:pPr lvl="0"/>
-            <a:r>
-              <a:t>Context files tell the AI how to respond to best meet your needs.</a:t>
-            </a:r>
-          </a:p>
-          <a:p>
-            <a:pPr lvl="0"/>
-            <a:r>
-              <a:t>Fabric expects the files to be in the </a:t>
-            </a:r>
-            <a:r>
-              <a:rPr>
-                <a:latin typeface="Courier"/>
-              </a:rPr>
-              <a:t>~/.config/fabric/contexts</a:t>
-            </a:r>
-            <a:r>
-              <a:t> directory.</a:t>
-            </a:r>
-          </a:p>
-          <a:p>
-            <a:pPr lvl="0"/>
-            <a:r>
-              <a:t>Use </a:t>
-            </a:r>
-            <a:r>
-              <a:rPr>
-                <a:latin typeface="Courier"/>
-              </a:rPr>
-              <a:t>-C</a:t>
-            </a:r>
-            <a:r>
-              <a:t> or </a:t>
-            </a:r>
-            <a:r>
-              <a:rPr>
-                <a:latin typeface="Courier"/>
-              </a:rPr>
-              <a:t>--context</a:t>
-            </a:r>
-            <a:r>
-              <a:t> to specify the context file.</a:t>
-            </a:r>
-          </a:p>
-          <a:p>
-            <a:pPr lvl="0"/>
-            <a:r>
-              <a:t>use </a:t>
-            </a:r>
-            <a:r>
-              <a:rPr>
-                <a:latin typeface="Courier"/>
-              </a:rPr>
-              <a:t>-x</a:t>
-            </a:r>
-            <a:r>
-              <a:t> to list the context files.</a:t>
-            </a:r>
-          </a:p>
           <a:p>
             <a:pPr marL="0" lvl="0" indent="0">
               <a:spcBef>
@@ -5772,20 +5705,61 @@
             </a:pPr>
             <a:r>
               <a:rPr b="1"/>
-              <a:t>Move the files and try them out:</a:t>
-            </a:r>
-          </a:p>
-          <a:p>
-            <a:pPr lvl="0" indent="0">
-              <a:buNone/>
-            </a:pPr>
-            <a:r>
-              <a:rPr>
-                <a:latin typeface="Courier"/>
-              </a:rPr>
-              <a:t>cp context-*.md ~/.config/fabric/contexts/  
-echo "explain the CIA Traid" | fabric -C context-expert.md -p raw_query
-echo "explain the CIA Traid" | fabric -C context-layperson.md -p raw_query</a:t>
+              <a:t>What are Hallucinations?</a:t>
+            </a:r>
+          </a:p>
+          <a:p>
+            <a:pPr lvl="0"/>
+            <a:r>
+              <a:t>When LLMs generate false or made-up information</a:t>
+            </a:r>
+          </a:p>
+          <a:p>
+            <a:pPr lvl="0"/>
+            <a:r>
+              <a:t>Can appear convincing but be completely incorrect</a:t>
+            </a:r>
+          </a:p>
+          <a:p>
+            <a:pPr lvl="0"/>
+            <a:r>
+              <a:t>A significant challenge in AI safety and reliability</a:t>
+            </a:r>
+          </a:p>
+          <a:p>
+            <a:pPr marL="0" lvl="0" indent="0">
+              <a:spcBef>
+                <a:spcPts val="3000"/>
+              </a:spcBef>
+              <a:buNone/>
+            </a:pPr>
+            <a:r>
+              <a:rPr b="1"/>
+              <a:t>Common Types of Hallucinations</a:t>
+            </a:r>
+          </a:p>
+          <a:p>
+            <a:pPr lvl="0"/>
+            <a:r>
+              <a:t>Fabricating facts, statistics, or references</a:t>
+            </a:r>
+          </a:p>
+          <a:p>
+            <a:pPr lvl="0"/>
+            <a:r>
+              <a:t>Creating non-existent citations or sources</a:t>
+            </a:r>
+          </a:p>
+          <a:p>
+            <a:pPr lvl="0"/>
+            <a:r>
+              <a:t>Inventing technical details or procedures</a:t>
+            </a:r>
+          </a:p>
+          <a:p>
+            <a:pPr lvl="0"/>
+            <a:r>
+              <a:t>Mixing up or combining unrelated information</a:t>
             </a:r>
           </a:p>
         </p:txBody>
@@ -5845,7 +5819,7 @@
               <a:buNone/>
             </a:pPr>
             <a:r>
-              <a:t>Understanding Fabric Sessions</a:t>
+              <a:t>Mitigating Hallucinations</a:t>
             </a:r>
           </a:p>
         </p:txBody>
@@ -5873,139 +5847,85 @@
           <a:p>
             <a:pPr lvl="0"/>
             <a:r>
-              <a:t>When you use the </a:t>
-            </a:r>
-            <a:r>
-              <a:rPr>
-                <a:latin typeface="Courier"/>
-              </a:rPr>
-              <a:t>--session=</a:t>
-            </a:r>
-            <a:r>
-              <a:t> parameter, Fabric will use the session file to store the conversation history.</a:t>
-            </a:r>
-          </a:p>
-          <a:p>
-            <a:pPr lvl="0"/>
-            <a:r>
-              <a:t>This will either create a new session or continue an existing session.</a:t>
-            </a:r>
-          </a:p>
-          <a:p>
-            <a:pPr lvl="0"/>
-            <a:r>
-              <a:t>The session file is stored in the </a:t>
-            </a:r>
-            <a:r>
-              <a:rPr>
-                <a:latin typeface="Courier"/>
-              </a:rPr>
-              <a:t>~/.config/fabric/sessions</a:t>
-            </a:r>
-            <a:r>
-              <a:t> directory.</a:t>
-            </a:r>
-          </a:p>
-          <a:p>
-            <a:pPr lvl="0"/>
-            <a:r>
-              <a:t>Use </a:t>
-            </a:r>
-            <a:r>
-              <a:rPr>
-                <a:latin typeface="Courier"/>
-              </a:rPr>
-              <a:t>-X</a:t>
-            </a:r>
-            <a:r>
-              <a:t> or </a:t>
-            </a:r>
-            <a:r>
-              <a:rPr>
-                <a:latin typeface="Courier"/>
-              </a:rPr>
-              <a:t>--listsessions</a:t>
-            </a:r>
-            <a:r>
-              <a:t> to list the sessions.</a:t>
-            </a:r>
-          </a:p>
-          <a:p>
-            <a:pPr lvl="0"/>
-            <a:r>
-              <a:t>Use </a:t>
-            </a:r>
-            <a:r>
-              <a:rPr>
-                <a:latin typeface="Courier"/>
-              </a:rPr>
-              <a:t>-W</a:t>
-            </a:r>
-            <a:r>
-              <a:t> or </a:t>
-            </a:r>
-            <a:r>
-              <a:rPr>
-                <a:latin typeface="Courier"/>
-              </a:rPr>
-              <a:t>--wipesession=</a:t>
-            </a:r>
-            <a:r>
-              <a:t> to delete a session.</a:t>
-            </a:r>
-          </a:p>
-          <a:p>
-            <a:pPr lvl="0"/>
-            <a:r>
-              <a:t>To print the session, use </a:t>
-            </a:r>
-            <a:r>
-              <a:rPr>
-                <a:latin typeface="Courier"/>
-              </a:rPr>
-              <a:t>--printsession</a:t>
-            </a:r>
-            <a:r>
-              <a:t>.</a:t>
-            </a:r>
-          </a:p>
-          <a:p>
-            <a:pPr lvl="0"/>
-            <a:r>
-              <a:t>Output the entire session to the output file using </a:t>
-            </a:r>
-            <a:r>
-              <a:rPr>
-                <a:latin typeface="Courier"/>
-              </a:rPr>
-              <a:t>--output-session</a:t>
-            </a:r>
-            <a:r>
-              <a:t>.</a:t>
-            </a:r>
-          </a:p>
-          <a:p>
-            <a:pPr lvl="0"/>
-            <a:r>
-              <a:t>Specify the output file using </a:t>
-            </a:r>
-            <a:r>
-              <a:rPr>
-                <a:latin typeface="Courier"/>
-              </a:rPr>
-              <a:t>-o</a:t>
-            </a:r>
-            <a:r>
-              <a:t> or </a:t>
-            </a:r>
-            <a:r>
-              <a:rPr>
-                <a:latin typeface="Courier"/>
-              </a:rPr>
-              <a:t>--output</a:t>
-            </a:r>
-            <a:r>
-              <a:t>.</a:t>
+              <a:t>Use lower temperature settings (0.0-0.3)</a:t>
+            </a:r>
+          </a:p>
+          <a:p>
+            <a:pPr lvl="0"/>
+            <a:r>
+              <a:t>Always verify critical information</a:t>
+            </a:r>
+          </a:p>
+          <a:p>
+            <a:pPr lvl="0"/>
+            <a:r>
+              <a:t>Cross-reference with trusted sources</a:t>
+            </a:r>
+          </a:p>
+          <a:p>
+            <a:pPr lvl="0"/>
+            <a:r>
+              <a:t>Be especially careful with:</a:t>
+            </a:r>
+          </a:p>
+          <a:p>
+            <a:pPr lvl="1"/>
+            <a:r>
+              <a:t>Technical specifications</a:t>
+            </a:r>
+          </a:p>
+          <a:p>
+            <a:pPr lvl="1"/>
+            <a:r>
+              <a:t>Historical dates and facts</a:t>
+            </a:r>
+          </a:p>
+          <a:p>
+            <a:pPr lvl="1"/>
+            <a:r>
+              <a:t>Citations and references</a:t>
+            </a:r>
+          </a:p>
+          <a:p>
+            <a:pPr lvl="1"/>
+            <a:r>
+              <a:t>Security-related information</a:t>
+            </a:r>
+          </a:p>
+          <a:p>
+            <a:pPr marL="0" lvl="0" indent="0">
+              <a:spcBef>
+                <a:spcPts val="3000"/>
+              </a:spcBef>
+              <a:buNone/>
+            </a:pPr>
+            <a:r>
+              <a:rPr b="1"/>
+              <a:t>Best Practices</a:t>
+            </a:r>
+          </a:p>
+          <a:p>
+            <a:pPr lvl="0"/>
+            <a:r>
+              <a:t>Treat LLM outputs as suggestions, not facts</a:t>
+            </a:r>
+          </a:p>
+          <a:p>
+            <a:pPr lvl="0"/>
+            <a:r>
+              <a:t>Implement human verification for critical tasks</a:t>
+            </a:r>
+          </a:p>
+          <a:p>
+            <a:pPr lvl="0"/>
+            <a:r>
+              <a:t>Use system prompts that emphasize accuracy</a:t>
+            </a:r>
+          </a:p>
+          <a:p>
+            <a:pPr lvl="0"/>
+            <a:r>
+              <a:t>Consider using multiple LLMs for cross-validation</a:t>
             </a:r>
           </a:p>
         </p:txBody>
@@ -6065,7 +5985,16 @@
               <a:buNone/>
             </a:pPr>
             <a:r>
-              <a:t>Understanding Fabric Patterns</a:t>
+              <a:t>Understanding the </a:t>
+            </a:r>
+            <a:r>
+              <a:rPr>
+                <a:latin typeface="Courier"/>
+              </a:rPr>
+              <a:t>context</a:t>
+            </a:r>
+            <a:r>
+              <a:t> Parameter</a:t>
             </a:r>
           </a:p>
         </p:txBody>
@@ -6090,6 +6019,66 @@
         <p:txBody>
           <a:bodyPr/>
           <a:lstStyle/>
+          <a:p>
+            <a:pPr lvl="0"/>
+            <a:r>
+              <a:t>Context files tell the AI how to respond to best meet your needs.</a:t>
+            </a:r>
+          </a:p>
+          <a:p>
+            <a:pPr lvl="0"/>
+            <a:r>
+              <a:t>Fabric expects the files to be in the </a:t>
+            </a:r>
+            <a:r>
+              <a:rPr>
+                <a:latin typeface="Courier"/>
+              </a:rPr>
+              <a:t>~/.config/fabric/contexts</a:t>
+            </a:r>
+            <a:r>
+              <a:t> directory.</a:t>
+            </a:r>
+          </a:p>
+          <a:p>
+            <a:pPr lvl="0"/>
+            <a:r>
+              <a:t>Use </a:t>
+            </a:r>
+            <a:r>
+              <a:rPr>
+                <a:latin typeface="Courier"/>
+              </a:rPr>
+              <a:t>-C</a:t>
+            </a:r>
+            <a:r>
+              <a:t> or </a:t>
+            </a:r>
+            <a:r>
+              <a:rPr>
+                <a:latin typeface="Courier"/>
+              </a:rPr>
+              <a:t>--context</a:t>
+            </a:r>
+            <a:r>
+              <a:t> to specify the context file.</a:t>
+            </a:r>
+          </a:p>
+          <a:p>
+            <a:pPr lvl="0"/>
+            <a:r>
+              <a:t>use </a:t>
+            </a:r>
+            <a:r>
+              <a:rPr>
+                <a:latin typeface="Courier"/>
+              </a:rPr>
+              <a:t>-x</a:t>
+            </a:r>
+            <a:r>
+              <a:t> to list the context files.</a:t>
+            </a:r>
+          </a:p>
           <a:p>
             <a:pPr marL="0" lvl="0" indent="0">
               <a:spcBef>
@@ -6099,70 +6088,20 @@
             </a:pPr>
             <a:r>
               <a:rPr b="1"/>
-              <a:t>What are Fabric Patterns?</a:t>
-            </a:r>
-          </a:p>
-          <a:p>
-            <a:pPr lvl="0"/>
-            <a:r>
-              <a:t>Pre-defined prompt templates that leverage LLMs for specific tasks</a:t>
-            </a:r>
-          </a:p>
-          <a:p>
-            <a:pPr lvl="0"/>
-            <a:r>
-              <a:t>Building blocks for automating common workflows</a:t>
-            </a:r>
-          </a:p>
-          <a:p>
-            <a:pPr lvl="0"/>
-            <a:r>
-              <a:t>Can be customized and extended for specific needs</a:t>
-            </a:r>
-          </a:p>
-          <a:p>
-            <a:pPr lvl="0"/>
-            <a:r>
-              <a:t>Designed for reusability and consistency</a:t>
-            </a:r>
-          </a:p>
-          <a:p>
-            <a:pPr marL="0" lvl="0" indent="0">
-              <a:spcBef>
-                <a:spcPts val="3000"/>
-              </a:spcBef>
-              <a:buNone/>
-            </a:pPr>
-            <a:r>
-              <a:rPr b="1"/>
-              <a:t>Let’sExamine Some Patterns</a:t>
-            </a:r>
-          </a:p>
-          <a:p>
-            <a:pPr lvl="0"/>
-            <a:r>
-              <a:rPr>
-                <a:hlinkClick r:id="rId2"/>
-              </a:rPr>
-              <a:t>summarize</a:t>
-            </a:r>
-          </a:p>
-          <a:p>
-            <a:pPr lvl="0"/>
-            <a:r>
-              <a:rPr>
-                <a:hlinkClick r:id="rId3"/>
-              </a:rPr>
-              <a:t>extract_wisdom</a:t>
-            </a:r>
-          </a:p>
-          <a:p>
-            <a:pPr lvl="0"/>
-            <a:r>
-              <a:rPr>
-                <a:hlinkClick r:id="rId4"/>
-              </a:rPr>
-              <a:t>analyze_logs</a:t>
+              <a:t>Move the files and try them out:</a:t>
+            </a:r>
+          </a:p>
+          <a:p>
+            <a:pPr lvl="0" indent="0">
+              <a:buNone/>
+            </a:pPr>
+            <a:r>
+              <a:rPr>
+                <a:latin typeface="Courier"/>
+              </a:rPr>
+              <a:t>cp context-*.md ~/.config/fabric/contexts/  
+echo "explain the CIA Traid" | fabric -C context-expert.md -p raw_query
+echo "explain the CIA Traid" | fabric -C context-layperson.md -p raw_query</a:t>
             </a:r>
           </a:p>
         </p:txBody>
@@ -6222,7 +6161,7 @@
               <a:buNone/>
             </a:pPr>
             <a:r>
-              <a:t>Using Fabric Patterns Effectively</a:t>
+              <a:t>Understanding Fabric Sessions</a:t>
             </a:r>
           </a:p>
         </p:txBody>
@@ -6248,51 +6187,141 @@
           <a:bodyPr/>
           <a:lstStyle/>
           <a:p>
-            <a:pPr marL="0" lvl="0" indent="0">
-              <a:spcBef>
-                <a:spcPts val="3000"/>
-              </a:spcBef>
-              <a:buNone/>
-            </a:pPr>
-            <a:r>
-              <a:rPr b="1"/>
-              <a:t>Best Practices</a:t>
-            </a:r>
-          </a:p>
-          <a:p>
-            <a:pPr lvl="0"/>
-            <a:r>
-              <a:t>Examine the contents of the pattern</a:t>
-            </a:r>
-          </a:p>
-          <a:p>
-            <a:pPr lvl="0"/>
-            <a:r>
-              <a:t>Choose the right pattern for your use case</a:t>
-            </a:r>
-          </a:p>
-          <a:p>
-            <a:pPr lvl="0"/>
-            <a:r>
-              <a:t>Understand pattern inputs and outputs</a:t>
-            </a:r>
-          </a:p>
-          <a:p>
-            <a:pPr lvl="0"/>
-            <a:r>
-              <a:t>Test patterns with sample data first</a:t>
-            </a:r>
-          </a:p>
-          <a:p>
-            <a:pPr lvl="0"/>
-            <a:r>
-              <a:t>Document any customizations you make</a:t>
-            </a:r>
-          </a:p>
-          <a:p>
-            <a:pPr lvl="0"/>
-            <a:r>
-              <a:t>Share successful patterns with the community</a:t>
+            <a:pPr lvl="0"/>
+            <a:r>
+              <a:t>When you use the </a:t>
+            </a:r>
+            <a:r>
+              <a:rPr>
+                <a:latin typeface="Courier"/>
+              </a:rPr>
+              <a:t>--session=</a:t>
+            </a:r>
+            <a:r>
+              <a:t> parameter, Fabric will use the session file to store the conversation history.</a:t>
+            </a:r>
+          </a:p>
+          <a:p>
+            <a:pPr lvl="0"/>
+            <a:r>
+              <a:t>This will either create a new session or continue an existing session.</a:t>
+            </a:r>
+          </a:p>
+          <a:p>
+            <a:pPr lvl="0"/>
+            <a:r>
+              <a:t>The session file is stored in the </a:t>
+            </a:r>
+            <a:r>
+              <a:rPr>
+                <a:latin typeface="Courier"/>
+              </a:rPr>
+              <a:t>~/.config/fabric/sessions</a:t>
+            </a:r>
+            <a:r>
+              <a:t> directory.</a:t>
+            </a:r>
+          </a:p>
+          <a:p>
+            <a:pPr lvl="0"/>
+            <a:r>
+              <a:t>Use </a:t>
+            </a:r>
+            <a:r>
+              <a:rPr>
+                <a:latin typeface="Courier"/>
+              </a:rPr>
+              <a:t>-X</a:t>
+            </a:r>
+            <a:r>
+              <a:t> or </a:t>
+            </a:r>
+            <a:r>
+              <a:rPr>
+                <a:latin typeface="Courier"/>
+              </a:rPr>
+              <a:t>--listsessions</a:t>
+            </a:r>
+            <a:r>
+              <a:t> to list the sessions.</a:t>
+            </a:r>
+          </a:p>
+          <a:p>
+            <a:pPr lvl="0"/>
+            <a:r>
+              <a:t>Use </a:t>
+            </a:r>
+            <a:r>
+              <a:rPr>
+                <a:latin typeface="Courier"/>
+              </a:rPr>
+              <a:t>-W</a:t>
+            </a:r>
+            <a:r>
+              <a:t> or </a:t>
+            </a:r>
+            <a:r>
+              <a:rPr>
+                <a:latin typeface="Courier"/>
+              </a:rPr>
+              <a:t>--wipesession=</a:t>
+            </a:r>
+            <a:r>
+              <a:t> to delete a session.</a:t>
+            </a:r>
+          </a:p>
+          <a:p>
+            <a:pPr lvl="0"/>
+            <a:r>
+              <a:t>To print the session, use </a:t>
+            </a:r>
+            <a:r>
+              <a:rPr>
+                <a:latin typeface="Courier"/>
+              </a:rPr>
+              <a:t>--printsession</a:t>
+            </a:r>
+            <a:r>
+              <a:t>.</a:t>
+            </a:r>
+          </a:p>
+          <a:p>
+            <a:pPr lvl="0"/>
+            <a:r>
+              <a:t>Output the entire session to the output file using </a:t>
+            </a:r>
+            <a:r>
+              <a:rPr>
+                <a:latin typeface="Courier"/>
+              </a:rPr>
+              <a:t>--output-session</a:t>
+            </a:r>
+            <a:r>
+              <a:t>.</a:t>
+            </a:r>
+          </a:p>
+          <a:p>
+            <a:pPr lvl="0"/>
+            <a:r>
+              <a:t>Specify the output file using </a:t>
+            </a:r>
+            <a:r>
+              <a:rPr>
+                <a:latin typeface="Courier"/>
+              </a:rPr>
+              <a:t>-o</a:t>
+            </a:r>
+            <a:r>
+              <a:t> or </a:t>
+            </a:r>
+            <a:r>
+              <a:rPr>
+                <a:latin typeface="Courier"/>
+              </a:rPr>
+              <a:t>--output</a:t>
+            </a:r>
+            <a:r>
+              <a:t>.</a:t>
             </a:r>
           </a:p>
         </p:txBody>
@@ -6352,7 +6381,7 @@
               <a:buNone/>
             </a:pPr>
             <a:r>
-              <a:t>Git &amp; GitHub Essentials</a:t>
+              <a:t>Understanding Fabric Patterns</a:t>
             </a:r>
           </a:p>
         </p:txBody>
@@ -6386,37 +6415,31 @@
             </a:pPr>
             <a:r>
               <a:rPr b="1"/>
-              <a:t>Version Control Basics</a:t>
-            </a:r>
-          </a:p>
-          <a:p>
-            <a:pPr lvl="0"/>
-            <a:r>
-              <a:t>Git tracks changes in your code over time</a:t>
-            </a:r>
-          </a:p>
-          <a:p>
-            <a:pPr lvl="0"/>
-            <a:r>
-              <a:t>Enables collaboration between developers</a:t>
-            </a:r>
-          </a:p>
-          <a:p>
-            <a:pPr lvl="0"/>
-            <a:r>
-              <a:t>Maintains history of all modifications</a:t>
-            </a:r>
-          </a:p>
-          <a:p>
-            <a:pPr lvl="0"/>
-            <a:r>
-              <a:t>Track who changed what and when</a:t>
-            </a:r>
-          </a:p>
-          <a:p>
-            <a:pPr lvl="0"/>
-            <a:r>
-              <a:t>Revert to previous versions</a:t>
+              <a:t>What are Fabric Patterns?</a:t>
+            </a:r>
+          </a:p>
+          <a:p>
+            <a:pPr lvl="0"/>
+            <a:r>
+              <a:t>Pre-defined prompt templates that leverage LLMs for specific tasks</a:t>
+            </a:r>
+          </a:p>
+          <a:p>
+            <a:pPr lvl="0"/>
+            <a:r>
+              <a:t>Building blocks for automating common workflows</a:t>
+            </a:r>
+          </a:p>
+          <a:p>
+            <a:pPr lvl="0"/>
+            <a:r>
+              <a:t>Can be customized and extended for specific needs</a:t>
+            </a:r>
+          </a:p>
+          <a:p>
+            <a:pPr lvl="0"/>
+            <a:r>
+              <a:t>Designed for reusability and consistency</a:t>
             </a:r>
           </a:p>
           <a:p>
@@ -6428,151 +6451,34 @@
             </a:pPr>
             <a:r>
               <a:rPr b="1"/>
-              <a:t>Key Git Commands</a:t>
-            </a:r>
-          </a:p>
-          <a:p>
-            <a:pPr lvl="0" indent="0">
-              <a:buNone/>
-            </a:pPr>
-            <a:r>
-              <a:rPr b="1">
-                <a:solidFill>
-                  <a:srgbClr val="FF9358"/>
-                </a:solidFill>
-                <a:latin typeface="Courier"/>
-              </a:rPr>
-              <a:t>git</a:t>
-            </a:r>
-            <a:r>
-              <a:rPr>
-                <a:solidFill>
-                  <a:srgbClr val="BDAE9D"/>
-                </a:solidFill>
-                <a:latin typeface="Courier"/>
-              </a:rPr>
-              <a:t> clone    </a:t>
-            </a:r>
-            <a:r>
-              <a:rPr b="1" i="1">
-                <a:solidFill>
-                  <a:srgbClr val="0066FF"/>
-                </a:solidFill>
-                <a:latin typeface="Courier"/>
-              </a:rPr>
-              <a:t># Copy a repository</a:t>
-            </a:r>
-            <a:br/>
-            <a:r>
-              <a:rPr b="1">
-                <a:solidFill>
-                  <a:srgbClr val="FF9358"/>
-                </a:solidFill>
-                <a:latin typeface="Courier"/>
-              </a:rPr>
-              <a:t>git</a:t>
-            </a:r>
-            <a:r>
-              <a:rPr>
-                <a:solidFill>
-                  <a:srgbClr val="BDAE9D"/>
-                </a:solidFill>
-                <a:latin typeface="Courier"/>
-              </a:rPr>
-              <a:t> add      </a:t>
-            </a:r>
-            <a:r>
-              <a:rPr b="1" i="1">
-                <a:solidFill>
-                  <a:srgbClr val="0066FF"/>
-                </a:solidFill>
-                <a:latin typeface="Courier"/>
-              </a:rPr>
-              <a:t># Stage changes</a:t>
-            </a:r>
-            <a:br/>
-            <a:r>
-              <a:rPr b="1">
-                <a:solidFill>
-                  <a:srgbClr val="FF9358"/>
-                </a:solidFill>
-                <a:latin typeface="Courier"/>
-              </a:rPr>
-              <a:t>git</a:t>
-            </a:r>
-            <a:r>
-              <a:rPr>
-                <a:solidFill>
-                  <a:srgbClr val="BDAE9D"/>
-                </a:solidFill>
-                <a:latin typeface="Courier"/>
-              </a:rPr>
-              <a:t> commit   </a:t>
-            </a:r>
-            <a:r>
-              <a:rPr b="1" i="1">
-                <a:solidFill>
-                  <a:srgbClr val="0066FF"/>
-                </a:solidFill>
-                <a:latin typeface="Courier"/>
-              </a:rPr>
-              <a:t># Save changes</a:t>
-            </a:r>
-            <a:br/>
-            <a:r>
-              <a:rPr b="1">
-                <a:solidFill>
-                  <a:srgbClr val="FF9358"/>
-                </a:solidFill>
-                <a:latin typeface="Courier"/>
-              </a:rPr>
-              <a:t>git</a:t>
-            </a:r>
-            <a:r>
-              <a:rPr>
-                <a:solidFill>
-                  <a:srgbClr val="BDAE9D"/>
-                </a:solidFill>
-                <a:latin typeface="Courier"/>
-              </a:rPr>
-              <a:t> push     </a:t>
-            </a:r>
-            <a:r>
-              <a:rPr b="1" i="1">
-                <a:solidFill>
-                  <a:srgbClr val="0066FF"/>
-                </a:solidFill>
-                <a:latin typeface="Courier"/>
-              </a:rPr>
-              <a:t># Upload to GitHub</a:t>
-            </a:r>
-            <a:br/>
-            <a:r>
-              <a:rPr b="1">
-                <a:solidFill>
-                  <a:srgbClr val="FF9358"/>
-                </a:solidFill>
-                <a:latin typeface="Courier"/>
-              </a:rPr>
-              <a:t>git</a:t>
-            </a:r>
-            <a:r>
-              <a:rPr>
-                <a:solidFill>
-                  <a:srgbClr val="BDAE9D"/>
-                </a:solidFill>
-                <a:latin typeface="Courier"/>
-              </a:rPr>
-              <a:t> pull     </a:t>
-            </a:r>
-            <a:r>
-              <a:rPr b="1" i="1">
-                <a:solidFill>
-                  <a:srgbClr val="0066FF"/>
-                </a:solidFill>
-                <a:latin typeface="Courier"/>
-              </a:rPr>
-              <a:t># Download updates</a:t>
+              <a:t>Let’sExamine Some Patterns</a:t>
+            </a:r>
+          </a:p>
+          <a:p>
+            <a:pPr lvl="0"/>
+            <a:r>
+              <a:rPr>
+                <a:hlinkClick r:id="rId2"/>
+              </a:rPr>
+              <a:t>summarize</a:t>
+            </a:r>
+          </a:p>
+          <a:p>
+            <a:pPr lvl="0"/>
+            <a:r>
+              <a:rPr>
+                <a:hlinkClick r:id="rId3"/>
+              </a:rPr>
+              <a:t>extract_wisdom</a:t>
+            </a:r>
+          </a:p>
+          <a:p>
+            <a:pPr lvl="0"/>
+            <a:r>
+              <a:rPr>
+                <a:hlinkClick r:id="rId4"/>
+              </a:rPr>
+              <a:t>analyze_logs</a:t>
             </a:r>
           </a:p>
         </p:txBody>
@@ -6632,7 +6538,7 @@
               <a:buNone/>
             </a:pPr>
             <a:r>
-              <a:t>The Fabric Repository</a:t>
+              <a:t>Using Fabric Patterns Effectively</a:t>
             </a:r>
           </a:p>
         </p:txBody>
@@ -6666,96 +6572,43 @@
             </a:pPr>
             <a:r>
               <a:rPr b="1"/>
-              <a:t>Repository Overview</a:t>
-            </a:r>
-          </a:p>
-          <a:p>
-            <a:pPr marL="0" lvl="0" indent="0">
-              <a:buNone/>
-            </a:pPr>
-            <a:r>
-              <a:rPr>
-                <a:hlinkClick r:id="rId2"/>
-              </a:rPr>
-              <a:t>github.com/danielmiessler/fabric</a:t>
-            </a:r>
-          </a:p>
-          <a:p>
-            <a:pPr marL="0" lvl="0" indent="0">
-              <a:spcBef>
-                <a:spcPts val="3000"/>
-              </a:spcBef>
-              <a:buNone/>
-            </a:pPr>
-            <a:r>
-              <a:rPr b="1"/>
-              <a:t>Key Components</a:t>
-            </a:r>
-          </a:p>
-          <a:p>
-            <a:pPr lvl="0"/>
-            <a:r>
-              <a:rPr>
-                <a:latin typeface="Courier"/>
-              </a:rPr>
-              <a:t>/patterns</a:t>
-            </a:r>
-            <a:r>
-              <a:t>: AI prompt templates</a:t>
-            </a:r>
-          </a:p>
-          <a:p>
-            <a:pPr lvl="0"/>
-            <a:r>
-              <a:rPr>
-                <a:latin typeface="Courier"/>
-              </a:rPr>
-              <a:t>README.md</a:t>
-            </a:r>
-            <a:r>
-              <a:t>: Getting started guide</a:t>
-            </a:r>
-          </a:p>
-          <a:p>
-            <a:pPr lvl="0"/>
-            <a:r>
-              <a:t>Commit History</a:t>
-            </a:r>
-          </a:p>
-          <a:p>
-            <a:pPr marL="0" lvl="0" indent="0">
-              <a:spcBef>
-                <a:spcPts val="3000"/>
-              </a:spcBef>
-              <a:buNone/>
-            </a:pPr>
-            <a:r>
-              <a:rPr b="1"/>
-              <a:t>Community Features</a:t>
-            </a:r>
-          </a:p>
-          <a:p>
-            <a:pPr lvl="0"/>
-            <a:r>
-              <a:t>Issues: Bug reports and feature requests</a:t>
-            </a:r>
-          </a:p>
-          <a:p>
-            <a:pPr lvl="0"/>
-            <a:r>
-              <a:t>Discussions: Community interaction</a:t>
-            </a:r>
-          </a:p>
-          <a:p>
-            <a:pPr lvl="0"/>
-            <a:r>
-              <a:t>Pull Requests: Contribute improvements</a:t>
-            </a:r>
-          </a:p>
-          <a:p>
-            <a:pPr lvl="0"/>
-            <a:r>
-              <a:t>Stars: ⭐️ Show support</a:t>
+              <a:t>Best Practices</a:t>
+            </a:r>
+          </a:p>
+          <a:p>
+            <a:pPr lvl="0"/>
+            <a:r>
+              <a:t>Examine the contents of the pattern</a:t>
+            </a:r>
+          </a:p>
+          <a:p>
+            <a:pPr lvl="0"/>
+            <a:r>
+              <a:t>Choose the right pattern for your use case</a:t>
+            </a:r>
+          </a:p>
+          <a:p>
+            <a:pPr lvl="0"/>
+            <a:r>
+              <a:t>Understand pattern inputs and outputs</a:t>
+            </a:r>
+          </a:p>
+          <a:p>
+            <a:pPr lvl="0"/>
+            <a:r>
+              <a:t>Test patterns with sample data first</a:t>
+            </a:r>
+          </a:p>
+          <a:p>
+            <a:pPr lvl="0"/>
+            <a:r>
+              <a:t>Document any customizations you make</a:t>
+            </a:r>
+          </a:p>
+          <a:p>
+            <a:pPr lvl="0"/>
+            <a:r>
+              <a:t>Share successful patterns with the community</a:t>
             </a:r>
           </a:p>
         </p:txBody>
@@ -6815,7 +6668,7 @@
               <a:buNone/>
             </a:pPr>
             <a:r>
-              <a:t>Understanding GitHub Codespaces</a:t>
+              <a:t>Git &amp; GitHub Essentials</a:t>
             </a:r>
           </a:p>
         </p:txBody>
@@ -6849,31 +6702,37 @@
             </a:pPr>
             <a:r>
               <a:rPr b="1"/>
-              <a:t>What is Codespaces?</a:t>
-            </a:r>
-          </a:p>
-          <a:p>
-            <a:pPr lvl="0"/>
-            <a:r>
-              <a:t>Cloud-based development environment</a:t>
-            </a:r>
-          </a:p>
-          <a:p>
-            <a:pPr lvl="0"/>
-            <a:r>
-              <a:t>Full VS Code in your browser</a:t>
-            </a:r>
-          </a:p>
-          <a:p>
-            <a:pPr lvl="0"/>
-            <a:r>
-              <a:t>Pre-configured development container</a:t>
-            </a:r>
-          </a:p>
-          <a:p>
-            <a:pPr lvl="0"/>
-            <a:r>
-              <a:t>Accessible from anywhere</a:t>
+              <a:t>Version Control Basics</a:t>
+            </a:r>
+          </a:p>
+          <a:p>
+            <a:pPr lvl="0"/>
+            <a:r>
+              <a:t>Git tracks changes in your code over time</a:t>
+            </a:r>
+          </a:p>
+          <a:p>
+            <a:pPr lvl="0"/>
+            <a:r>
+              <a:t>Enables collaboration between developers</a:t>
+            </a:r>
+          </a:p>
+          <a:p>
+            <a:pPr lvl="0"/>
+            <a:r>
+              <a:t>Maintains history of all modifications</a:t>
+            </a:r>
+          </a:p>
+          <a:p>
+            <a:pPr lvl="0"/>
+            <a:r>
+              <a:t>Track who changed what and when</a:t>
+            </a:r>
+          </a:p>
+          <a:p>
+            <a:pPr lvl="0"/>
+            <a:r>
+              <a:t>Revert to previous versions</a:t>
             </a:r>
           </a:p>
           <a:p>
@@ -6885,37 +6744,151 @@
             </a:pPr>
             <a:r>
               <a:rPr b="1"/>
-              <a:t>Key Benefits</a:t>
-            </a:r>
-          </a:p>
-          <a:p>
-            <a:pPr lvl="0"/>
-            <a:r>
-              <a:t>No local setup required</a:t>
-            </a:r>
-          </a:p>
-          <a:p>
-            <a:pPr lvl="0"/>
-            <a:r>
-              <a:t>Consistent environment</a:t>
-            </a:r>
-          </a:p>
-          <a:p>
-            <a:pPr lvl="0"/>
-            <a:r>
-              <a:t>Integrated with GitHub</a:t>
-            </a:r>
-          </a:p>
-          <a:p>
-            <a:pPr lvl="0"/>
-            <a:r>
-              <a:t>Full terminal access</a:t>
-            </a:r>
-          </a:p>
-          <a:p>
-            <a:pPr lvl="0"/>
-            <a:r>
-              <a:t>Extensions pre-installed</a:t>
+              <a:t>Key Git Commands</a:t>
+            </a:r>
+          </a:p>
+          <a:p>
+            <a:pPr lvl="0" indent="0">
+              <a:buNone/>
+            </a:pPr>
+            <a:r>
+              <a:rPr b="1">
+                <a:solidFill>
+                  <a:srgbClr val="FF9358"/>
+                </a:solidFill>
+                <a:latin typeface="Courier"/>
+              </a:rPr>
+              <a:t>git</a:t>
+            </a:r>
+            <a:r>
+              <a:rPr>
+                <a:solidFill>
+                  <a:srgbClr val="BDAE9D"/>
+                </a:solidFill>
+                <a:latin typeface="Courier"/>
+              </a:rPr>
+              <a:t> clone    </a:t>
+            </a:r>
+            <a:r>
+              <a:rPr b="1" i="1">
+                <a:solidFill>
+                  <a:srgbClr val="0066FF"/>
+                </a:solidFill>
+                <a:latin typeface="Courier"/>
+              </a:rPr>
+              <a:t># Copy a repository</a:t>
+            </a:r>
+            <a:br/>
+            <a:r>
+              <a:rPr b="1">
+                <a:solidFill>
+                  <a:srgbClr val="FF9358"/>
+                </a:solidFill>
+                <a:latin typeface="Courier"/>
+              </a:rPr>
+              <a:t>git</a:t>
+            </a:r>
+            <a:r>
+              <a:rPr>
+                <a:solidFill>
+                  <a:srgbClr val="BDAE9D"/>
+                </a:solidFill>
+                <a:latin typeface="Courier"/>
+              </a:rPr>
+              <a:t> add      </a:t>
+            </a:r>
+            <a:r>
+              <a:rPr b="1" i="1">
+                <a:solidFill>
+                  <a:srgbClr val="0066FF"/>
+                </a:solidFill>
+                <a:latin typeface="Courier"/>
+              </a:rPr>
+              <a:t># Stage changes</a:t>
+            </a:r>
+            <a:br/>
+            <a:r>
+              <a:rPr b="1">
+                <a:solidFill>
+                  <a:srgbClr val="FF9358"/>
+                </a:solidFill>
+                <a:latin typeface="Courier"/>
+              </a:rPr>
+              <a:t>git</a:t>
+            </a:r>
+            <a:r>
+              <a:rPr>
+                <a:solidFill>
+                  <a:srgbClr val="BDAE9D"/>
+                </a:solidFill>
+                <a:latin typeface="Courier"/>
+              </a:rPr>
+              <a:t> commit   </a:t>
+            </a:r>
+            <a:r>
+              <a:rPr b="1" i="1">
+                <a:solidFill>
+                  <a:srgbClr val="0066FF"/>
+                </a:solidFill>
+                <a:latin typeface="Courier"/>
+              </a:rPr>
+              <a:t># Save changes</a:t>
+            </a:r>
+            <a:br/>
+            <a:r>
+              <a:rPr b="1">
+                <a:solidFill>
+                  <a:srgbClr val="FF9358"/>
+                </a:solidFill>
+                <a:latin typeface="Courier"/>
+              </a:rPr>
+              <a:t>git</a:t>
+            </a:r>
+            <a:r>
+              <a:rPr>
+                <a:solidFill>
+                  <a:srgbClr val="BDAE9D"/>
+                </a:solidFill>
+                <a:latin typeface="Courier"/>
+              </a:rPr>
+              <a:t> push     </a:t>
+            </a:r>
+            <a:r>
+              <a:rPr b="1" i="1">
+                <a:solidFill>
+                  <a:srgbClr val="0066FF"/>
+                </a:solidFill>
+                <a:latin typeface="Courier"/>
+              </a:rPr>
+              <a:t># Upload to GitHub</a:t>
+            </a:r>
+            <a:br/>
+            <a:r>
+              <a:rPr b="1">
+                <a:solidFill>
+                  <a:srgbClr val="FF9358"/>
+                </a:solidFill>
+                <a:latin typeface="Courier"/>
+              </a:rPr>
+              <a:t>git</a:t>
+            </a:r>
+            <a:r>
+              <a:rPr>
+                <a:solidFill>
+                  <a:srgbClr val="BDAE9D"/>
+                </a:solidFill>
+                <a:latin typeface="Courier"/>
+              </a:rPr>
+              <a:t> pull     </a:t>
+            </a:r>
+            <a:r>
+              <a:rPr b="1" i="1">
+                <a:solidFill>
+                  <a:srgbClr val="0066FF"/>
+                </a:solidFill>
+                <a:latin typeface="Courier"/>
+              </a:rPr>
+              <a:t># Download updates</a:t>
             </a:r>
           </a:p>
         </p:txBody>
@@ -6975,7 +6948,7 @@
               <a:buNone/>
             </a:pPr>
             <a:r>
-              <a:t>Setting Up Fabric in Codespaces</a:t>
+              <a:t>The Fabric Repository</a:t>
             </a:r>
           </a:p>
         </p:txBody>
@@ -7009,48 +6982,18 @@
             </a:pPr>
             <a:r>
               <a:rPr b="1"/>
-              <a:t>Quick Start</a:t>
-            </a:r>
-          </a:p>
-          <a:p>
-            <a:pPr marL="457200" lvl="0" indent="-457200">
-              <a:buAutoNum type="arabicPeriod"/>
-            </a:pPr>
-            <a:r>
-              <a:t>Navigate to </a:t>
-            </a:r>
+              <a:t>Repository Overview</a:t>
+            </a:r>
+          </a:p>
+          <a:p>
+            <a:pPr marL="0" lvl="0" indent="0">
+              <a:buNone/>
+            </a:pPr>
             <a:r>
               <a:rPr>
                 <a:hlinkClick r:id="rId2"/>
               </a:rPr>
-              <a:t>fabric_on_codespace</a:t>
-            </a:r>
-            <a:r>
-              <a:t> repository</a:t>
-            </a:r>
-          </a:p>
-          <a:p>
-            <a:pPr marL="457200" lvl="0" indent="-457200">
-              <a:buAutoNum type="arabicPeriod"/>
-            </a:pPr>
-            <a:r>
-              <a:t>Click “Code” button</a:t>
-            </a:r>
-          </a:p>
-          <a:p>
-            <a:pPr marL="457200" lvl="0" indent="-457200">
-              <a:buAutoNum type="arabicPeriod"/>
-            </a:pPr>
-            <a:r>
-              <a:t>Select “Open with Codespaces”</a:t>
-            </a:r>
-          </a:p>
-          <a:p>
-            <a:pPr marL="457200" lvl="0" indent="-457200">
-              <a:buAutoNum type="arabicPeriod"/>
-            </a:pPr>
-            <a:r>
-              <a:t>Choose machine type</a:t>
+              <a:t>github.com/danielmiessler/fabric</a:t>
             </a:r>
           </a:p>
           <a:p>
@@ -7062,40 +7005,73 @@
             </a:pPr>
             <a:r>
               <a:rPr b="1"/>
-              <a:t>Environment Features</a:t>
-            </a:r>
-          </a:p>
-          <a:p>
-            <a:pPr lvl="0"/>
-            <a:r>
-              <a:t>Fabric pre-installed</a:t>
-            </a:r>
-          </a:p>
-          <a:p>
-            <a:pPr lvl="0"/>
-            <a:r>
-              <a:t>Required dependencies ready</a:t>
-            </a:r>
-          </a:p>
-          <a:p>
-            <a:pPr lvl="0"/>
-            <a:r>
-              <a:t>Pattern directories configured</a:t>
-            </a:r>
-          </a:p>
-          <a:p>
-            <a:pPr lvl="0"/>
-            <a:r>
-              <a:t>Github authentication handled</a:t>
-            </a:r>
-          </a:p>
-          <a:p>
-            <a:pPr marL="1270000" lvl="0" indent="0">
-              <a:buNone/>
-            </a:pPr>
-            <a:r>
-              <a:rPr sz="2000"/>
-              <a:t>NOTE: In Codespaces you must provide your own API keys for Fabric.</a:t>
+              <a:t>Key Components</a:t>
+            </a:r>
+          </a:p>
+          <a:p>
+            <a:pPr lvl="0"/>
+            <a:r>
+              <a:rPr>
+                <a:latin typeface="Courier"/>
+              </a:rPr>
+              <a:t>/patterns</a:t>
+            </a:r>
+            <a:r>
+              <a:t>: AI prompt templates</a:t>
+            </a:r>
+          </a:p>
+          <a:p>
+            <a:pPr lvl="0"/>
+            <a:r>
+              <a:rPr>
+                <a:latin typeface="Courier"/>
+              </a:rPr>
+              <a:t>README.md</a:t>
+            </a:r>
+            <a:r>
+              <a:t>: Getting started guide</a:t>
+            </a:r>
+          </a:p>
+          <a:p>
+            <a:pPr lvl="0"/>
+            <a:r>
+              <a:t>Commit History</a:t>
+            </a:r>
+          </a:p>
+          <a:p>
+            <a:pPr marL="0" lvl="0" indent="0">
+              <a:spcBef>
+                <a:spcPts val="3000"/>
+              </a:spcBef>
+              <a:buNone/>
+            </a:pPr>
+            <a:r>
+              <a:rPr b="1"/>
+              <a:t>Community Features</a:t>
+            </a:r>
+          </a:p>
+          <a:p>
+            <a:pPr lvl="0"/>
+            <a:r>
+              <a:t>Issues: Bug reports and feature requests</a:t>
+            </a:r>
+          </a:p>
+          <a:p>
+            <a:pPr lvl="0"/>
+            <a:r>
+              <a:t>Discussions: Community interaction</a:t>
+            </a:r>
+          </a:p>
+          <a:p>
+            <a:pPr lvl="0"/>
+            <a:r>
+              <a:t>Pull Requests: Contribute improvements</a:t>
+            </a:r>
+          </a:p>
+          <a:p>
+            <a:pPr lvl="0"/>
+            <a:r>
+              <a:t>Stars: ⭐️ Show support</a:t>
             </a:r>
           </a:p>
         </p:txBody>
@@ -7155,7 +7131,7 @@
               <a:buNone/>
             </a:pPr>
             <a:r>
-              <a:t>Configuring Your Environment</a:t>
+              <a:t>Understanding GitHub Codespaces</a:t>
             </a:r>
           </a:p>
         </p:txBody>
@@ -7181,84 +7157,81 @@
           <a:bodyPr/>
           <a:lstStyle/>
           <a:p>
-            <a:pPr marL="457200" lvl="0" indent="-457200">
-              <a:buAutoNum type="arabicPeriod"/>
-            </a:pPr>
-            <a:r>
-              <a:t>Once your Codespace loads, create a </a:t>
-            </a:r>
-            <a:r>
-              <a:rPr>
-                <a:latin typeface="Courier"/>
-              </a:rPr>
-              <a:t>.env</a:t>
-            </a:r>
-            <a:r>
-              <a:t> file:</a:t>
-            </a:r>
-          </a:p>
-          <a:p>
-            <a:pPr lvl="0" indent="0">
-              <a:buNone/>
-            </a:pPr>
-            <a:r>
-              <a:rPr b="1">
-                <a:solidFill>
-                  <a:srgbClr val="FF9358"/>
-                </a:solidFill>
-                <a:latin typeface="Courier"/>
-              </a:rPr>
-              <a:t>cp</a:t>
-            </a:r>
-            <a:r>
-              <a:rPr>
-                <a:solidFill>
-                  <a:srgbClr val="BDAE9D"/>
-                </a:solidFill>
-                <a:latin typeface="Courier"/>
-              </a:rPr>
-              <a:t> .env-example .env</a:t>
-            </a:r>
-          </a:p>
-          <a:p>
-            <a:pPr marL="457200" lvl="0" indent="-457200">
-              <a:buAutoNum type="arabicPeriod" startAt="2"/>
-            </a:pPr>
-            <a:r>
-              <a:t>Edit the </a:t>
-            </a:r>
-            <a:r>
-              <a:rPr>
-                <a:latin typeface="Courier"/>
-              </a:rPr>
-              <a:t>.env</a:t>
-            </a:r>
-            <a:r>
-              <a:t> file to add your API keys:</a:t>
-            </a:r>
-          </a:p>
-          <a:p>
-            <a:pPr lvl="0" indent="0">
-              <a:buNone/>
-            </a:pPr>
-            <a:r>
-              <a:rPr>
-                <a:solidFill>
-                  <a:srgbClr val="BDAE9D"/>
-                </a:solidFill>
-                <a:latin typeface="Courier"/>
-              </a:rPr>
-              <a:t>OPENAI_API_KEY=sk-...</a:t>
-            </a:r>
-            <a:br/>
-            <a:r>
-              <a:rPr>
-                <a:solidFill>
-                  <a:srgbClr val="BDAE9D"/>
-                </a:solidFill>
-                <a:latin typeface="Courier"/>
-              </a:rPr>
-              <a:t>ANTHROPIC_API_KEY=sk-...</a:t>
+            <a:pPr marL="0" lvl="0" indent="0">
+              <a:spcBef>
+                <a:spcPts val="3000"/>
+              </a:spcBef>
+              <a:buNone/>
+            </a:pPr>
+            <a:r>
+              <a:rPr b="1"/>
+              <a:t>What is Codespaces?</a:t>
+            </a:r>
+          </a:p>
+          <a:p>
+            <a:pPr lvl="0"/>
+            <a:r>
+              <a:t>Cloud-based development environment</a:t>
+            </a:r>
+          </a:p>
+          <a:p>
+            <a:pPr lvl="0"/>
+            <a:r>
+              <a:t>Full VS Code in your browser</a:t>
+            </a:r>
+          </a:p>
+          <a:p>
+            <a:pPr lvl="0"/>
+            <a:r>
+              <a:t>Pre-configured development container</a:t>
+            </a:r>
+          </a:p>
+          <a:p>
+            <a:pPr lvl="0"/>
+            <a:r>
+              <a:t>Accessible from anywhere</a:t>
+            </a:r>
+          </a:p>
+          <a:p>
+            <a:pPr marL="0" lvl="0" indent="0">
+              <a:spcBef>
+                <a:spcPts val="3000"/>
+              </a:spcBef>
+              <a:buNone/>
+            </a:pPr>
+            <a:r>
+              <a:rPr b="1"/>
+              <a:t>Key Benefits</a:t>
+            </a:r>
+          </a:p>
+          <a:p>
+            <a:pPr lvl="0"/>
+            <a:r>
+              <a:t>No local setup required</a:t>
+            </a:r>
+          </a:p>
+          <a:p>
+            <a:pPr lvl="0"/>
+            <a:r>
+              <a:t>Consistent environment</a:t>
+            </a:r>
+          </a:p>
+          <a:p>
+            <a:pPr lvl="0"/>
+            <a:r>
+              <a:t>Integrated with GitHub</a:t>
+            </a:r>
+          </a:p>
+          <a:p>
+            <a:pPr lvl="0"/>
+            <a:r>
+              <a:t>Full terminal access</a:t>
+            </a:r>
+          </a:p>
+          <a:p>
+            <a:pPr lvl="0"/>
+            <a:r>
+              <a:t>Extensions pre-installed</a:t>
             </a:r>
           </a:p>
         </p:txBody>
@@ -7318,7 +7291,7 @@
               <a:buNone/>
             </a:pPr>
             <a:r>
-              <a:t>Troubleshooting Common Issues</a:t>
+              <a:t>Setting Up Fabric in Codespaces</a:t>
             </a:r>
           </a:p>
         </p:txBody>
@@ -7345,58 +7318,100 @@
           <a:lstStyle/>
           <a:p>
             <a:pPr marL="0" lvl="0" indent="0">
-              <a:buNone/>
-            </a:pPr>
-            <a:r>
-              <a:t>If API calls fail:</a:t>
-            </a:r>
-          </a:p>
-          <a:p>
-            <a:pPr lvl="0"/>
-            <a:r>
-              <a:t>Verify your </a:t>
-            </a:r>
-            <a:r>
-              <a:rPr>
-                <a:latin typeface="Courier"/>
-              </a:rPr>
-              <a:t>.env</a:t>
-            </a:r>
-            <a:r>
-              <a:t> file exists</a:t>
-            </a:r>
-          </a:p>
-          <a:p>
-            <a:pPr lvl="0"/>
-            <a:r>
-              <a:t>Check your API keys are valid</a:t>
-            </a:r>
-          </a:p>
-          <a:p>
-            <a:pPr lvl="0"/>
-            <a:r>
-              <a:t>Ensure no extra spaces in </a:t>
-            </a:r>
-            <a:r>
-              <a:rPr>
-                <a:latin typeface="Courier"/>
-              </a:rPr>
-              <a:t>.env</a:t>
-            </a:r>
-          </a:p>
-          <a:p>
-            <a:pPr lvl="0"/>
-            <a:r>
-              <a:t>Run </a:t>
-            </a:r>
-            <a:r>
-              <a:rPr>
-                <a:latin typeface="Courier"/>
-              </a:rPr>
-              <a:t>fabric -L</a:t>
-            </a:r>
-            <a:r>
-              <a:t> to see if the models are available</a:t>
+              <a:spcBef>
+                <a:spcPts val="3000"/>
+              </a:spcBef>
+              <a:buNone/>
+            </a:pPr>
+            <a:r>
+              <a:rPr b="1"/>
+              <a:t>Quick Start</a:t>
+            </a:r>
+          </a:p>
+          <a:p>
+            <a:pPr marL="457200" lvl="0" indent="-457200">
+              <a:buAutoNum type="arabicPeriod"/>
+            </a:pPr>
+            <a:r>
+              <a:t>Navigate to </a:t>
+            </a:r>
+            <a:r>
+              <a:rPr>
+                <a:hlinkClick r:id="rId2"/>
+              </a:rPr>
+              <a:t>fabric_on_codespace</a:t>
+            </a:r>
+            <a:r>
+              <a:t> repository</a:t>
+            </a:r>
+          </a:p>
+          <a:p>
+            <a:pPr marL="457200" lvl="0" indent="-457200">
+              <a:buAutoNum type="arabicPeriod"/>
+            </a:pPr>
+            <a:r>
+              <a:t>Click “Code” button</a:t>
+            </a:r>
+          </a:p>
+          <a:p>
+            <a:pPr marL="457200" lvl="0" indent="-457200">
+              <a:buAutoNum type="arabicPeriod"/>
+            </a:pPr>
+            <a:r>
+              <a:t>Select “Open with Codespaces”</a:t>
+            </a:r>
+          </a:p>
+          <a:p>
+            <a:pPr marL="457200" lvl="0" indent="-457200">
+              <a:buAutoNum type="arabicPeriod"/>
+            </a:pPr>
+            <a:r>
+              <a:t>Choose machine type</a:t>
+            </a:r>
+          </a:p>
+          <a:p>
+            <a:pPr marL="0" lvl="0" indent="0">
+              <a:spcBef>
+                <a:spcPts val="3000"/>
+              </a:spcBef>
+              <a:buNone/>
+            </a:pPr>
+            <a:r>
+              <a:rPr b="1"/>
+              <a:t>Environment Features</a:t>
+            </a:r>
+          </a:p>
+          <a:p>
+            <a:pPr lvl="0"/>
+            <a:r>
+              <a:t>Fabric pre-installed</a:t>
+            </a:r>
+          </a:p>
+          <a:p>
+            <a:pPr lvl="0"/>
+            <a:r>
+              <a:t>Required dependencies ready</a:t>
+            </a:r>
+          </a:p>
+          <a:p>
+            <a:pPr lvl="0"/>
+            <a:r>
+              <a:t>Pattern directories configured</a:t>
+            </a:r>
+          </a:p>
+          <a:p>
+            <a:pPr lvl="0"/>
+            <a:r>
+              <a:t>Github authentication handled</a:t>
+            </a:r>
+          </a:p>
+          <a:p>
+            <a:pPr marL="1270000" lvl="0" indent="0">
+              <a:buNone/>
+            </a:pPr>
+            <a:r>
+              <a:rPr sz="2000"/>
+              <a:t>NOTE: In Codespaces you must provide your own API keys for Fabric.</a:t>
             </a:r>
           </a:p>
         </p:txBody>
@@ -7610,7 +7625,7 @@
               <a:buNone/>
             </a:pPr>
             <a:r>
-              <a:t>Codespaces Best Practices</a:t>
+              <a:t>Configuring Your Environment</a:t>
             </a:r>
           </a:p>
         </p:txBody>
@@ -7636,15 +7651,11 @@
           <a:bodyPr/>
           <a:lstStyle/>
           <a:p>
-            <a:pPr lvl="0"/>
-            <a:r>
-              <a:t>Always use environment variables for API keys</a:t>
-            </a:r>
-          </a:p>
-          <a:p>
-            <a:pPr lvl="0"/>
-            <a:r>
-              <a:t>Do not commit your </a:t>
+            <a:pPr marL="457200" lvl="0" indent="-457200">
+              <a:buAutoNum type="arabicPeriod"/>
+            </a:pPr>
+            <a:r>
+              <a:t>Once your Codespace loads, create a </a:t>
             </a:r>
             <a:r>
               <a:rPr>
@@ -7653,25 +7664,71 @@
               <a:t>.env</a:t>
             </a:r>
             <a:r>
-              <a:t> file!</a:t>
-            </a:r>
-          </a:p>
-          <a:p>
-            <a:pPr lvl="0"/>
-            <a:r>
-              <a:t>Keep your Codespace up to date (Commit any changes)</a:t>
-            </a:r>
-          </a:p>
-          <a:p>
-            <a:pPr marL="0" lvl="0" indent="0">
-              <a:spcBef>
-                <a:spcPts val="3000"/>
-              </a:spcBef>
-              <a:buNone/>
-            </a:pPr>
-            <a:r>
-              <a:rPr b="1"/>
-              <a:t>Remember to stop your Codespace when not in use to conserve resources</a:t>
+              <a:t> file:</a:t>
+            </a:r>
+          </a:p>
+          <a:p>
+            <a:pPr lvl="0" indent="0">
+              <a:buNone/>
+            </a:pPr>
+            <a:r>
+              <a:rPr b="1">
+                <a:solidFill>
+                  <a:srgbClr val="FF9358"/>
+                </a:solidFill>
+                <a:latin typeface="Courier"/>
+              </a:rPr>
+              <a:t>cp</a:t>
+            </a:r>
+            <a:r>
+              <a:rPr>
+                <a:solidFill>
+                  <a:srgbClr val="BDAE9D"/>
+                </a:solidFill>
+                <a:latin typeface="Courier"/>
+              </a:rPr>
+              <a:t> .env-example .env</a:t>
+            </a:r>
+          </a:p>
+          <a:p>
+            <a:pPr marL="457200" lvl="0" indent="-457200">
+              <a:buAutoNum type="arabicPeriod" startAt="2"/>
+            </a:pPr>
+            <a:r>
+              <a:t>Edit the </a:t>
+            </a:r>
+            <a:r>
+              <a:rPr>
+                <a:latin typeface="Courier"/>
+              </a:rPr>
+              <a:t>.env</a:t>
+            </a:r>
+            <a:r>
+              <a:t> file to add your API keys:</a:t>
+            </a:r>
+          </a:p>
+          <a:p>
+            <a:pPr lvl="0" indent="0">
+              <a:buNone/>
+            </a:pPr>
+            <a:r>
+              <a:rPr>
+                <a:solidFill>
+                  <a:srgbClr val="BDAE9D"/>
+                </a:solidFill>
+                <a:latin typeface="Courier"/>
+              </a:rPr>
+              <a:t>OPENAI_API_KEY=sk-...</a:t>
+            </a:r>
+            <a:br/>
+            <a:r>
+              <a:rPr>
+                <a:solidFill>
+                  <a:srgbClr val="BDAE9D"/>
+                </a:solidFill>
+                <a:latin typeface="Courier"/>
+              </a:rPr>
+              <a:t>ANTHROPIC_API_KEY=sk-...</a:t>
             </a:r>
           </a:p>
         </p:txBody>
@@ -7731,7 +7788,7 @@
               <a:buNone/>
             </a:pPr>
             <a:r>
-              <a:t>Prompts Deep Dive: Crafting Effective Prompts</a:t>
+              <a:t>Troubleshooting Common Issues</a:t>
             </a:r>
           </a:p>
         </p:txBody>
@@ -7758,245 +7815,58 @@
           <a:lstStyle/>
           <a:p>
             <a:pPr marL="0" lvl="0" indent="0">
-              <a:spcBef>
-                <a:spcPts val="3000"/>
-              </a:spcBef>
-              <a:buNone/>
-            </a:pPr>
-            <a:r>
-              <a:rPr b="1"/>
-              <a:t>Key Elements</a:t>
-            </a:r>
-          </a:p>
-          <a:p>
-            <a:pPr lvl="0"/>
-            <a:r>
-              <a:t>Be clear and specific in your instructions</a:t>
-            </a:r>
-          </a:p>
-          <a:p>
-            <a:pPr lvl="0"/>
-            <a:r>
-              <a:t>Break complex tasks into smaller steps</a:t>
-            </a:r>
-          </a:p>
-          <a:p>
-            <a:pPr lvl="0"/>
-            <a:r>
-              <a:t>Include relevant context and constraints</a:t>
-            </a:r>
-          </a:p>
-          <a:p>
-            <a:pPr lvl="0"/>
-            <a:r>
-              <a:t>Use consistent formatting and structure</a:t>
-            </a:r>
-          </a:p>
-          <a:p>
-            <a:pPr lvl="0"/>
-            <a:r>
-              <a:t>Specify the desired output format</a:t>
-            </a:r>
-          </a:p>
-          <a:p>
-            <a:pPr marL="0" lvl="0" indent="0">
-              <a:spcBef>
-                <a:spcPts val="3000"/>
-              </a:spcBef>
-              <a:buNone/>
-            </a:pPr>
-            <a:r>
-              <a:rPr b="1"/>
-              <a:t>Example</a:t>
-            </a:r>
-          </a:p>
-          <a:p>
-            <a:pPr lvl="0" indent="0">
-              <a:buNone/>
-            </a:pPr>
-            <a:r>
-              <a:rPr b="1" i="1">
-                <a:solidFill>
-                  <a:srgbClr val="0066FF"/>
-                </a:solidFill>
-                <a:latin typeface="Courier"/>
-              </a:rPr>
-              <a:t># Less effective</a:t>
-            </a:r>
-            <a:br/>
-            <a:r>
-              <a:rPr>
-                <a:solidFill>
-                  <a:srgbClr val="BDAE9D"/>
-                </a:solidFill>
-                <a:latin typeface="Courier"/>
-              </a:rPr>
-              <a:t>echo </a:t>
-            </a:r>
-            <a:r>
-              <a:rPr>
-                <a:solidFill>
-                  <a:srgbClr val="049B0A"/>
-                </a:solidFill>
-                <a:latin typeface="Courier"/>
-              </a:rPr>
-              <a:t>"analyze this: </a:t>
-            </a:r>
-            <a:r>
-              <a:rPr>
-                <a:solidFill>
-                  <a:srgbClr val="BDAE9D"/>
-                </a:solidFill>
-                <a:latin typeface="Courier"/>
-              </a:rPr>
-              <a:t>$(</a:t>
-            </a:r>
-            <a:r>
-              <a:rPr b="1">
-                <a:solidFill>
-                  <a:srgbClr val="FF9358"/>
-                </a:solidFill>
-                <a:latin typeface="Courier"/>
-              </a:rPr>
-              <a:t>cat</a:t>
-            </a:r>
-            <a:r>
-              <a:rPr>
-                <a:solidFill>
-                  <a:srgbClr val="BDAE9D"/>
-                </a:solidFill>
-                <a:latin typeface="Courier"/>
-              </a:rPr>
-              <a:t> document.txt)</a:t>
-            </a:r>
-            <a:r>
-              <a:rPr>
-                <a:solidFill>
-                  <a:srgbClr val="049B0A"/>
-                </a:solidFill>
-                <a:latin typeface="Courier"/>
-              </a:rPr>
-              <a:t>"</a:t>
-            </a:r>
-            <a:r>
-              <a:rPr>
-                <a:solidFill>
-                  <a:srgbClr val="BDAE9D"/>
-                </a:solidFill>
-                <a:latin typeface="Courier"/>
-              </a:rPr>
-              <a:t> </a:t>
-            </a:r>
-            <a:r>
-              <a:rPr b="1">
-                <a:solidFill>
-                  <a:srgbClr val="43A8ED"/>
-                </a:solidFill>
-                <a:latin typeface="Courier"/>
-              </a:rPr>
-              <a:t>|</a:t>
-            </a:r>
-            <a:r>
-              <a:rPr>
-                <a:solidFill>
-                  <a:srgbClr val="BDAE9D"/>
-                </a:solidFill>
-                <a:latin typeface="Courier"/>
-              </a:rPr>
-              <a:t> fabric -p ai</a:t>
-            </a:r>
-            <a:br/>
-            <a:br/>
-            <a:r>
-              <a:rPr b="1" i="1">
-                <a:solidFill>
-                  <a:srgbClr val="0066FF"/>
-                </a:solidFill>
-                <a:latin typeface="Courier"/>
-              </a:rPr>
-              <a:t># More effective</a:t>
-            </a:r>
-            <a:br/>
-            <a:r>
-              <a:rPr>
-                <a:solidFill>
-                  <a:srgbClr val="BDAE9D"/>
-                </a:solidFill>
-                <a:latin typeface="Courier"/>
-              </a:rPr>
-              <a:t>echo </a:t>
-            </a:r>
-            <a:r>
-              <a:rPr>
-                <a:solidFill>
-                  <a:srgbClr val="049B0A"/>
-                </a:solidFill>
-                <a:latin typeface="Courier"/>
-              </a:rPr>
-              <a:t>"analyze this technical document and highlight security implications: </a:t>
-            </a:r>
-            <a:r>
-              <a:rPr>
-                <a:solidFill>
-                  <a:srgbClr val="BDAE9D"/>
-                </a:solidFill>
-                <a:latin typeface="Courier"/>
-              </a:rPr>
-              <a:t>$(</a:t>
-            </a:r>
-            <a:r>
-              <a:rPr b="1">
-                <a:solidFill>
-                  <a:srgbClr val="FF9358"/>
-                </a:solidFill>
-                <a:latin typeface="Courier"/>
-              </a:rPr>
-              <a:t>cat</a:t>
-            </a:r>
-            <a:r>
-              <a:rPr>
-                <a:solidFill>
-                  <a:srgbClr val="BDAE9D"/>
-                </a:solidFill>
-                <a:latin typeface="Courier"/>
-              </a:rPr>
-              <a:t> document.txt)</a:t>
-            </a:r>
-            <a:r>
-              <a:rPr>
-                <a:solidFill>
-                  <a:srgbClr val="049B0A"/>
-                </a:solidFill>
-                <a:latin typeface="Courier"/>
-              </a:rPr>
-              <a:t> "</a:t>
-            </a:r>
-            <a:r>
-              <a:rPr>
-                <a:solidFill>
-                  <a:srgbClr val="BDAE9D"/>
-                </a:solidFill>
-                <a:latin typeface="Courier"/>
-              </a:rPr>
-              <a:t> </a:t>
-            </a:r>
-            <a:r>
-              <a:rPr b="1">
-                <a:solidFill>
-                  <a:srgbClr val="43A8ED"/>
-                </a:solidFill>
-                <a:latin typeface="Courier"/>
-              </a:rPr>
-              <a:t>|</a:t>
-            </a:r>
-            <a:r>
-              <a:rPr>
-                <a:solidFill>
-                  <a:srgbClr val="BDAE9D"/>
-                </a:solidFill>
-                <a:latin typeface="Courier"/>
-              </a:rPr>
-              <a:t> fabric -p ai</a:t>
+              <a:buNone/>
+            </a:pPr>
+            <a:r>
+              <a:t>If API calls fail:</a:t>
+            </a:r>
+          </a:p>
+          <a:p>
+            <a:pPr lvl="0"/>
+            <a:r>
+              <a:t>Verify your </a:t>
+            </a:r>
+            <a:r>
+              <a:rPr>
+                <a:latin typeface="Courier"/>
+              </a:rPr>
+              <a:t>.env</a:t>
+            </a:r>
+            <a:r>
+              <a:t> file exists</a:t>
+            </a:r>
+          </a:p>
+          <a:p>
+            <a:pPr lvl="0"/>
+            <a:r>
+              <a:t>Check your API keys are valid</a:t>
+            </a:r>
+          </a:p>
+          <a:p>
+            <a:pPr lvl="0"/>
+            <a:r>
+              <a:t>Ensure no extra spaces in </a:t>
+            </a:r>
+            <a:r>
+              <a:rPr>
+                <a:latin typeface="Courier"/>
+              </a:rPr>
+              <a:t>.env</a:t>
+            </a:r>
+          </a:p>
+          <a:p>
+            <a:pPr lvl="0"/>
+            <a:r>
+              <a:t>Run </a:t>
+            </a:r>
+            <a:r>
+              <a:rPr>
+                <a:latin typeface="Courier"/>
+              </a:rPr>
+              <a:t>fabric -L</a:t>
+            </a:r>
+            <a:r>
+              <a:t> to see if the models are available</a:t>
             </a:r>
           </a:p>
         </p:txBody>
@@ -8056,7 +7926,7 @@
               <a:buNone/>
             </a:pPr>
             <a:r>
-              <a:t>Understanding Context &amp; Specificity</a:t>
+              <a:t>Codespaces Best Practices</a:t>
             </a:r>
           </a:p>
         </p:txBody>
@@ -8081,6 +7951,33 @@
         <p:txBody>
           <a:bodyPr/>
           <a:lstStyle/>
+          <a:p>
+            <a:pPr lvl="0"/>
+            <a:r>
+              <a:t>Always use environment variables for API keys</a:t>
+            </a:r>
+          </a:p>
+          <a:p>
+            <a:pPr lvl="0"/>
+            <a:r>
+              <a:t>Do not commit your </a:t>
+            </a:r>
+            <a:r>
+              <a:rPr>
+                <a:latin typeface="Courier"/>
+              </a:rPr>
+              <a:t>.env</a:t>
+            </a:r>
+            <a:r>
+              <a:t> file!</a:t>
+            </a:r>
+          </a:p>
+          <a:p>
+            <a:pPr lvl="0"/>
+            <a:r>
+              <a:t>Keep your Codespace up to date (Commit any changes)</a:t>
+            </a:r>
+          </a:p>
           <a:p>
             <a:pPr marL="0" lvl="0" indent="0">
               <a:spcBef>
@@ -8090,145 +7987,7 @@
             </a:pPr>
             <a:r>
               <a:rPr b="1"/>
-              <a:t>Context Matters</a:t>
-            </a:r>
-          </a:p>
-          <a:p>
-            <a:pPr lvl="0"/>
-            <a:r>
-              <a:t>Provide relevant background information</a:t>
-            </a:r>
-          </a:p>
-          <a:p>
-            <a:pPr lvl="0"/>
-            <a:r>
-              <a:t>Define technical terms and acronyms</a:t>
-            </a:r>
-          </a:p>
-          <a:p>
-            <a:pPr lvl="0"/>
-            <a:r>
-              <a:t>Specify the target audience</a:t>
-            </a:r>
-          </a:p>
-          <a:p>
-            <a:pPr lvl="0"/>
-            <a:r>
-              <a:t>Include any necessary constraints</a:t>
-            </a:r>
-          </a:p>
-          <a:p>
-            <a:pPr lvl="0"/>
-            <a:r>
-              <a:t>Set the scope of the analysis</a:t>
-            </a:r>
-          </a:p>
-          <a:p>
-            <a:pPr marL="0" lvl="0" indent="0">
-              <a:spcBef>
-                <a:spcPts val="3000"/>
-              </a:spcBef>
-              <a:buNone/>
-            </a:pPr>
-            <a:r>
-              <a:rPr b="1"/>
-              <a:t>Example</a:t>
-            </a:r>
-          </a:p>
-          <a:p>
-            <a:pPr lvl="0" indent="0">
-              <a:buNone/>
-            </a:pPr>
-            <a:r>
-              <a:rPr b="1" i="1">
-                <a:solidFill>
-                  <a:srgbClr val="0066FF"/>
-                </a:solidFill>
-                <a:latin typeface="Courier"/>
-              </a:rPr>
-              <a:t># Adding context</a:t>
-            </a:r>
-            <a:br/>
-            <a:r>
-              <a:rPr>
-                <a:solidFill>
-                  <a:srgbClr val="BDAE9D"/>
-                </a:solidFill>
-                <a:latin typeface="Courier"/>
-              </a:rPr>
-              <a:t>echo </a:t>
-            </a:r>
-            <a:r>
-              <a:rPr>
-                <a:solidFill>
-                  <a:srgbClr val="049B0A"/>
-                </a:solidFill>
-                <a:latin typeface="Courier"/>
-              </a:rPr>
-              <a:t>"Review this code from a GDPR compliance perspective, focusing on data privacy requirements for EU customers: </a:t>
-            </a:r>
-            <a:r>
-              <a:rPr>
-                <a:solidFill>
-                  <a:srgbClr val="BDAE9D"/>
-                </a:solidFill>
-                <a:latin typeface="Courier"/>
-              </a:rPr>
-              <a:t>$(</a:t>
-            </a:r>
-            <a:r>
-              <a:rPr b="1">
-                <a:solidFill>
-                  <a:srgbClr val="FF9358"/>
-                </a:solidFill>
-                <a:latin typeface="Courier"/>
-              </a:rPr>
-              <a:t>cat</a:t>
-            </a:r>
-            <a:r>
-              <a:rPr>
-                <a:solidFill>
-                  <a:srgbClr val="BDAE9D"/>
-                </a:solidFill>
-                <a:latin typeface="Courier"/>
-              </a:rPr>
-              <a:t> my_script.py)</a:t>
-            </a:r>
-            <a:r>
-              <a:rPr>
-                <a:solidFill>
-                  <a:srgbClr val="049B0A"/>
-                </a:solidFill>
-                <a:latin typeface="Courier"/>
-              </a:rPr>
-              <a:t>"</a:t>
-            </a:r>
-            <a:r>
-              <a:rPr>
-                <a:solidFill>
-                  <a:srgbClr val="BDAE9D"/>
-                </a:solidFill>
-                <a:latin typeface="Courier"/>
-              </a:rPr>
-              <a:t> </a:t>
-            </a:r>
-            <a:r>
-              <a:rPr b="1">
-                <a:solidFill>
-                  <a:srgbClr val="43A8ED"/>
-                </a:solidFill>
-                <a:latin typeface="Courier"/>
-              </a:rPr>
-              <a:t>|</a:t>
-            </a:r>
-            <a:r>
-              <a:rPr>
-                <a:solidFill>
-                  <a:srgbClr val="BDAE9D"/>
-                </a:solidFill>
-                <a:latin typeface="Courier"/>
-              </a:rPr>
-              <a:t> fabric -p ai</a:t>
+              <a:t>Remember to stop your Codespace when not in use to conserve resources</a:t>
             </a:r>
           </a:p>
         </p:txBody>
@@ -8288,7 +8047,7 @@
               <a:buNone/>
             </a:pPr>
             <a:r>
-              <a:t>Balancing Precision &amp; Flexibility</a:t>
+              <a:t>Prompts Deep Dive: Crafting Effective Prompts</a:t>
             </a:r>
           </a:p>
         </p:txBody>
@@ -8322,37 +8081,37 @@
             </a:pPr>
             <a:r>
               <a:rPr b="1"/>
-              <a:t>Finding the Sweet Spot</a:t>
-            </a:r>
-          </a:p>
-          <a:p>
-            <a:pPr lvl="0"/>
-            <a:r>
-              <a:t>Be precise enough to get desired results</a:t>
-            </a:r>
-          </a:p>
-          <a:p>
-            <a:pPr lvl="0"/>
-            <a:r>
-              <a:t>Leave room for LLM’s capabilities</a:t>
-            </a:r>
-          </a:p>
-          <a:p>
-            <a:pPr lvl="0"/>
-            <a:r>
-              <a:t>Avoid over-constraining the response</a:t>
-            </a:r>
-          </a:p>
-          <a:p>
-            <a:pPr lvl="0"/>
-            <a:r>
-              <a:t>Allow for creative solutions</a:t>
-            </a:r>
-          </a:p>
-          <a:p>
-            <a:pPr lvl="0"/>
-            <a:r>
-              <a:t>Use guardrails when needed</a:t>
+              <a:t>Key Elements</a:t>
+            </a:r>
+          </a:p>
+          <a:p>
+            <a:pPr lvl="0"/>
+            <a:r>
+              <a:t>Be clear and specific in your instructions</a:t>
+            </a:r>
+          </a:p>
+          <a:p>
+            <a:pPr lvl="0"/>
+            <a:r>
+              <a:t>Break complex tasks into smaller steps</a:t>
+            </a:r>
+          </a:p>
+          <a:p>
+            <a:pPr lvl="0"/>
+            <a:r>
+              <a:t>Include relevant context and constraints</a:t>
+            </a:r>
+          </a:p>
+          <a:p>
+            <a:pPr lvl="0"/>
+            <a:r>
+              <a:t>Use consistent formatting and structure</a:t>
+            </a:r>
+          </a:p>
+          <a:p>
+            <a:pPr lvl="0"/>
+            <a:r>
+              <a:t>Specify the desired output format</a:t>
             </a:r>
           </a:p>
           <a:p>
@@ -8378,7 +8137,7 @@
                 </a:solidFill>
                 <a:latin typeface="Courier"/>
               </a:rPr>
-              <a:t># Too rigid</a:t>
+              <a:t># Less effective</a:t>
             </a:r>
             <a:br/>
             <a:r>
@@ -8397,7 +8156,43 @@
                 </a:solidFill>
                 <a:latin typeface="Courier"/>
               </a:rPr>
-              <a:t>"Write exactly 5 bullet points about security"</a:t>
+              <a:t>"analyze this: </a:t>
+            </a:r>
+            <a:r>
+              <a:rPr>
+                <a:solidFill>
+                  <a:srgbClr val="BDAE9D"/>
+                </a:solidFill>
+                <a:latin typeface="Courier"/>
+              </a:rPr>
+              <a:t>$(</a:t>
+            </a:r>
+            <a:r>
+              <a:rPr b="1">
+                <a:solidFill>
+                  <a:srgbClr val="FF9358"/>
+                </a:solidFill>
+                <a:latin typeface="Courier"/>
+              </a:rPr>
+              <a:t>cat</a:t>
+            </a:r>
+            <a:r>
+              <a:rPr>
+                <a:solidFill>
+                  <a:srgbClr val="BDAE9D"/>
+                </a:solidFill>
+                <a:latin typeface="Courier"/>
+              </a:rPr>
+              <a:t> document.txt)</a:t>
+            </a:r>
+            <a:r>
+              <a:rPr>
+                <a:solidFill>
+                  <a:srgbClr val="049B0A"/>
+                </a:solidFill>
+                <a:latin typeface="Courier"/>
+              </a:rPr>
+              <a:t>"</a:t>
             </a:r>
             <a:r>
               <a:rPr>
@@ -8435,7 +8230,7 @@
                 </a:solidFill>
                 <a:latin typeface="Courier"/>
               </a:rPr>
-              <a:t># Better balance</a:t>
+              <a:t># More effective</a:t>
             </a:r>
             <a:br/>
             <a:r>
@@ -8454,7 +8249,43 @@
                 </a:solidFill>
                 <a:latin typeface="Courier"/>
               </a:rPr>
-              <a:t>"Write a concise security analysis focusing on key risks. Use bullet points."</a:t>
+              <a:t>"analyze this technical document and highlight security implications: </a:t>
+            </a:r>
+            <a:r>
+              <a:rPr>
+                <a:solidFill>
+                  <a:srgbClr val="BDAE9D"/>
+                </a:solidFill>
+                <a:latin typeface="Courier"/>
+              </a:rPr>
+              <a:t>$(</a:t>
+            </a:r>
+            <a:r>
+              <a:rPr b="1">
+                <a:solidFill>
+                  <a:srgbClr val="FF9358"/>
+                </a:solidFill>
+                <a:latin typeface="Courier"/>
+              </a:rPr>
+              <a:t>cat</a:t>
+            </a:r>
+            <a:r>
+              <a:rPr>
+                <a:solidFill>
+                  <a:srgbClr val="BDAE9D"/>
+                </a:solidFill>
+                <a:latin typeface="Courier"/>
+              </a:rPr>
+              <a:t> document.txt)</a:t>
+            </a:r>
+            <a:r>
+              <a:rPr>
+                <a:solidFill>
+                  <a:srgbClr val="049B0A"/>
+                </a:solidFill>
+                <a:latin typeface="Courier"/>
+              </a:rPr>
+              <a:t> "</a:t>
             </a:r>
             <a:r>
               <a:rPr>
@@ -8541,7 +8372,7 @@
               <a:buNone/>
             </a:pPr>
             <a:r>
-              <a:t>Iterative Prompt Refinement</a:t>
+              <a:t>Understanding Context &amp; Specificity</a:t>
             </a:r>
           </a:p>
         </p:txBody>
@@ -8575,25 +8406,37 @@
             </a:pPr>
             <a:r>
               <a:rPr b="1"/>
-              <a:t>The Refinement Process</a:t>
-            </a:r>
-          </a:p>
-          <a:p>
-            <a:pPr lvl="0"/>
-            <a:r>
-              <a:t>Start with a basic prompt and analyze the output quality</a:t>
-            </a:r>
-          </a:p>
-          <a:p>
-            <a:pPr lvl="0"/>
-            <a:r>
-              <a:t>Identify areas for improvement</a:t>
-            </a:r>
-          </a:p>
-          <a:p>
-            <a:pPr lvl="0"/>
-            <a:r>
-              <a:t>Adjust and test incrementally</a:t>
+              <a:t>Context Matters</a:t>
+            </a:r>
+          </a:p>
+          <a:p>
+            <a:pPr lvl="0"/>
+            <a:r>
+              <a:t>Provide relevant background information</a:t>
+            </a:r>
+          </a:p>
+          <a:p>
+            <a:pPr lvl="0"/>
+            <a:r>
+              <a:t>Define technical terms and acronyms</a:t>
+            </a:r>
+          </a:p>
+          <a:p>
+            <a:pPr lvl="0"/>
+            <a:r>
+              <a:t>Specify the target audience</a:t>
+            </a:r>
+          </a:p>
+          <a:p>
+            <a:pPr lvl="0"/>
+            <a:r>
+              <a:t>Include any necessary constraints</a:t>
+            </a:r>
+          </a:p>
+          <a:p>
+            <a:pPr lvl="0"/>
+            <a:r>
+              <a:t>Set the scope of the analysis</a:t>
             </a:r>
           </a:p>
           <a:p>
@@ -8619,7 +8462,7 @@
                 </a:solidFill>
                 <a:latin typeface="Courier"/>
               </a:rPr>
-              <a:t># Initial attempt</a:t>
+              <a:t># Adding context</a:t>
             </a:r>
             <a:br/>
             <a:r>
@@ -8638,7 +8481,7 @@
                 </a:solidFill>
                 <a:latin typeface="Courier"/>
               </a:rPr>
-              <a:t>"Check this log file: </a:t>
+              <a:t>"Review this code from a GDPR compliance perspective, focusing on data privacy requirements for EU customers: </a:t>
             </a:r>
             <a:r>
               <a:rPr>
@@ -8665,100 +8508,7 @@
                 </a:solidFill>
                 <a:latin typeface="Courier"/>
               </a:rPr>
-              <a:t> security.log)</a:t>
-            </a:r>
-            <a:r>
-              <a:rPr>
-                <a:solidFill>
-                  <a:srgbClr val="049B0A"/>
-                </a:solidFill>
-                <a:latin typeface="Courier"/>
-              </a:rPr>
-              <a:t>"</a:t>
-            </a:r>
-            <a:r>
-              <a:rPr>
-                <a:solidFill>
-                  <a:srgbClr val="BDAE9D"/>
-                </a:solidFill>
-                <a:latin typeface="Courier"/>
-              </a:rPr>
-              <a:t> </a:t>
-            </a:r>
-            <a:r>
-              <a:rPr b="1">
-                <a:solidFill>
-                  <a:srgbClr val="43A8ED"/>
-                </a:solidFill>
-                <a:latin typeface="Courier"/>
-              </a:rPr>
-              <a:t>|</a:t>
-            </a:r>
-            <a:r>
-              <a:rPr>
-                <a:solidFill>
-                  <a:srgbClr val="BDAE9D"/>
-                </a:solidFill>
-                <a:latin typeface="Courier"/>
-              </a:rPr>
-              <a:t> fabric -p ai</a:t>
-            </a:r>
-            <a:br/>
-            <a:br/>
-            <a:r>
-              <a:rPr b="1" i="1">
-                <a:solidFill>
-                  <a:srgbClr val="0066FF"/>
-                </a:solidFill>
-                <a:latin typeface="Courier"/>
-              </a:rPr>
-              <a:t># Refined version</a:t>
-            </a:r>
-            <a:br/>
-            <a:r>
-              <a:rPr>
-                <a:solidFill>
-                  <a:srgbClr val="BDAE9D"/>
-                </a:solidFill>
-                <a:latin typeface="Courier"/>
-              </a:rPr>
-              <a:t>echo </a:t>
-            </a:r>
-            <a:r>
-              <a:rPr>
-                <a:solidFill>
-                  <a:srgbClr val="049B0A"/>
-                </a:solidFill>
-                <a:latin typeface="Courier"/>
-              </a:rPr>
-              <a:t>"Analyze this log file for failed login attempts, highlighting IP addresses and timestamp patterns: </a:t>
-            </a:r>
-            <a:r>
-              <a:rPr>
-                <a:solidFill>
-                  <a:srgbClr val="BDAE9D"/>
-                </a:solidFill>
-                <a:latin typeface="Courier"/>
-              </a:rPr>
-              <a:t>$(</a:t>
-            </a:r>
-            <a:r>
-              <a:rPr b="1">
-                <a:solidFill>
-                  <a:srgbClr val="FF9358"/>
-                </a:solidFill>
-                <a:latin typeface="Courier"/>
-              </a:rPr>
-              <a:t>cat</a:t>
-            </a:r>
-            <a:r>
-              <a:rPr>
-                <a:solidFill>
-                  <a:srgbClr val="BDAE9D"/>
-                </a:solidFill>
-                <a:latin typeface="Courier"/>
-              </a:rPr>
-              <a:t> security.log)</a:t>
+              <a:t> my_script.py)</a:t>
             </a:r>
             <a:r>
               <a:rPr>
@@ -8854,7 +8604,7 @@
               <a:buNone/>
             </a:pPr>
             <a:r>
-              <a:t>Handling Edge Cases &amp; Errors</a:t>
+              <a:t>Balancing Precision &amp; Flexibility</a:t>
             </a:r>
           </a:p>
         </p:txBody>
@@ -8888,37 +8638,37 @@
             </a:pPr>
             <a:r>
               <a:rPr b="1"/>
-              <a:t>Best Practices</a:t>
-            </a:r>
-          </a:p>
-          <a:p>
-            <a:pPr lvl="0"/>
-            <a:r>
-              <a:t>Anticipate potential failure modes</a:t>
-            </a:r>
-          </a:p>
-          <a:p>
-            <a:pPr lvl="0"/>
-            <a:r>
-              <a:t>Include error handling instructions</a:t>
-            </a:r>
-          </a:p>
-          <a:p>
-            <a:pPr lvl="0"/>
-            <a:r>
-              <a:t>Validate input data quality</a:t>
-            </a:r>
-          </a:p>
-          <a:p>
-            <a:pPr lvl="0"/>
-            <a:r>
-              <a:t>Plan for unexpected outputs</a:t>
-            </a:r>
-          </a:p>
-          <a:p>
-            <a:pPr lvl="0"/>
-            <a:r>
-              <a:t>Use defensive prompting techniques</a:t>
+              <a:t>Finding the Sweet Spot</a:t>
+            </a:r>
+          </a:p>
+          <a:p>
+            <a:pPr lvl="0"/>
+            <a:r>
+              <a:t>Be precise enough to get desired results</a:t>
+            </a:r>
+          </a:p>
+          <a:p>
+            <a:pPr lvl="0"/>
+            <a:r>
+              <a:t>Leave room for LLM’s capabilities</a:t>
+            </a:r>
+          </a:p>
+          <a:p>
+            <a:pPr lvl="0"/>
+            <a:r>
+              <a:t>Avoid over-constraining the response</a:t>
+            </a:r>
+          </a:p>
+          <a:p>
+            <a:pPr lvl="0"/>
+            <a:r>
+              <a:t>Allow for creative solutions</a:t>
+            </a:r>
+          </a:p>
+          <a:p>
+            <a:pPr lvl="0"/>
+            <a:r>
+              <a:t>Use guardrails when needed</a:t>
             </a:r>
           </a:p>
           <a:p>
@@ -8944,7 +8694,7 @@
                 </a:solidFill>
                 <a:latin typeface="Courier"/>
               </a:rPr>
-              <a:t># With error handling</a:t>
+              <a:t># Too rigid</a:t>
             </a:r>
             <a:br/>
             <a:r>
@@ -8963,34 +8713,55 @@
                 </a:solidFill>
                 <a:latin typeface="Courier"/>
               </a:rPr>
-              <a:t>"Review this log file for security incidents. If the file is empty or corrupted, report the issue. If no incidents found, explicitly state that. Log: : </a:t>
-            </a:r>
-            <a:r>
-              <a:rPr>
-                <a:solidFill>
-                  <a:srgbClr val="BDAE9D"/>
-                </a:solidFill>
-                <a:latin typeface="Courier"/>
-              </a:rPr>
-              <a:t>$(</a:t>
+              <a:t>"Write exactly 5 bullet points about security"</a:t>
+            </a:r>
+            <a:r>
+              <a:rPr>
+                <a:solidFill>
+                  <a:srgbClr val="BDAE9D"/>
+                </a:solidFill>
+                <a:latin typeface="Courier"/>
+              </a:rPr>
+              <a:t> </a:t>
             </a:r>
             <a:r>
               <a:rPr b="1">
                 <a:solidFill>
-                  <a:srgbClr val="FF9358"/>
-                </a:solidFill>
-                <a:latin typeface="Courier"/>
-              </a:rPr>
-              <a:t>cat</a:t>
-            </a:r>
-            <a:r>
-              <a:rPr>
-                <a:solidFill>
-                  <a:srgbClr val="BDAE9D"/>
-                </a:solidFill>
-                <a:latin typeface="Courier"/>
-              </a:rPr>
-              <a:t> security.log)</a:t>
+                  <a:srgbClr val="43A8ED"/>
+                </a:solidFill>
+                <a:latin typeface="Courier"/>
+              </a:rPr>
+              <a:t>|</a:t>
+            </a:r>
+            <a:r>
+              <a:rPr>
+                <a:solidFill>
+                  <a:srgbClr val="BDAE9D"/>
+                </a:solidFill>
+                <a:latin typeface="Courier"/>
+              </a:rPr>
+              <a:t> fabric -p ai</a:t>
+            </a:r>
+            <a:br/>
+            <a:br/>
+            <a:r>
+              <a:rPr b="1" i="1">
+                <a:solidFill>
+                  <a:srgbClr val="0066FF"/>
+                </a:solidFill>
+                <a:latin typeface="Courier"/>
+              </a:rPr>
+              <a:t># Better balance</a:t>
+            </a:r>
+            <a:br/>
+            <a:r>
+              <a:rPr>
+                <a:solidFill>
+                  <a:srgbClr val="BDAE9D"/>
+                </a:solidFill>
+                <a:latin typeface="Courier"/>
+              </a:rPr>
+              <a:t>echo </a:t>
             </a:r>
             <a:r>
               <a:rPr>
@@ -8999,7 +8770,7 @@
                 </a:solidFill>
                 <a:latin typeface="Courier"/>
               </a:rPr>
-              <a:t>"</a:t>
+              <a:t>"Write a concise security analysis focusing on key risks. Use bullet points."</a:t>
             </a:r>
             <a:r>
               <a:rPr>
@@ -9086,7 +8857,7 @@
               <a:buNone/>
             </a:pPr>
             <a:r>
-              <a:t>Patterns Deep Dive: Anatomy of a Fabric Pattern</a:t>
+              <a:t>Iterative Prompt Refinement</a:t>
             </a:r>
           </a:p>
         </p:txBody>
@@ -9111,14 +8882,6 @@
         <p:txBody>
           <a:bodyPr/>
           <a:lstStyle/>
-          <a:p>
-            <a:pPr marL="0" lvl="0" indent="0">
-              <a:buNone/>
-            </a:pPr>
-            <a:r>
-              <a:t>Fabric patterns ARE prompts</a:t>
-            </a:r>
-          </a:p>
           <a:p>
             <a:pPr marL="0" lvl="0" indent="0">
               <a:spcBef>
@@ -9128,31 +8891,25 @@
             </a:pPr>
             <a:r>
               <a:rPr b="1"/>
-              <a:t>Core Sections</a:t>
-            </a:r>
-          </a:p>
-          <a:p>
-            <a:pPr lvl="0"/>
-            <a:r>
-              <a:t>IDENTITY and PURPOSE: Defines the AI’s role</a:t>
-            </a:r>
-          </a:p>
-          <a:p>
-            <a:pPr lvl="0"/>
-            <a:r>
-              <a:t>STEPS: Clear instructions for task completion</a:t>
-            </a:r>
-          </a:p>
-          <a:p>
-            <a:pPr lvl="0"/>
-            <a:r>
-              <a:t>OUTPUT INSTRUCTIONS: Formatting and structure rules</a:t>
-            </a:r>
-          </a:p>
-          <a:p>
-            <a:pPr lvl="0"/>
-            <a:r>
-              <a:t>INPUT: The data to be processed (typically blank)</a:t>
+              <a:t>The Refinement Process</a:t>
+            </a:r>
+          </a:p>
+          <a:p>
+            <a:pPr lvl="0"/>
+            <a:r>
+              <a:t>Start with a basic prompt and analyze the output quality</a:t>
+            </a:r>
+          </a:p>
+          <a:p>
+            <a:pPr lvl="0"/>
+            <a:r>
+              <a:t>Identify areas for improvement</a:t>
+            </a:r>
+          </a:p>
+          <a:p>
+            <a:pPr lvl="0"/>
+            <a:r>
+              <a:t>Adjust and test incrementally</a:t>
             </a:r>
           </a:p>
           <a:p>
@@ -9164,25 +8921,196 @@
             </a:pPr>
             <a:r>
               <a:rPr b="1"/>
-              <a:t>Why This Structure Matters</a:t>
-            </a:r>
-          </a:p>
-          <a:p>
-            <a:pPr lvl="0"/>
-            <a:r>
-              <a:t>Creates consistent, reliable outputs</a:t>
-            </a:r>
-          </a:p>
-          <a:p>
-            <a:pPr lvl="0"/>
-            <a:r>
-              <a:t>Makes patterns reusable and maintainable</a:t>
-            </a:r>
-          </a:p>
-          <a:p>
-            <a:pPr lvl="0"/>
-            <a:r>
-              <a:t>Ensures clear communication with the LLM</a:t>
+              <a:t>Example</a:t>
+            </a:r>
+          </a:p>
+          <a:p>
+            <a:pPr lvl="0" indent="0">
+              <a:buNone/>
+            </a:pPr>
+            <a:r>
+              <a:rPr b="1" i="1">
+                <a:solidFill>
+                  <a:srgbClr val="0066FF"/>
+                </a:solidFill>
+                <a:latin typeface="Courier"/>
+              </a:rPr>
+              <a:t># Initial attempt</a:t>
+            </a:r>
+            <a:br/>
+            <a:r>
+              <a:rPr>
+                <a:solidFill>
+                  <a:srgbClr val="BDAE9D"/>
+                </a:solidFill>
+                <a:latin typeface="Courier"/>
+              </a:rPr>
+              <a:t>echo </a:t>
+            </a:r>
+            <a:r>
+              <a:rPr>
+                <a:solidFill>
+                  <a:srgbClr val="049B0A"/>
+                </a:solidFill>
+                <a:latin typeface="Courier"/>
+              </a:rPr>
+              <a:t>"Check this log file: </a:t>
+            </a:r>
+            <a:r>
+              <a:rPr>
+                <a:solidFill>
+                  <a:srgbClr val="BDAE9D"/>
+                </a:solidFill>
+                <a:latin typeface="Courier"/>
+              </a:rPr>
+              <a:t>$(</a:t>
+            </a:r>
+            <a:r>
+              <a:rPr b="1">
+                <a:solidFill>
+                  <a:srgbClr val="FF9358"/>
+                </a:solidFill>
+                <a:latin typeface="Courier"/>
+              </a:rPr>
+              <a:t>cat</a:t>
+            </a:r>
+            <a:r>
+              <a:rPr>
+                <a:solidFill>
+                  <a:srgbClr val="BDAE9D"/>
+                </a:solidFill>
+                <a:latin typeface="Courier"/>
+              </a:rPr>
+              <a:t> security.log)</a:t>
+            </a:r>
+            <a:r>
+              <a:rPr>
+                <a:solidFill>
+                  <a:srgbClr val="049B0A"/>
+                </a:solidFill>
+                <a:latin typeface="Courier"/>
+              </a:rPr>
+              <a:t>"</a:t>
+            </a:r>
+            <a:r>
+              <a:rPr>
+                <a:solidFill>
+                  <a:srgbClr val="BDAE9D"/>
+                </a:solidFill>
+                <a:latin typeface="Courier"/>
+              </a:rPr>
+              <a:t> </a:t>
+            </a:r>
+            <a:r>
+              <a:rPr b="1">
+                <a:solidFill>
+                  <a:srgbClr val="43A8ED"/>
+                </a:solidFill>
+                <a:latin typeface="Courier"/>
+              </a:rPr>
+              <a:t>|</a:t>
+            </a:r>
+            <a:r>
+              <a:rPr>
+                <a:solidFill>
+                  <a:srgbClr val="BDAE9D"/>
+                </a:solidFill>
+                <a:latin typeface="Courier"/>
+              </a:rPr>
+              <a:t> fabric -p ai</a:t>
+            </a:r>
+            <a:br/>
+            <a:br/>
+            <a:r>
+              <a:rPr b="1" i="1">
+                <a:solidFill>
+                  <a:srgbClr val="0066FF"/>
+                </a:solidFill>
+                <a:latin typeface="Courier"/>
+              </a:rPr>
+              <a:t># Refined version</a:t>
+            </a:r>
+            <a:br/>
+            <a:r>
+              <a:rPr>
+                <a:solidFill>
+                  <a:srgbClr val="BDAE9D"/>
+                </a:solidFill>
+                <a:latin typeface="Courier"/>
+              </a:rPr>
+              <a:t>echo </a:t>
+            </a:r>
+            <a:r>
+              <a:rPr>
+                <a:solidFill>
+                  <a:srgbClr val="049B0A"/>
+                </a:solidFill>
+                <a:latin typeface="Courier"/>
+              </a:rPr>
+              <a:t>"Analyze this log file for failed login attempts, highlighting IP addresses and timestamp patterns: </a:t>
+            </a:r>
+            <a:r>
+              <a:rPr>
+                <a:solidFill>
+                  <a:srgbClr val="BDAE9D"/>
+                </a:solidFill>
+                <a:latin typeface="Courier"/>
+              </a:rPr>
+              <a:t>$(</a:t>
+            </a:r>
+            <a:r>
+              <a:rPr b="1">
+                <a:solidFill>
+                  <a:srgbClr val="FF9358"/>
+                </a:solidFill>
+                <a:latin typeface="Courier"/>
+              </a:rPr>
+              <a:t>cat</a:t>
+            </a:r>
+            <a:r>
+              <a:rPr>
+                <a:solidFill>
+                  <a:srgbClr val="BDAE9D"/>
+                </a:solidFill>
+                <a:latin typeface="Courier"/>
+              </a:rPr>
+              <a:t> security.log)</a:t>
+            </a:r>
+            <a:r>
+              <a:rPr>
+                <a:solidFill>
+                  <a:srgbClr val="049B0A"/>
+                </a:solidFill>
+                <a:latin typeface="Courier"/>
+              </a:rPr>
+              <a:t>"</a:t>
+            </a:r>
+            <a:r>
+              <a:rPr>
+                <a:solidFill>
+                  <a:srgbClr val="BDAE9D"/>
+                </a:solidFill>
+                <a:latin typeface="Courier"/>
+              </a:rPr>
+              <a:t> </a:t>
+            </a:r>
+            <a:r>
+              <a:rPr b="1">
+                <a:solidFill>
+                  <a:srgbClr val="43A8ED"/>
+                </a:solidFill>
+                <a:latin typeface="Courier"/>
+              </a:rPr>
+              <a:t>|</a:t>
+            </a:r>
+            <a:r>
+              <a:rPr>
+                <a:solidFill>
+                  <a:srgbClr val="BDAE9D"/>
+                </a:solidFill>
+                <a:latin typeface="Courier"/>
+              </a:rPr>
+              <a:t> fabric -p ai</a:t>
             </a:r>
           </a:p>
         </p:txBody>
@@ -9242,7 +9170,7 @@
               <a:buNone/>
             </a:pPr>
             <a:r>
-              <a:t>Defining Pattern Identity &amp; Purpose</a:t>
+              <a:t>Handling Edge Cases &amp; Errors</a:t>
             </a:r>
           </a:p>
         </p:txBody>
@@ -9276,37 +9204,37 @@
             </a:pPr>
             <a:r>
               <a:rPr b="1"/>
-              <a:t>Key Components</a:t>
-            </a:r>
-          </a:p>
-          <a:p>
-            <a:pPr lvl="0"/>
-            <a:r>
-              <a:t>Clear role definition for the AI</a:t>
-            </a:r>
-          </a:p>
-          <a:p>
-            <a:pPr lvl="0"/>
-            <a:r>
-              <a:t>Specific responsibilities</a:t>
-            </a:r>
-          </a:p>
-          <a:p>
-            <a:pPr lvl="0"/>
-            <a:r>
-              <a:t>Scope of operations</a:t>
-            </a:r>
-          </a:p>
-          <a:p>
-            <a:pPr lvl="0"/>
-            <a:r>
-              <a:t>Success criteria</a:t>
-            </a:r>
-          </a:p>
-          <a:p>
-            <a:pPr lvl="0"/>
-            <a:r>
-              <a:t>Contextual boundaries</a:t>
+              <a:t>Best Practices</a:t>
+            </a:r>
+          </a:p>
+          <a:p>
+            <a:pPr lvl="0"/>
+            <a:r>
+              <a:t>Anticipate potential failure modes</a:t>
+            </a:r>
+          </a:p>
+          <a:p>
+            <a:pPr lvl="0"/>
+            <a:r>
+              <a:t>Include error handling instructions</a:t>
+            </a:r>
+          </a:p>
+          <a:p>
+            <a:pPr lvl="0"/>
+            <a:r>
+              <a:t>Validate input data quality</a:t>
+            </a:r>
+          </a:p>
+          <a:p>
+            <a:pPr lvl="0"/>
+            <a:r>
+              <a:t>Plan for unexpected outputs</a:t>
+            </a:r>
+          </a:p>
+          <a:p>
+            <a:pPr lvl="0"/>
+            <a:r>
+              <a:t>Use defensive prompting techniques</a:t>
             </a:r>
           </a:p>
           <a:p>
@@ -9318,7 +9246,7 @@
             </a:pPr>
             <a:r>
               <a:rPr b="1"/>
-              <a:t>Example Pattern Header</a:t>
+              <a:t>Example</a:t>
             </a:r>
           </a:p>
           <a:p>
@@ -9326,53 +9254,95 @@
               <a:buNone/>
             </a:pPr>
             <a:r>
+              <a:rPr b="1" i="1">
+                <a:solidFill>
+                  <a:srgbClr val="0066FF"/>
+                </a:solidFill>
+                <a:latin typeface="Courier"/>
+              </a:rPr>
+              <a:t># With error handling</a:t>
+            </a:r>
+            <a:br/>
+            <a:r>
+              <a:rPr>
+                <a:solidFill>
+                  <a:srgbClr val="BDAE9D"/>
+                </a:solidFill>
+                <a:latin typeface="Courier"/>
+              </a:rPr>
+              <a:t>echo </a:t>
+            </a:r>
+            <a:r>
+              <a:rPr>
+                <a:solidFill>
+                  <a:srgbClr val="049B0A"/>
+                </a:solidFill>
+                <a:latin typeface="Courier"/>
+              </a:rPr>
+              <a:t>"Review this log file for security incidents. If the file is empty or corrupted, report the issue. If no incidents found, explicitly state that. Log: : </a:t>
+            </a:r>
+            <a:r>
+              <a:rPr>
+                <a:solidFill>
+                  <a:srgbClr val="BDAE9D"/>
+                </a:solidFill>
+                <a:latin typeface="Courier"/>
+              </a:rPr>
+              <a:t>$(</a:t>
+            </a:r>
+            <a:r>
               <a:rPr b="1">
                 <a:solidFill>
                   <a:srgbClr val="FF9358"/>
                 </a:solidFill>
                 <a:latin typeface="Courier"/>
               </a:rPr>
-              <a:t># IDENTITY and PURPOSE</a:t>
-            </a:r>
-            <a:br/>
-            <a:r>
-              <a:rPr>
-                <a:solidFill>
-                  <a:srgbClr val="BDAE9D"/>
-                </a:solidFill>
-                <a:latin typeface="Courier"/>
-              </a:rPr>
-              <a:t>You are an AI security log analyzer responsible for </a:t>
-            </a:r>
-            <a:br/>
-            <a:r>
-              <a:rPr>
-                <a:solidFill>
-                  <a:srgbClr val="BDAE9D"/>
-                </a:solidFill>
-                <a:latin typeface="Courier"/>
-              </a:rPr>
-              <a:t>identifying potential security incidents in system logs. </a:t>
-            </a:r>
-            <a:br/>
-            <a:r>
-              <a:rPr>
-                <a:solidFill>
-                  <a:srgbClr val="BDAE9D"/>
-                </a:solidFill>
-                <a:latin typeface="Courier"/>
-              </a:rPr>
-              <a:t>You meticulously examine each log entry for patterns </a:t>
-            </a:r>
-            <a:br/>
-            <a:r>
-              <a:rPr>
-                <a:solidFill>
-                  <a:srgbClr val="BDAE9D"/>
-                </a:solidFill>
-                <a:latin typeface="Courier"/>
-              </a:rPr>
-              <a:t>indicating suspicious activity...</a:t>
+              <a:t>cat</a:t>
+            </a:r>
+            <a:r>
+              <a:rPr>
+                <a:solidFill>
+                  <a:srgbClr val="BDAE9D"/>
+                </a:solidFill>
+                <a:latin typeface="Courier"/>
+              </a:rPr>
+              <a:t> security.log)</a:t>
+            </a:r>
+            <a:r>
+              <a:rPr>
+                <a:solidFill>
+                  <a:srgbClr val="049B0A"/>
+                </a:solidFill>
+                <a:latin typeface="Courier"/>
+              </a:rPr>
+              <a:t>"</a:t>
+            </a:r>
+            <a:r>
+              <a:rPr>
+                <a:solidFill>
+                  <a:srgbClr val="BDAE9D"/>
+                </a:solidFill>
+                <a:latin typeface="Courier"/>
+              </a:rPr>
+              <a:t> </a:t>
+            </a:r>
+            <a:r>
+              <a:rPr b="1">
+                <a:solidFill>
+                  <a:srgbClr val="43A8ED"/>
+                </a:solidFill>
+                <a:latin typeface="Courier"/>
+              </a:rPr>
+              <a:t>|</a:t>
+            </a:r>
+            <a:r>
+              <a:rPr>
+                <a:solidFill>
+                  <a:srgbClr val="BDAE9D"/>
+                </a:solidFill>
+                <a:latin typeface="Courier"/>
+              </a:rPr>
+              <a:t> fabric -p ai</a:t>
             </a:r>
           </a:p>
         </p:txBody>
@@ -9432,7 +9402,7 @@
               <a:buNone/>
             </a:pPr>
             <a:r>
-              <a:t>Structuring Pattern Steps</a:t>
+              <a:t>Patterns Deep Dive: Anatomy of a Fabric Pattern</a:t>
             </a:r>
           </a:p>
         </p:txBody>
@@ -9457,6 +9427,14 @@
         <p:txBody>
           <a:bodyPr/>
           <a:lstStyle/>
+          <a:p>
+            <a:pPr marL="0" lvl="0" indent="0">
+              <a:buNone/>
+            </a:pPr>
+            <a:r>
+              <a:t>Fabric patterns ARE prompts</a:t>
+            </a:r>
+          </a:p>
           <a:p>
             <a:pPr marL="0" lvl="0" indent="0">
               <a:spcBef>
@@ -9466,37 +9444,31 @@
             </a:pPr>
             <a:r>
               <a:rPr b="1"/>
-              <a:t>Best Practices</a:t>
-            </a:r>
-          </a:p>
-          <a:p>
-            <a:pPr lvl="0"/>
-            <a:r>
-              <a:t>Break down complex tasks</a:t>
-            </a:r>
-          </a:p>
-          <a:p>
-            <a:pPr lvl="0"/>
-            <a:r>
-              <a:t>Use sequential, logical order</a:t>
-            </a:r>
-          </a:p>
-          <a:p>
-            <a:pPr lvl="0"/>
-            <a:r>
-              <a:t>Make steps atomic and clear</a:t>
-            </a:r>
-          </a:p>
-          <a:p>
-            <a:pPr lvl="0"/>
-            <a:r>
-              <a:t>Include validation points</a:t>
-            </a:r>
-          </a:p>
-          <a:p>
-            <a:pPr lvl="0"/>
-            <a:r>
-              <a:t>Define expected outcomes</a:t>
+              <a:t>Core Sections</a:t>
+            </a:r>
+          </a:p>
+          <a:p>
+            <a:pPr lvl="0"/>
+            <a:r>
+              <a:t>IDENTITY and PURPOSE: Defines the AI’s role</a:t>
+            </a:r>
+          </a:p>
+          <a:p>
+            <a:pPr lvl="0"/>
+            <a:r>
+              <a:t>STEPS: Clear instructions for task completion</a:t>
+            </a:r>
+          </a:p>
+          <a:p>
+            <a:pPr lvl="0"/>
+            <a:r>
+              <a:t>OUTPUT INSTRUCTIONS: Formatting and structure rules</a:t>
+            </a:r>
+          </a:p>
+          <a:p>
+            <a:pPr lvl="0"/>
+            <a:r>
+              <a:t>INPUT: The data to be processed (typically blank)</a:t>
             </a:r>
           </a:p>
           <a:p>
@@ -9508,116 +9480,25 @@
             </a:pPr>
             <a:r>
               <a:rPr b="1"/>
-              <a:t>Example Steps Section</a:t>
-            </a:r>
-          </a:p>
-          <a:p>
-            <a:pPr lvl="0" indent="0">
-              <a:buNone/>
-            </a:pPr>
-            <a:r>
-              <a:rPr b="1">
-                <a:solidFill>
-                  <a:srgbClr val="FF9358"/>
-                </a:solidFill>
-                <a:latin typeface="Courier"/>
-              </a:rPr>
-              <a:t># STEPS</a:t>
-            </a:r>
-            <a:br/>
-            <a:r>
-              <a:rPr>
-                <a:solidFill>
-                  <a:srgbClr val="049B0A"/>
-                </a:solidFill>
-                <a:latin typeface="Courier"/>
-              </a:rPr>
-              <a:t>- </a:t>
-            </a:r>
-            <a:r>
-              <a:rPr>
-                <a:solidFill>
-                  <a:srgbClr val="BDAE9D"/>
-                </a:solidFill>
-                <a:latin typeface="Courier"/>
-              </a:rPr>
-              <a:t>Extract relevant log entries based on timestamp</a:t>
-            </a:r>
-            <a:br/>
-            <a:r>
-              <a:rPr>
-                <a:solidFill>
-                  <a:srgbClr val="049B0A"/>
-                </a:solidFill>
-                <a:latin typeface="Courier"/>
-              </a:rPr>
-              <a:t>- </a:t>
-            </a:r>
-            <a:r>
-              <a:rPr>
-                <a:solidFill>
-                  <a:srgbClr val="BDAE9D"/>
-                </a:solidFill>
-                <a:latin typeface="Courier"/>
-              </a:rPr>
-              <a:t>Identify IP addresses and user agents</a:t>
-            </a:r>
-            <a:br/>
-            <a:r>
-              <a:rPr>
-                <a:solidFill>
-                  <a:srgbClr val="049B0A"/>
-                </a:solidFill>
-                <a:latin typeface="Courier"/>
-              </a:rPr>
-              <a:t>- </a:t>
-            </a:r>
-            <a:r>
-              <a:rPr>
-                <a:solidFill>
-                  <a:srgbClr val="BDAE9D"/>
-                </a:solidFill>
-                <a:latin typeface="Courier"/>
-              </a:rPr>
-              <a:t>Compare against known threat patterns</a:t>
-            </a:r>
-            <a:br/>
-            <a:r>
-              <a:rPr>
-                <a:solidFill>
-                  <a:srgbClr val="049B0A"/>
-                </a:solidFill>
-                <a:latin typeface="Courier"/>
-              </a:rPr>
-              <a:t>- </a:t>
-            </a:r>
-            <a:r>
-              <a:rPr>
-                <a:solidFill>
-                  <a:srgbClr val="BDAE9D"/>
-                </a:solidFill>
-                <a:latin typeface="Courier"/>
-              </a:rPr>
-              <a:t>Categorize severity of findings</a:t>
-            </a:r>
-            <a:br/>
-            <a:r>
-              <a:rPr>
-                <a:solidFill>
-                  <a:srgbClr val="049B0A"/>
-                </a:solidFill>
-                <a:latin typeface="Courier"/>
-              </a:rPr>
-              <a:t>- </a:t>
-            </a:r>
-            <a:r>
-              <a:rPr>
-                <a:solidFill>
-                  <a:srgbClr val="BDAE9D"/>
-                </a:solidFill>
-                <a:latin typeface="Courier"/>
-              </a:rPr>
-              <a:t>Format results in specified structure</a:t>
+              <a:t>Why This Structure Matters</a:t>
+            </a:r>
+          </a:p>
+          <a:p>
+            <a:pPr lvl="0"/>
+            <a:r>
+              <a:t>Creates consistent, reliable outputs</a:t>
+            </a:r>
+          </a:p>
+          <a:p>
+            <a:pPr lvl="0"/>
+            <a:r>
+              <a:t>Makes patterns reusable and maintainable</a:t>
+            </a:r>
+          </a:p>
+          <a:p>
+            <a:pPr lvl="0"/>
+            <a:r>
+              <a:t>Ensures clear communication with the LLM</a:t>
             </a:r>
           </a:p>
         </p:txBody>
@@ -9677,7 +9558,7 @@
               <a:buNone/>
             </a:pPr>
             <a:r>
-              <a:t>Defining Output Instructions</a:t>
+              <a:t>Defining Pattern Identity &amp; Purpose</a:t>
             </a:r>
           </a:p>
         </p:txBody>
@@ -9711,37 +9592,37 @@
             </a:pPr>
             <a:r>
               <a:rPr b="1"/>
-              <a:t>Essential Elements</a:t>
-            </a:r>
-          </a:p>
-          <a:p>
-            <a:pPr lvl="0"/>
-            <a:r>
-              <a:t>Specify output format (Markdown, JSON, etc.)</a:t>
-            </a:r>
-          </a:p>
-          <a:p>
-            <a:pPr lvl="0"/>
-            <a:r>
-              <a:t>Define structure and hierarchy</a:t>
-            </a:r>
-          </a:p>
-          <a:p>
-            <a:pPr lvl="0"/>
-            <a:r>
-              <a:t>Include formatting rules</a:t>
-            </a:r>
-          </a:p>
-          <a:p>
-            <a:pPr lvl="0"/>
-            <a:r>
-              <a:t>Provide validation criteria</a:t>
-            </a:r>
-          </a:p>
-          <a:p>
-            <a:pPr lvl="0"/>
-            <a:r>
-              <a:t>Set quality standards</a:t>
+              <a:t>Key Components</a:t>
+            </a:r>
+          </a:p>
+          <a:p>
+            <a:pPr lvl="0"/>
+            <a:r>
+              <a:t>Clear role definition for the AI</a:t>
+            </a:r>
+          </a:p>
+          <a:p>
+            <a:pPr lvl="0"/>
+            <a:r>
+              <a:t>Specific responsibilities</a:t>
+            </a:r>
+          </a:p>
+          <a:p>
+            <a:pPr lvl="0"/>
+            <a:r>
+              <a:t>Scope of operations</a:t>
+            </a:r>
+          </a:p>
+          <a:p>
+            <a:pPr lvl="0"/>
+            <a:r>
+              <a:t>Success criteria</a:t>
+            </a:r>
+          </a:p>
+          <a:p>
+            <a:pPr lvl="0"/>
+            <a:r>
+              <a:t>Contextual boundaries</a:t>
             </a:r>
           </a:p>
           <a:p>
@@ -9753,7 +9634,7 @@
             </a:pPr>
             <a:r>
               <a:rPr b="1"/>
-              <a:t>Example Output Section</a:t>
+              <a:t>Example Pattern Header</a:t>
             </a:r>
           </a:p>
           <a:p>
@@ -9767,102 +9648,47 @@
                 </a:solidFill>
                 <a:latin typeface="Courier"/>
               </a:rPr>
-              <a:t># OUTPUT INSTRUCTIONS</a:t>
+              <a:t># IDENTITY and PURPOSE</a:t>
             </a:r>
             <a:br/>
             <a:r>
               <a:rPr>
                 <a:solidFill>
-                  <a:srgbClr val="049B0A"/>
-                </a:solidFill>
-                <a:latin typeface="Courier"/>
-              </a:rPr>
-              <a:t>- </a:t>
-            </a:r>
-            <a:r>
-              <a:rPr>
-                <a:solidFill>
-                  <a:srgbClr val="BDAE9D"/>
-                </a:solidFill>
-                <a:latin typeface="Courier"/>
-              </a:rPr>
-              <a:t>Output must be in Markdown format</a:t>
+                  <a:srgbClr val="BDAE9D"/>
+                </a:solidFill>
+                <a:latin typeface="Courier"/>
+              </a:rPr>
+              <a:t>You are an AI security log analyzer responsible for </a:t>
             </a:r>
             <a:br/>
             <a:r>
               <a:rPr>
                 <a:solidFill>
-                  <a:srgbClr val="049B0A"/>
-                </a:solidFill>
-                <a:latin typeface="Courier"/>
-              </a:rPr>
-              <a:t>- </a:t>
-            </a:r>
-            <a:r>
-              <a:rPr>
-                <a:solidFill>
-                  <a:srgbClr val="BDAE9D"/>
-                </a:solidFill>
-                <a:latin typeface="Courier"/>
-              </a:rPr>
-              <a:t>Use H2 for main findings</a:t>
+                  <a:srgbClr val="BDAE9D"/>
+                </a:solidFill>
+                <a:latin typeface="Courier"/>
+              </a:rPr>
+              <a:t>identifying potential security incidents in system logs. </a:t>
             </a:r>
             <a:br/>
             <a:r>
               <a:rPr>
                 <a:solidFill>
-                  <a:srgbClr val="049B0A"/>
-                </a:solidFill>
-                <a:latin typeface="Courier"/>
-              </a:rPr>
-              <a:t>- </a:t>
-            </a:r>
-            <a:r>
-              <a:rPr>
-                <a:solidFill>
-                  <a:srgbClr val="BDAE9D"/>
-                </a:solidFill>
-                <a:latin typeface="Courier"/>
-              </a:rPr>
-              <a:t>List each incident with timestamp</a:t>
+                  <a:srgbClr val="BDAE9D"/>
+                </a:solidFill>
+                <a:latin typeface="Courier"/>
+              </a:rPr>
+              <a:t>You meticulously examine each log entry for patterns </a:t>
             </a:r>
             <a:br/>
             <a:r>
               <a:rPr>
                 <a:solidFill>
-                  <a:srgbClr val="049B0A"/>
-                </a:solidFill>
-                <a:latin typeface="Courier"/>
-              </a:rPr>
-              <a:t>- </a:t>
-            </a:r>
-            <a:r>
-              <a:rPr>
-                <a:solidFill>
-                  <a:srgbClr val="BDAE9D"/>
-                </a:solidFill>
-                <a:latin typeface="Courier"/>
-              </a:rPr>
-              <a:t>Include severity rating (High/Medium/Low)</a:t>
-            </a:r>
-            <a:br/>
-            <a:r>
-              <a:rPr>
-                <a:solidFill>
-                  <a:srgbClr val="049B0A"/>
-                </a:solidFill>
-                <a:latin typeface="Courier"/>
-              </a:rPr>
-              <a:t>- </a:t>
-            </a:r>
-            <a:r>
-              <a:rPr>
-                <a:solidFill>
-                  <a:srgbClr val="BDAE9D"/>
-                </a:solidFill>
-                <a:latin typeface="Courier"/>
-              </a:rPr>
-              <a:t>Ensure all IPs are properly formatted</a:t>
+                  <a:srgbClr val="BDAE9D"/>
+                </a:solidFill>
+                <a:latin typeface="Courier"/>
+              </a:rPr>
+              <a:t>indicating suspicious activity...</a:t>
             </a:r>
           </a:p>
         </p:txBody>
@@ -10070,7 +9896,7 @@
               <a:buNone/>
             </a:pPr>
             <a:r>
-              <a:t>Creating Complete Patterns</a:t>
+              <a:t>Structuring Pattern Steps</a:t>
             </a:r>
           </a:p>
         </p:txBody>
@@ -10104,47 +9930,37 @@
             </a:pPr>
             <a:r>
               <a:rPr b="1"/>
-              <a:t>Pattern Development Workflow</a:t>
-            </a:r>
-          </a:p>
-          <a:p>
-            <a:pPr marL="457200" lvl="0" indent="-457200">
-              <a:buAutoNum type="arabicPeriod"/>
-            </a:pPr>
-            <a:r>
-              <a:t>Define the AI’s role clearly</a:t>
-            </a:r>
-          </a:p>
-          <a:p>
-            <a:pPr marL="457200" lvl="0" indent="-457200">
-              <a:buAutoNum type="arabicPeriod"/>
-            </a:pPr>
-            <a:r>
-              <a:t>Break down the task into steps</a:t>
-            </a:r>
-          </a:p>
-          <a:p>
-            <a:pPr marL="457200" lvl="0" indent="-457200">
-              <a:buAutoNum type="arabicPeriod"/>
-            </a:pPr>
-            <a:r>
-              <a:t>Specify output requirements</a:t>
-            </a:r>
-          </a:p>
-          <a:p>
-            <a:pPr marL="457200" lvl="0" indent="-457200">
-              <a:buAutoNum type="arabicPeriod"/>
-            </a:pPr>
-            <a:r>
-              <a:t>Include example inputs/outputs</a:t>
-            </a:r>
-          </a:p>
-          <a:p>
-            <a:pPr marL="457200" lvl="0" indent="-457200">
-              <a:buAutoNum type="arabicPeriod"/>
-            </a:pPr>
-            <a:r>
-              <a:t>Test and refine</a:t>
+              <a:t>Best Practices</a:t>
+            </a:r>
+          </a:p>
+          <a:p>
+            <a:pPr lvl="0"/>
+            <a:r>
+              <a:t>Break down complex tasks</a:t>
+            </a:r>
+          </a:p>
+          <a:p>
+            <a:pPr lvl="0"/>
+            <a:r>
+              <a:t>Use sequential, logical order</a:t>
+            </a:r>
+          </a:p>
+          <a:p>
+            <a:pPr lvl="0"/>
+            <a:r>
+              <a:t>Make steps atomic and clear</a:t>
+            </a:r>
+          </a:p>
+          <a:p>
+            <a:pPr lvl="0"/>
+            <a:r>
+              <a:t>Include validation points</a:t>
+            </a:r>
+          </a:p>
+          <a:p>
+            <a:pPr lvl="0"/>
+            <a:r>
+              <a:t>Define expected outcomes</a:t>
             </a:r>
           </a:p>
           <a:p>
@@ -10156,31 +9972,116 @@
             </a:pPr>
             <a:r>
               <a:rPr b="1"/>
-              <a:t>Tips for Success</a:t>
-            </a:r>
-          </a:p>
-          <a:p>
-            <a:pPr lvl="0"/>
-            <a:r>
-              <a:t>Think step-by-step</a:t>
-            </a:r>
-          </a:p>
-          <a:p>
-            <a:pPr lvl="0"/>
-            <a:r>
-              <a:t>Be explicit about requirements</a:t>
-            </a:r>
-          </a:p>
-          <a:p>
-            <a:pPr lvl="0"/>
-            <a:r>
-              <a:t>Test with various inputs</a:t>
-            </a:r>
-          </a:p>
-          <a:p>
-            <a:pPr lvl="0"/>
-            <a:r>
-              <a:t>Document pattern behavior</a:t>
+              <a:t>Example Steps Section</a:t>
+            </a:r>
+          </a:p>
+          <a:p>
+            <a:pPr lvl="0" indent="0">
+              <a:buNone/>
+            </a:pPr>
+            <a:r>
+              <a:rPr b="1">
+                <a:solidFill>
+                  <a:srgbClr val="FF9358"/>
+                </a:solidFill>
+                <a:latin typeface="Courier"/>
+              </a:rPr>
+              <a:t># STEPS</a:t>
+            </a:r>
+            <a:br/>
+            <a:r>
+              <a:rPr>
+                <a:solidFill>
+                  <a:srgbClr val="049B0A"/>
+                </a:solidFill>
+                <a:latin typeface="Courier"/>
+              </a:rPr>
+              <a:t>- </a:t>
+            </a:r>
+            <a:r>
+              <a:rPr>
+                <a:solidFill>
+                  <a:srgbClr val="BDAE9D"/>
+                </a:solidFill>
+                <a:latin typeface="Courier"/>
+              </a:rPr>
+              <a:t>Extract relevant log entries based on timestamp</a:t>
+            </a:r>
+            <a:br/>
+            <a:r>
+              <a:rPr>
+                <a:solidFill>
+                  <a:srgbClr val="049B0A"/>
+                </a:solidFill>
+                <a:latin typeface="Courier"/>
+              </a:rPr>
+              <a:t>- </a:t>
+            </a:r>
+            <a:r>
+              <a:rPr>
+                <a:solidFill>
+                  <a:srgbClr val="BDAE9D"/>
+                </a:solidFill>
+                <a:latin typeface="Courier"/>
+              </a:rPr>
+              <a:t>Identify IP addresses and user agents</a:t>
+            </a:r>
+            <a:br/>
+            <a:r>
+              <a:rPr>
+                <a:solidFill>
+                  <a:srgbClr val="049B0A"/>
+                </a:solidFill>
+                <a:latin typeface="Courier"/>
+              </a:rPr>
+              <a:t>- </a:t>
+            </a:r>
+            <a:r>
+              <a:rPr>
+                <a:solidFill>
+                  <a:srgbClr val="BDAE9D"/>
+                </a:solidFill>
+                <a:latin typeface="Courier"/>
+              </a:rPr>
+              <a:t>Compare against known threat patterns</a:t>
+            </a:r>
+            <a:br/>
+            <a:r>
+              <a:rPr>
+                <a:solidFill>
+                  <a:srgbClr val="049B0A"/>
+                </a:solidFill>
+                <a:latin typeface="Courier"/>
+              </a:rPr>
+              <a:t>- </a:t>
+            </a:r>
+            <a:r>
+              <a:rPr>
+                <a:solidFill>
+                  <a:srgbClr val="BDAE9D"/>
+                </a:solidFill>
+                <a:latin typeface="Courier"/>
+              </a:rPr>
+              <a:t>Categorize severity of findings</a:t>
+            </a:r>
+            <a:br/>
+            <a:r>
+              <a:rPr>
+                <a:solidFill>
+                  <a:srgbClr val="049B0A"/>
+                </a:solidFill>
+                <a:latin typeface="Courier"/>
+              </a:rPr>
+              <a:t>- </a:t>
+            </a:r>
+            <a:r>
+              <a:rPr>
+                <a:solidFill>
+                  <a:srgbClr val="BDAE9D"/>
+                </a:solidFill>
+                <a:latin typeface="Courier"/>
+              </a:rPr>
+              <a:t>Format results in specified structure</a:t>
             </a:r>
           </a:p>
         </p:txBody>
@@ -10240,7 +10141,7 @@
               <a:buNone/>
             </a:pPr>
             <a:r>
-              <a:t>Getting Hands-on with Fabric</a:t>
+              <a:t>Defining Output Instructions</a:t>
             </a:r>
           </a:p>
         </p:txBody>
@@ -10274,37 +10175,37 @@
             </a:pPr>
             <a:r>
               <a:rPr b="1"/>
-              <a:t>Key Use Cases</a:t>
-            </a:r>
-          </a:p>
-          <a:p>
-            <a:pPr lvl="0"/>
-            <a:r>
-              <a:t>Document Analysis &amp; Claims Extraction</a:t>
-            </a:r>
-          </a:p>
-          <a:p>
-            <a:pPr lvl="0"/>
-            <a:r>
-              <a:t>Security Log Analysis</a:t>
-            </a:r>
-          </a:p>
-          <a:p>
-            <a:pPr lvl="0"/>
-            <a:r>
-              <a:t>Incident Response</a:t>
-            </a:r>
-          </a:p>
-          <a:p>
-            <a:pPr lvl="0"/>
-            <a:r>
-              <a:t>Code Review &amp; Documentation</a:t>
-            </a:r>
-          </a:p>
-          <a:p>
-            <a:pPr lvl="0"/>
-            <a:r>
-              <a:t>Threat Analysis &amp; Reporting</a:t>
+              <a:t>Essential Elements</a:t>
+            </a:r>
+          </a:p>
+          <a:p>
+            <a:pPr lvl="0"/>
+            <a:r>
+              <a:t>Specify output format (Markdown, JSON, etc.)</a:t>
+            </a:r>
+          </a:p>
+          <a:p>
+            <a:pPr lvl="0"/>
+            <a:r>
+              <a:t>Define structure and hierarchy</a:t>
+            </a:r>
+          </a:p>
+          <a:p>
+            <a:pPr lvl="0"/>
+            <a:r>
+              <a:t>Include formatting rules</a:t>
+            </a:r>
+          </a:p>
+          <a:p>
+            <a:pPr lvl="0"/>
+            <a:r>
+              <a:t>Provide validation criteria</a:t>
+            </a:r>
+          </a:p>
+          <a:p>
+            <a:pPr lvl="0"/>
+            <a:r>
+              <a:t>Set quality standards</a:t>
             </a:r>
           </a:p>
           <a:p>
@@ -10316,31 +10217,116 @@
             </a:pPr>
             <a:r>
               <a:rPr b="1"/>
-              <a:t>Why These Examples?</a:t>
-            </a:r>
-          </a:p>
-          <a:p>
-            <a:pPr lvl="0"/>
-            <a:r>
-              <a:t>Real-world applications</a:t>
-            </a:r>
-          </a:p>
-          <a:p>
-            <a:pPr lvl="0"/>
-            <a:r>
-              <a:t>Common security workflows</a:t>
-            </a:r>
-          </a:p>
-          <a:p>
-            <a:pPr lvl="0"/>
-            <a:r>
-              <a:t>Demonstrate pattern flexibility</a:t>
-            </a:r>
-          </a:p>
-          <a:p>
-            <a:pPr lvl="0"/>
-            <a:r>
-              <a:t>Show practical value</a:t>
+              <a:t>Example Output Section</a:t>
+            </a:r>
+          </a:p>
+          <a:p>
+            <a:pPr lvl="0" indent="0">
+              <a:buNone/>
+            </a:pPr>
+            <a:r>
+              <a:rPr b="1">
+                <a:solidFill>
+                  <a:srgbClr val="FF9358"/>
+                </a:solidFill>
+                <a:latin typeface="Courier"/>
+              </a:rPr>
+              <a:t># OUTPUT INSTRUCTIONS</a:t>
+            </a:r>
+            <a:br/>
+            <a:r>
+              <a:rPr>
+                <a:solidFill>
+                  <a:srgbClr val="049B0A"/>
+                </a:solidFill>
+                <a:latin typeface="Courier"/>
+              </a:rPr>
+              <a:t>- </a:t>
+            </a:r>
+            <a:r>
+              <a:rPr>
+                <a:solidFill>
+                  <a:srgbClr val="BDAE9D"/>
+                </a:solidFill>
+                <a:latin typeface="Courier"/>
+              </a:rPr>
+              <a:t>Output must be in Markdown format</a:t>
+            </a:r>
+            <a:br/>
+            <a:r>
+              <a:rPr>
+                <a:solidFill>
+                  <a:srgbClr val="049B0A"/>
+                </a:solidFill>
+                <a:latin typeface="Courier"/>
+              </a:rPr>
+              <a:t>- </a:t>
+            </a:r>
+            <a:r>
+              <a:rPr>
+                <a:solidFill>
+                  <a:srgbClr val="BDAE9D"/>
+                </a:solidFill>
+                <a:latin typeface="Courier"/>
+              </a:rPr>
+              <a:t>Use H2 for main findings</a:t>
+            </a:r>
+            <a:br/>
+            <a:r>
+              <a:rPr>
+                <a:solidFill>
+                  <a:srgbClr val="049B0A"/>
+                </a:solidFill>
+                <a:latin typeface="Courier"/>
+              </a:rPr>
+              <a:t>- </a:t>
+            </a:r>
+            <a:r>
+              <a:rPr>
+                <a:solidFill>
+                  <a:srgbClr val="BDAE9D"/>
+                </a:solidFill>
+                <a:latin typeface="Courier"/>
+              </a:rPr>
+              <a:t>List each incident with timestamp</a:t>
+            </a:r>
+            <a:br/>
+            <a:r>
+              <a:rPr>
+                <a:solidFill>
+                  <a:srgbClr val="049B0A"/>
+                </a:solidFill>
+                <a:latin typeface="Courier"/>
+              </a:rPr>
+              <a:t>- </a:t>
+            </a:r>
+            <a:r>
+              <a:rPr>
+                <a:solidFill>
+                  <a:srgbClr val="BDAE9D"/>
+                </a:solidFill>
+                <a:latin typeface="Courier"/>
+              </a:rPr>
+              <a:t>Include severity rating (High/Medium/Low)</a:t>
+            </a:r>
+            <a:br/>
+            <a:r>
+              <a:rPr>
+                <a:solidFill>
+                  <a:srgbClr val="049B0A"/>
+                </a:solidFill>
+                <a:latin typeface="Courier"/>
+              </a:rPr>
+              <a:t>- </a:t>
+            </a:r>
+            <a:r>
+              <a:rPr>
+                <a:solidFill>
+                  <a:srgbClr val="BDAE9D"/>
+                </a:solidFill>
+                <a:latin typeface="Courier"/>
+              </a:rPr>
+              <a:t>Ensure all IPs are properly formatted</a:t>
             </a:r>
           </a:p>
         </p:txBody>
@@ -10400,7 +10386,7 @@
               <a:buNone/>
             </a:pPr>
             <a:r>
-              <a:t>Document Analysis Examples</a:t>
+              <a:t>Creating Complete Patterns</a:t>
             </a:r>
           </a:p>
         </p:txBody>
@@ -10434,43 +10420,47 @@
             </a:pPr>
             <a:r>
               <a:rPr b="1"/>
-              <a:t>Useful Patterns</a:t>
-            </a:r>
-          </a:p>
-          <a:p>
-            <a:pPr lvl="0"/>
-            <a:r>
-              <a:rPr>
-                <a:latin typeface="Courier"/>
-              </a:rPr>
-              <a:t>analyze_claims</a:t>
-            </a:r>
-          </a:p>
-          <a:p>
-            <a:pPr lvl="0"/>
-            <a:r>
-              <a:rPr>
-                <a:latin typeface="Courier"/>
-              </a:rPr>
-              <a:t>extract_extraordinary_claims</a:t>
-            </a:r>
-          </a:p>
-          <a:p>
-            <a:pPr lvl="0"/>
-            <a:r>
-              <a:rPr>
-                <a:latin typeface="Courier"/>
-              </a:rPr>
-              <a:t>extract_insights</a:t>
-            </a:r>
-          </a:p>
-          <a:p>
-            <a:pPr lvl="0"/>
-            <a:r>
-              <a:rPr>
-                <a:latin typeface="Courier"/>
-              </a:rPr>
-              <a:t>create_cyber_summary</a:t>
+              <a:t>Pattern Development Workflow</a:t>
+            </a:r>
+          </a:p>
+          <a:p>
+            <a:pPr marL="457200" lvl="0" indent="-457200">
+              <a:buAutoNum type="arabicPeriod"/>
+            </a:pPr>
+            <a:r>
+              <a:t>Define the AI’s role clearly</a:t>
+            </a:r>
+          </a:p>
+          <a:p>
+            <a:pPr marL="457200" lvl="0" indent="-457200">
+              <a:buAutoNum type="arabicPeriod"/>
+            </a:pPr>
+            <a:r>
+              <a:t>Break down the task into steps</a:t>
+            </a:r>
+          </a:p>
+          <a:p>
+            <a:pPr marL="457200" lvl="0" indent="-457200">
+              <a:buAutoNum type="arabicPeriod"/>
+            </a:pPr>
+            <a:r>
+              <a:t>Specify output requirements</a:t>
+            </a:r>
+          </a:p>
+          <a:p>
+            <a:pPr marL="457200" lvl="0" indent="-457200">
+              <a:buAutoNum type="arabicPeriod"/>
+            </a:pPr>
+            <a:r>
+              <a:t>Include example inputs/outputs</a:t>
+            </a:r>
+          </a:p>
+          <a:p>
+            <a:pPr marL="457200" lvl="0" indent="-457200">
+              <a:buAutoNum type="arabicPeriod"/>
+            </a:pPr>
+            <a:r>
+              <a:t>Test and refine</a:t>
             </a:r>
           </a:p>
           <a:p>
@@ -10482,106 +10472,31 @@
             </a:pPr>
             <a:r>
               <a:rPr b="1"/>
-              <a:t>Example Usage</a:t>
-            </a:r>
-          </a:p>
-          <a:p>
-            <a:pPr lvl="0" indent="0">
-              <a:buNone/>
-            </a:pPr>
-            <a:r>
-              <a:rPr b="1" i="1">
-                <a:solidFill>
-                  <a:srgbClr val="0066FF"/>
-                </a:solidFill>
-                <a:latin typeface="Courier"/>
-              </a:rPr>
-              <a:t># Extract key claims from a document</a:t>
-            </a:r>
-            <a:br/>
-            <a:r>
-              <a:rPr b="1">
-                <a:solidFill>
-                  <a:srgbClr val="FF9358"/>
-                </a:solidFill>
-                <a:latin typeface="Courier"/>
-              </a:rPr>
-              <a:t>cat</a:t>
-            </a:r>
-            <a:r>
-              <a:rPr>
-                <a:solidFill>
-                  <a:srgbClr val="BDAE9D"/>
-                </a:solidFill>
-                <a:latin typeface="Courier"/>
-              </a:rPr>
-              <a:t> threat_report.md </a:t>
-            </a:r>
-            <a:r>
-              <a:rPr b="1">
-                <a:solidFill>
-                  <a:srgbClr val="43A8ED"/>
-                </a:solidFill>
-                <a:latin typeface="Courier"/>
-              </a:rPr>
-              <a:t>|</a:t>
-            </a:r>
-            <a:r>
-              <a:rPr>
-                <a:solidFill>
-                  <a:srgbClr val="BDAE9D"/>
-                </a:solidFill>
-                <a:latin typeface="Courier"/>
-              </a:rPr>
-              <a:t> fabric -p analyze_claims</a:t>
-            </a:r>
-            <a:br/>
-            <a:br/>
-            <a:r>
-              <a:rPr b="1" i="1">
-                <a:solidFill>
-                  <a:srgbClr val="0066FF"/>
-                </a:solidFill>
-                <a:latin typeface="Courier"/>
-              </a:rPr>
-              <a:t># Create a cybersecurity summary</a:t>
-            </a:r>
-            <a:br/>
-            <a:r>
-              <a:rPr b="1">
-                <a:solidFill>
-                  <a:srgbClr val="FF9358"/>
-                </a:solidFill>
-                <a:latin typeface="Courier"/>
-              </a:rPr>
-              <a:t>cat</a:t>
-            </a:r>
-            <a:r>
-              <a:rPr>
-                <a:solidFill>
-                  <a:srgbClr val="BDAE9D"/>
-                </a:solidFill>
-                <a:latin typeface="Courier"/>
-              </a:rPr>
-              <a:t> advisory.md </a:t>
-            </a:r>
-            <a:r>
-              <a:rPr b="1">
-                <a:solidFill>
-                  <a:srgbClr val="43A8ED"/>
-                </a:solidFill>
-                <a:latin typeface="Courier"/>
-              </a:rPr>
-              <a:t>|</a:t>
-            </a:r>
-            <a:r>
-              <a:rPr>
-                <a:solidFill>
-                  <a:srgbClr val="BDAE9D"/>
-                </a:solidFill>
-                <a:latin typeface="Courier"/>
-              </a:rPr>
-              <a:t> fabric -p create_cyber_summary</a:t>
+              <a:t>Tips for Success</a:t>
+            </a:r>
+          </a:p>
+          <a:p>
+            <a:pPr lvl="0"/>
+            <a:r>
+              <a:t>Think step-by-step</a:t>
+            </a:r>
+          </a:p>
+          <a:p>
+            <a:pPr lvl="0"/>
+            <a:r>
+              <a:t>Be explicit about requirements</a:t>
+            </a:r>
+          </a:p>
+          <a:p>
+            <a:pPr lvl="0"/>
+            <a:r>
+              <a:t>Test with various inputs</a:t>
+            </a:r>
+          </a:p>
+          <a:p>
+            <a:pPr lvl="0"/>
+            <a:r>
+              <a:t>Document pattern behavior</a:t>
             </a:r>
           </a:p>
         </p:txBody>
@@ -10641,7 +10556,7 @@
               <a:buNone/>
             </a:pPr>
             <a:r>
-              <a:t>Security Log Analysis</a:t>
+              <a:t>Getting Hands-on with Fabric</a:t>
             </a:r>
           </a:p>
         </p:txBody>
@@ -10675,43 +10590,37 @@
             </a:pPr>
             <a:r>
               <a:rPr b="1"/>
-              <a:t>Relevant Patterns</a:t>
-            </a:r>
-          </a:p>
-          <a:p>
-            <a:pPr lvl="0"/>
-            <a:r>
-              <a:rPr>
-                <a:latin typeface="Courier"/>
-              </a:rPr>
-              <a:t>analyze_logs</a:t>
-            </a:r>
-          </a:p>
-          <a:p>
-            <a:pPr lvl="0"/>
-            <a:r>
-              <a:rPr>
-                <a:latin typeface="Courier"/>
-              </a:rPr>
-              <a:t>analyze_incident</a:t>
-            </a:r>
-          </a:p>
-          <a:p>
-            <a:pPr lvl="0"/>
-            <a:r>
-              <a:rPr>
-                <a:latin typeface="Courier"/>
-              </a:rPr>
-              <a:t>create_sigma_rules</a:t>
-            </a:r>
-          </a:p>
-          <a:p>
-            <a:pPr lvl="0"/>
-            <a:r>
-              <a:rPr>
-                <a:latin typeface="Courier"/>
-              </a:rPr>
-              <a:t>extract_poc</a:t>
+              <a:t>Key Use Cases</a:t>
+            </a:r>
+          </a:p>
+          <a:p>
+            <a:pPr lvl="0"/>
+            <a:r>
+              <a:t>Document Analysis &amp; Claims Extraction</a:t>
+            </a:r>
+          </a:p>
+          <a:p>
+            <a:pPr lvl="0"/>
+            <a:r>
+              <a:t>Security Log Analysis</a:t>
+            </a:r>
+          </a:p>
+          <a:p>
+            <a:pPr lvl="0"/>
+            <a:r>
+              <a:t>Incident Response</a:t>
+            </a:r>
+          </a:p>
+          <a:p>
+            <a:pPr lvl="0"/>
+            <a:r>
+              <a:t>Code Review &amp; Documentation</a:t>
+            </a:r>
+          </a:p>
+          <a:p>
+            <a:pPr lvl="0"/>
+            <a:r>
+              <a:t>Threat Analysis &amp; Reporting</a:t>
             </a:r>
           </a:p>
           <a:p>
@@ -10723,106 +10632,31 @@
             </a:pPr>
             <a:r>
               <a:rPr b="1"/>
-              <a:t>Example Usage</a:t>
-            </a:r>
-          </a:p>
-          <a:p>
-            <a:pPr lvl="0" indent="0">
-              <a:buNone/>
-            </a:pPr>
-            <a:r>
-              <a:rPr b="1" i="1">
-                <a:solidFill>
-                  <a:srgbClr val="0066FF"/>
-                </a:solidFill>
-                <a:latin typeface="Courier"/>
-              </a:rPr>
-              <a:t># Analyze security logs</a:t>
-            </a:r>
-            <a:br/>
-            <a:r>
-              <a:rPr b="1">
-                <a:solidFill>
-                  <a:srgbClr val="FF9358"/>
-                </a:solidFill>
-                <a:latin typeface="Courier"/>
-              </a:rPr>
-              <a:t>cat</a:t>
-            </a:r>
-            <a:r>
-              <a:rPr>
-                <a:solidFill>
-                  <a:srgbClr val="BDAE9D"/>
-                </a:solidFill>
-                <a:latin typeface="Courier"/>
-              </a:rPr>
-              <a:t> security.log </a:t>
-            </a:r>
-            <a:r>
-              <a:rPr b="1">
-                <a:solidFill>
-                  <a:srgbClr val="43A8ED"/>
-                </a:solidFill>
-                <a:latin typeface="Courier"/>
-              </a:rPr>
-              <a:t>|</a:t>
-            </a:r>
-            <a:r>
-              <a:rPr>
-                <a:solidFill>
-                  <a:srgbClr val="BDAE9D"/>
-                </a:solidFill>
-                <a:latin typeface="Courier"/>
-              </a:rPr>
-              <a:t> fabric -p analyze_logs</a:t>
-            </a:r>
-            <a:br/>
-            <a:br/>
-            <a:r>
-              <a:rPr b="1" i="1">
-                <a:solidFill>
-                  <a:srgbClr val="0066FF"/>
-                </a:solidFill>
-                <a:latin typeface="Courier"/>
-              </a:rPr>
-              <a:t># Create detection rules</a:t>
-            </a:r>
-            <a:br/>
-            <a:r>
-              <a:rPr b="1">
-                <a:solidFill>
-                  <a:srgbClr val="FF9358"/>
-                </a:solidFill>
-                <a:latin typeface="Courier"/>
-              </a:rPr>
-              <a:t>cat</a:t>
-            </a:r>
-            <a:r>
-              <a:rPr>
-                <a:solidFill>
-                  <a:srgbClr val="BDAE9D"/>
-                </a:solidFill>
-                <a:latin typeface="Courier"/>
-              </a:rPr>
-              <a:t> incident.json </a:t>
-            </a:r>
-            <a:r>
-              <a:rPr b="1">
-                <a:solidFill>
-                  <a:srgbClr val="43A8ED"/>
-                </a:solidFill>
-                <a:latin typeface="Courier"/>
-              </a:rPr>
-              <a:t>|</a:t>
-            </a:r>
-            <a:r>
-              <a:rPr>
-                <a:solidFill>
-                  <a:srgbClr val="BDAE9D"/>
-                </a:solidFill>
-                <a:latin typeface="Courier"/>
-              </a:rPr>
-              <a:t> fabric -p create_sigma_rules</a:t>
+              <a:t>Why These Examples?</a:t>
+            </a:r>
+          </a:p>
+          <a:p>
+            <a:pPr lvl="0"/>
+            <a:r>
+              <a:t>Real-world applications</a:t>
+            </a:r>
+          </a:p>
+          <a:p>
+            <a:pPr lvl="0"/>
+            <a:r>
+              <a:t>Common security workflows</a:t>
+            </a:r>
+          </a:p>
+          <a:p>
+            <a:pPr lvl="0"/>
+            <a:r>
+              <a:t>Demonstrate pattern flexibility</a:t>
+            </a:r>
+          </a:p>
+          <a:p>
+            <a:pPr lvl="0"/>
+            <a:r>
+              <a:t>Show practical value</a:t>
             </a:r>
           </a:p>
         </p:txBody>
@@ -10882,7 +10716,7 @@
               <a:buNone/>
             </a:pPr>
             <a:r>
-              <a:t>Threat Analysis &amp; Reporting</a:t>
+              <a:t>Document Analysis Examples</a:t>
             </a:r>
           </a:p>
         </p:txBody>
@@ -10916,43 +10750,43 @@
             </a:pPr>
             <a:r>
               <a:rPr b="1"/>
-              <a:t>Key Patterns</a:t>
-            </a:r>
-          </a:p>
-          <a:p>
-            <a:pPr lvl="0"/>
-            <a:r>
-              <a:rPr>
-                <a:latin typeface="Courier"/>
-              </a:rPr>
-              <a:t>analyze_threat_report</a:t>
-            </a:r>
-          </a:p>
-          <a:p>
-            <a:pPr lvl="0"/>
-            <a:r>
-              <a:rPr>
-                <a:latin typeface="Courier"/>
-              </a:rPr>
-              <a:t>analyze_threat_report_trends</a:t>
-            </a:r>
-          </a:p>
-          <a:p>
-            <a:pPr lvl="0"/>
-            <a:r>
-              <a:rPr>
-                <a:latin typeface="Courier"/>
-              </a:rPr>
-              <a:t>create_stride_threat_model</a:t>
-            </a:r>
-          </a:p>
-          <a:p>
-            <a:pPr lvl="0"/>
-            <a:r>
-              <a:rPr>
-                <a:latin typeface="Courier"/>
-              </a:rPr>
-              <a:t>create_network_threat_landscape</a:t>
+              <a:t>Useful Patterns</a:t>
+            </a:r>
+          </a:p>
+          <a:p>
+            <a:pPr lvl="0"/>
+            <a:r>
+              <a:rPr>
+                <a:latin typeface="Courier"/>
+              </a:rPr>
+              <a:t>analyze_claims</a:t>
+            </a:r>
+          </a:p>
+          <a:p>
+            <a:pPr lvl="0"/>
+            <a:r>
+              <a:rPr>
+                <a:latin typeface="Courier"/>
+              </a:rPr>
+              <a:t>extract_extraordinary_claims</a:t>
+            </a:r>
+          </a:p>
+          <a:p>
+            <a:pPr lvl="0"/>
+            <a:r>
+              <a:rPr>
+                <a:latin typeface="Courier"/>
+              </a:rPr>
+              <a:t>extract_insights</a:t>
+            </a:r>
+          </a:p>
+          <a:p>
+            <a:pPr lvl="0"/>
+            <a:r>
+              <a:rPr>
+                <a:latin typeface="Courier"/>
+              </a:rPr>
+              <a:t>create_cyber_summary</a:t>
             </a:r>
           </a:p>
           <a:p>
@@ -10978,7 +10812,7 @@
                 </a:solidFill>
                 <a:latin typeface="Courier"/>
               </a:rPr>
-              <a:t># Analyze a threat report</a:t>
+              <a:t># Extract key claims from a document</a:t>
             </a:r>
             <a:br/>
             <a:r>
@@ -11015,7 +10849,7 @@
                 </a:solidFill>
                 <a:latin typeface="Courier"/>
               </a:rPr>
-              <a:t> fabric -p analyze_threat_report_trends</a:t>
+              <a:t> fabric -p analyze_claims</a:t>
             </a:r>
             <a:br/>
             <a:br/>
@@ -11026,7 +10860,7 @@
                 </a:solidFill>
                 <a:latin typeface="Courier"/>
               </a:rPr>
-              <a:t># Create threat model</a:t>
+              <a:t># Create a cybersecurity summary</a:t>
             </a:r>
             <a:br/>
             <a:r>
@@ -11045,7 +10879,7 @@
                 </a:solidFill>
                 <a:latin typeface="Courier"/>
               </a:rPr>
-              <a:t> architecture.md </a:t>
+              <a:t> advisory.md </a:t>
             </a:r>
             <a:r>
               <a:rPr b="1">
@@ -11063,7 +10897,7 @@
                 </a:solidFill>
                 <a:latin typeface="Courier"/>
               </a:rPr>
-              <a:t> fabric -p create_stride_threat_model</a:t>
+              <a:t> fabric -p create_cyber_summary</a:t>
             </a:r>
           </a:p>
         </p:txBody>
@@ -11123,7 +10957,7 @@
               <a:buNone/>
             </a:pPr>
             <a:r>
-              <a:t>Reverse Engineering Fabric Patterns</a:t>
+              <a:t>Security Log Analysis</a:t>
             </a:r>
           </a:p>
         </p:txBody>
@@ -11149,115 +10983,162 @@
           <a:bodyPr/>
           <a:lstStyle/>
           <a:p>
+            <a:pPr marL="0" lvl="0" indent="0">
+              <a:spcBef>
+                <a:spcPts val="3000"/>
+              </a:spcBef>
+              <a:buNone/>
+            </a:pPr>
+            <a:r>
+              <a:rPr b="1"/>
+              <a:t>Relevant Patterns</a:t>
+            </a:r>
+          </a:p>
+          <a:p>
+            <a:pPr lvl="0"/>
+            <a:r>
+              <a:rPr>
+                <a:latin typeface="Courier"/>
+              </a:rPr>
+              <a:t>analyze_logs</a:t>
+            </a:r>
+          </a:p>
+          <a:p>
+            <a:pPr lvl="0"/>
+            <a:r>
+              <a:rPr>
+                <a:latin typeface="Courier"/>
+              </a:rPr>
+              <a:t>analyze_incident</a:t>
+            </a:r>
+          </a:p>
+          <a:p>
+            <a:pPr lvl="0"/>
+            <a:r>
+              <a:rPr>
+                <a:latin typeface="Courier"/>
+              </a:rPr>
+              <a:t>create_sigma_rules</a:t>
+            </a:r>
+          </a:p>
+          <a:p>
+            <a:pPr lvl="0"/>
+            <a:r>
+              <a:rPr>
+                <a:latin typeface="Courier"/>
+              </a:rPr>
+              <a:t>extract_poc</a:t>
+            </a:r>
+          </a:p>
+          <a:p>
+            <a:pPr marL="0" lvl="0" indent="0">
+              <a:spcBef>
+                <a:spcPts val="3000"/>
+              </a:spcBef>
+              <a:buNone/>
+            </a:pPr>
+            <a:r>
+              <a:rPr b="1"/>
+              <a:t>Example Usage</a:t>
+            </a:r>
+          </a:p>
+          <a:p>
             <a:pPr lvl="0" indent="0">
               <a:buNone/>
             </a:pPr>
             <a:r>
-              <a:rPr>
-                <a:solidFill>
-                  <a:srgbClr val="BDAE9D"/>
-                </a:solidFill>
-                <a:latin typeface="Courier"/>
-              </a:rPr>
-              <a:t>fabric -l </a:t>
-            </a:r>
-            <a:r>
               <a:rPr b="1" i="1">
                 <a:solidFill>
                   <a:srgbClr val="0066FF"/>
                 </a:solidFill>
                 <a:latin typeface="Courier"/>
               </a:rPr>
-              <a:t># list all patterns</a:t>
+              <a:t># Analyze security logs</a:t>
+            </a:r>
+            <a:br/>
+            <a:r>
+              <a:rPr b="1">
+                <a:solidFill>
+                  <a:srgbClr val="FF9358"/>
+                </a:solidFill>
+                <a:latin typeface="Courier"/>
+              </a:rPr>
+              <a:t>cat</a:t>
+            </a:r>
+            <a:r>
+              <a:rPr>
+                <a:solidFill>
+                  <a:srgbClr val="BDAE9D"/>
+                </a:solidFill>
+                <a:latin typeface="Courier"/>
+              </a:rPr>
+              <a:t> security.log </a:t>
+            </a:r>
+            <a:r>
+              <a:rPr b="1">
+                <a:solidFill>
+                  <a:srgbClr val="43A8ED"/>
+                </a:solidFill>
+                <a:latin typeface="Courier"/>
+              </a:rPr>
+              <a:t>|</a:t>
+            </a:r>
+            <a:r>
+              <a:rPr>
+                <a:solidFill>
+                  <a:srgbClr val="BDAE9D"/>
+                </a:solidFill>
+                <a:latin typeface="Courier"/>
+              </a:rPr>
+              <a:t> fabric -p analyze_logs</a:t>
             </a:r>
             <a:br/>
             <a:br/>
             <a:r>
+              <a:rPr b="1" i="1">
+                <a:solidFill>
+                  <a:srgbClr val="0066FF"/>
+                </a:solidFill>
+                <a:latin typeface="Courier"/>
+              </a:rPr>
+              <a:t># Create detection rules</a:t>
+            </a:r>
+            <a:br/>
+            <a:r>
               <a:rPr b="1">
                 <a:solidFill>
                   <a:srgbClr val="FF9358"/>
                 </a:solidFill>
                 <a:latin typeface="Courier"/>
               </a:rPr>
-              <a:t>ls</a:t>
-            </a:r>
-            <a:r>
-              <a:rPr>
-                <a:solidFill>
-                  <a:srgbClr val="BDAE9D"/>
-                </a:solidFill>
-                <a:latin typeface="Courier"/>
-              </a:rPr>
-              <a:t> ~/.config/fabric/patterns/ </a:t>
-            </a:r>
-            <a:r>
-              <a:rPr b="1" i="1">
-                <a:solidFill>
-                  <a:srgbClr val="0066FF"/>
-                </a:solidFill>
-                <a:latin typeface="Courier"/>
-              </a:rPr>
-              <a:t># Examine the pattern directory</a:t>
-            </a:r>
-            <a:br/>
-            <a:br/>
-            <a:r>
-              <a:rPr>
-                <a:solidFill>
-                  <a:srgbClr val="BDAE9D"/>
-                </a:solidFill>
-                <a:latin typeface="Courier"/>
-              </a:rPr>
-              <a:t>fabric -p extract_wisdom --dry-run </a:t>
-            </a:r>
-            <a:r>
-              <a:rPr b="1" i="1">
-                <a:solidFill>
-                  <a:srgbClr val="0066FF"/>
-                </a:solidFill>
-                <a:latin typeface="Courier"/>
-              </a:rPr>
-              <a:t># Read the pattern's prompt</a:t>
-            </a:r>
-            <a:br/>
-            <a:br/>
-            <a:r>
-              <a:rPr>
-                <a:solidFill>
-                  <a:srgbClr val="BDAE9D"/>
-                </a:solidFill>
-                <a:latin typeface="Courier"/>
-              </a:rPr>
-              <a:t>fabric -p analyze_threat_report --dry-run &gt; analyze_threat_report.md</a:t>
-            </a:r>
-            <a:br/>
-            <a:br/>
+              <a:t>cat</a:t>
+            </a:r>
+            <a:r>
+              <a:rPr>
+                <a:solidFill>
+                  <a:srgbClr val="BDAE9D"/>
+                </a:solidFill>
+                <a:latin typeface="Courier"/>
+              </a:rPr>
+              <a:t> incident.json </a:t>
+            </a:r>
             <a:r>
               <a:rPr b="1">
                 <a:solidFill>
-                  <a:srgbClr val="FF9358"/>
-                </a:solidFill>
-                <a:latin typeface="Courier"/>
-              </a:rPr>
-              <a:t>nano</a:t>
-            </a:r>
-            <a:r>
-              <a:rPr>
-                <a:solidFill>
-                  <a:srgbClr val="BDAE9D"/>
-                </a:solidFill>
-                <a:latin typeface="Courier"/>
-              </a:rPr>
-              <a:t> analyze_threat_report.md  </a:t>
-            </a:r>
-            <a:r>
-              <a:rPr b="1" i="1">
-                <a:solidFill>
-                  <a:srgbClr val="0066FF"/>
-                </a:solidFill>
-                <a:latin typeface="Courier"/>
-              </a:rPr>
-              <a:t># Edit the pattern</a:t>
+                  <a:srgbClr val="43A8ED"/>
+                </a:solidFill>
+                <a:latin typeface="Courier"/>
+              </a:rPr>
+              <a:t>|</a:t>
+            </a:r>
+            <a:r>
+              <a:rPr>
+                <a:solidFill>
+                  <a:srgbClr val="BDAE9D"/>
+                </a:solidFill>
+                <a:latin typeface="Courier"/>
+              </a:rPr>
+              <a:t> fabric -p create_sigma_rules</a:t>
             </a:r>
           </a:p>
         </p:txBody>
@@ -11317,7 +11198,7 @@
               <a:buNone/>
             </a:pPr>
             <a:r>
-              <a:t>Creating Custom Patterns</a:t>
+              <a:t>Threat Analysis &amp; Reporting</a:t>
             </a:r>
           </a:p>
         </p:txBody>
@@ -11351,7 +11232,55 @@
             </a:pPr>
             <a:r>
               <a:rPr b="1"/>
-              <a:t>Example: AWS CloudTrail Analysis Pattern</a:t>
+              <a:t>Key Patterns</a:t>
+            </a:r>
+          </a:p>
+          <a:p>
+            <a:pPr lvl="0"/>
+            <a:r>
+              <a:rPr>
+                <a:latin typeface="Courier"/>
+              </a:rPr>
+              <a:t>analyze_threat_report</a:t>
+            </a:r>
+          </a:p>
+          <a:p>
+            <a:pPr lvl="0"/>
+            <a:r>
+              <a:rPr>
+                <a:latin typeface="Courier"/>
+              </a:rPr>
+              <a:t>analyze_threat_report_trends</a:t>
+            </a:r>
+          </a:p>
+          <a:p>
+            <a:pPr lvl="0"/>
+            <a:r>
+              <a:rPr>
+                <a:latin typeface="Courier"/>
+              </a:rPr>
+              <a:t>create_stride_threat_model</a:t>
+            </a:r>
+          </a:p>
+          <a:p>
+            <a:pPr lvl="0"/>
+            <a:r>
+              <a:rPr>
+                <a:latin typeface="Courier"/>
+              </a:rPr>
+              <a:t>create_network_threat_landscape</a:t>
+            </a:r>
+          </a:p>
+          <a:p>
+            <a:pPr marL="0" lvl="0" indent="0">
+              <a:spcBef>
+                <a:spcPts val="3000"/>
+              </a:spcBef>
+              <a:buNone/>
+            </a:pPr>
+            <a:r>
+              <a:rPr b="1"/>
+              <a:t>Example Usage</a:t>
             </a:r>
           </a:p>
           <a:p>
@@ -11365,63 +11294,44 @@
                 </a:solidFill>
                 <a:latin typeface="Courier"/>
               </a:rPr>
-              <a:t># Set up pattern directory</a:t>
+              <a:t># Analyze a threat report</a:t>
             </a:r>
             <a:br/>
             <a:r>
-              <a:rPr>
-                <a:solidFill>
-                  <a:srgbClr val="BDAE9D"/>
-                </a:solidFill>
-                <a:latin typeface="Courier"/>
-              </a:rPr>
-              <a:t>export PATTERN_DIR=</a:t>
-            </a:r>
-            <a:r>
-              <a:rPr>
-                <a:solidFill>
-                  <a:srgbClr val="049B0A"/>
-                </a:solidFill>
-                <a:latin typeface="Courier"/>
-              </a:rPr>
-              <a:t>"</a:t>
-            </a:r>
-            <a:r>
-              <a:rPr>
-                <a:solidFill>
-                  <a:srgbClr val="BDAE9D"/>
-                </a:solidFill>
-                <a:latin typeface="Courier"/>
-              </a:rPr>
-              <a:t>$HOME</a:t>
-            </a:r>
-            <a:r>
-              <a:rPr>
-                <a:solidFill>
-                  <a:srgbClr val="049B0A"/>
-                </a:solidFill>
-                <a:latin typeface="Courier"/>
-              </a:rPr>
-              <a:t>/.config/fabric/patterns"</a:t>
-            </a:r>
-            <a:br/>
-            <a:r>
               <a:rPr b="1">
                 <a:solidFill>
                   <a:srgbClr val="FF9358"/>
                 </a:solidFill>
                 <a:latin typeface="Courier"/>
               </a:rPr>
-              <a:t>mkdir</a:t>
-            </a:r>
-            <a:r>
-              <a:rPr>
-                <a:solidFill>
-                  <a:srgbClr val="BDAE9D"/>
-                </a:solidFill>
-                <a:latin typeface="Courier"/>
-              </a:rPr>
-              <a:t> -p $PATTERN_DIR/analyze_aws_cloudtrail</a:t>
+              <a:t>cat</a:t>
+            </a:r>
+            <a:r>
+              <a:rPr>
+                <a:solidFill>
+                  <a:srgbClr val="BDAE9D"/>
+                </a:solidFill>
+                <a:latin typeface="Courier"/>
+              </a:rPr>
+              <a:t> threat_report.md </a:t>
+            </a:r>
+            <a:r>
+              <a:rPr b="1">
+                <a:solidFill>
+                  <a:srgbClr val="43A8ED"/>
+                </a:solidFill>
+                <a:latin typeface="Courier"/>
+              </a:rPr>
+              <a:t>|</a:t>
+            </a:r>
+            <a:r>
+              <a:rPr>
+                <a:solidFill>
+                  <a:srgbClr val="BDAE9D"/>
+                </a:solidFill>
+                <a:latin typeface="Courier"/>
+              </a:rPr>
+              <a:t> fabric -p analyze_threat_report_trends</a:t>
             </a:r>
             <a:br/>
             <a:br/>
@@ -11432,39 +11342,30 @@
                 </a:solidFill>
                 <a:latin typeface="Courier"/>
               </a:rPr>
-              <a:t># Create the pattern</a:t>
+              <a:t># Create threat model</a:t>
             </a:r>
             <a:br/>
             <a:r>
-              <a:rPr>
-                <a:solidFill>
-                  <a:srgbClr val="BDAE9D"/>
-                </a:solidFill>
-                <a:latin typeface="Courier"/>
-              </a:rPr>
-              <a:t>echo </a:t>
-            </a:r>
-            <a:r>
-              <a:rPr>
-                <a:solidFill>
-                  <a:srgbClr val="049B0A"/>
-                </a:solidFill>
-                <a:latin typeface="Courier"/>
-              </a:rPr>
-              <a:t>"Analyzing AWS CloudTrail logs that identifies privilege escalation attempts"</a:t>
-            </a:r>
-            <a:r>
-              <a:rPr>
-                <a:solidFill>
-                  <a:srgbClr val="BDAE9D"/>
-                </a:solidFill>
-                <a:latin typeface="Courier"/>
-              </a:rPr>
-              <a:t> </a:t>
-            </a:r>
-            <a:r>
               <a:rPr b="1">
                 <a:solidFill>
+                  <a:srgbClr val="FF9358"/>
+                </a:solidFill>
+                <a:latin typeface="Courier"/>
+              </a:rPr>
+              <a:t>cat</a:t>
+            </a:r>
+            <a:r>
+              <a:rPr>
+                <a:solidFill>
+                  <a:srgbClr val="BDAE9D"/>
+                </a:solidFill>
+                <a:latin typeface="Courier"/>
+              </a:rPr>
+              <a:t> architecture.md </a:t>
+            </a:r>
+            <a:r>
+              <a:rPr b="1">
+                <a:solidFill>
                   <a:srgbClr val="43A8ED"/>
                 </a:solidFill>
                 <a:latin typeface="Courier"/>
@@ -11478,121 +11379,7 @@
                 </a:solidFill>
                 <a:latin typeface="Courier"/>
               </a:rPr>
-              <a:t> fabric -p create_pattern </a:t>
-            </a:r>
-            <a:r>
-              <a:rPr b="1">
-                <a:solidFill>
-                  <a:srgbClr val="43A8ED"/>
-                </a:solidFill>
-                <a:latin typeface="Courier"/>
-              </a:rPr>
-              <a:t>|</a:t>
-            </a:r>
-            <a:r>
-              <a:rPr>
-                <a:solidFill>
-                  <a:srgbClr val="BDAE9D"/>
-                </a:solidFill>
-                <a:latin typeface="Courier"/>
-              </a:rPr>
-              <a:t> </a:t>
-            </a:r>
-            <a:r>
-              <a:rPr b="1">
-                <a:solidFill>
-                  <a:srgbClr val="FF9358"/>
-                </a:solidFill>
-                <a:latin typeface="Courier"/>
-              </a:rPr>
-              <a:t>tee</a:t>
-            </a:r>
-            <a:r>
-              <a:rPr>
-                <a:solidFill>
-                  <a:srgbClr val="BDAE9D"/>
-                </a:solidFill>
-                <a:latin typeface="Courier"/>
-              </a:rPr>
-              <a:t> $PATTERN_DIR/analyze_aws_cloudtrail/system.md</a:t>
-            </a:r>
-            <a:br/>
-            <a:br/>
-            <a:r>
-              <a:rPr b="1" i="1">
-                <a:solidFill>
-                  <a:srgbClr val="0066FF"/>
-                </a:solidFill>
-                <a:latin typeface="Courier"/>
-              </a:rPr>
-              <a:t># Inspect the pattern</a:t>
-            </a:r>
-            <a:br/>
-            <a:r>
-              <a:rPr b="1">
-                <a:solidFill>
-                  <a:srgbClr val="FF9358"/>
-                </a:solidFill>
-                <a:latin typeface="Courier"/>
-              </a:rPr>
-              <a:t>cat</a:t>
-            </a:r>
-            <a:r>
-              <a:rPr>
-                <a:solidFill>
-                  <a:srgbClr val="BDAE9D"/>
-                </a:solidFill>
-                <a:latin typeface="Courier"/>
-              </a:rPr>
-              <a:t> $PATTERN_DIR/analyze_aws_cloudtrail/system.md</a:t>
-            </a:r>
-            <a:br/>
-            <a:br/>
-            <a:r>
-              <a:rPr b="1" i="1">
-                <a:solidFill>
-                  <a:srgbClr val="0066FF"/>
-                </a:solidFill>
-                <a:latin typeface="Courier"/>
-              </a:rPr>
-              <a:t># Test the pattern</a:t>
-            </a:r>
-            <a:br/>
-            <a:r>
-              <a:rPr b="1">
-                <a:solidFill>
-                  <a:srgbClr val="FF9358"/>
-                </a:solidFill>
-                <a:latin typeface="Courier"/>
-              </a:rPr>
-              <a:t>cat</a:t>
-            </a:r>
-            <a:r>
-              <a:rPr>
-                <a:solidFill>
-                  <a:srgbClr val="BDAE9D"/>
-                </a:solidFill>
-                <a:latin typeface="Courier"/>
-              </a:rPr>
-              <a:t> cloudtrail.log </a:t>
-            </a:r>
-            <a:r>
-              <a:rPr b="1">
-                <a:solidFill>
-                  <a:srgbClr val="43A8ED"/>
-                </a:solidFill>
-                <a:latin typeface="Courier"/>
-              </a:rPr>
-              <a:t>|</a:t>
-            </a:r>
-            <a:r>
-              <a:rPr>
-                <a:solidFill>
-                  <a:srgbClr val="BDAE9D"/>
-                </a:solidFill>
-                <a:latin typeface="Courier"/>
-              </a:rPr>
-              <a:t> fabric -p analyze_aws_cloudtrail</a:t>
+              <a:t> fabric -p create_stride_threat_model</a:t>
             </a:r>
           </a:p>
         </p:txBody>
@@ -11652,7 +11439,7 @@
               <a:buNone/>
             </a:pPr>
             <a:r>
-              <a:t>Chaining Commands to Exploit CLI Power</a:t>
+              <a:t>Reverse Engineering Fabric Patterns</a:t>
             </a:r>
           </a:p>
         </p:txBody>
@@ -11678,96 +11465,115 @@
           <a:bodyPr/>
           <a:lstStyle/>
           <a:p>
-            <a:pPr marL="0" lvl="0" indent="0">
-              <a:spcBef>
-                <a:spcPts val="3000"/>
-              </a:spcBef>
-              <a:buNone/>
-            </a:pPr>
-            <a:r>
-              <a:rPr b="1"/>
-              <a:t>The Power of Unix Philosophy</a:t>
-            </a:r>
-          </a:p>
-          <a:p>
-            <a:pPr lvl="0"/>
-            <a:r>
-              <a:t>Each program does one thing well</a:t>
-            </a:r>
-          </a:p>
-          <a:p>
-            <a:pPr lvl="0"/>
-            <a:r>
-              <a:t>Programs work together</a:t>
-            </a:r>
-          </a:p>
-          <a:p>
-            <a:pPr lvl="0"/>
-            <a:r>
-              <a:t>Programs handle text streams as universal interface</a:t>
-            </a:r>
-          </a:p>
-          <a:p>
-            <a:pPr marL="0" lvl="0" indent="0">
-              <a:spcBef>
-                <a:spcPts val="3000"/>
-              </a:spcBef>
-              <a:buNone/>
-            </a:pPr>
-            <a:r>
-              <a:rPr b="1"/>
-              <a:t>Understanding Subshells</a:t>
-            </a:r>
-          </a:p>
-          <a:p>
-            <a:pPr lvl="0"/>
-            <a:r>
-              <a:t>A subshell is a child process of the current shell</a:t>
-            </a:r>
-          </a:p>
-          <a:p>
-            <a:pPr lvl="0"/>
-            <a:r>
-              <a:t>Created using </a:t>
-            </a:r>
-            <a:r>
-              <a:rPr>
-                <a:latin typeface="Courier"/>
-              </a:rPr>
-              <a:t>$()</a:t>
-            </a:r>
-            <a:r>
-              <a:t> or backticks </a:t>
-            </a:r>
-            <a:r>
-              <a:rPr>
-                <a:latin typeface="Courier"/>
-              </a:rPr>
-              <a:t>`</a:t>
-            </a:r>
-          </a:p>
-          <a:p>
-            <a:pPr lvl="0"/>
-            <a:r>
-              <a:t>Example: </a:t>
-            </a:r>
-            <a:r>
-              <a:rPr>
-                <a:latin typeface="Courier"/>
-              </a:rPr>
-              <a:t>echo "Today is $(date)"</a:t>
-            </a:r>
-          </a:p>
-          <a:p>
-            <a:pPr lvl="0"/>
-            <a:r>
-              <a:t>Nested commands execute from innermost to outermost</a:t>
-            </a:r>
-          </a:p>
-          <a:p>
-            <a:pPr lvl="0"/>
-            <a:r>
-              <a:t>Useful for command substitution and complex pipelines</a:t>
+            <a:pPr lvl="0" indent="0">
+              <a:buNone/>
+            </a:pPr>
+            <a:r>
+              <a:rPr>
+                <a:solidFill>
+                  <a:srgbClr val="BDAE9D"/>
+                </a:solidFill>
+                <a:latin typeface="Courier"/>
+              </a:rPr>
+              <a:t>fabric -l </a:t>
+            </a:r>
+            <a:r>
+              <a:rPr b="1" i="1">
+                <a:solidFill>
+                  <a:srgbClr val="0066FF"/>
+                </a:solidFill>
+                <a:latin typeface="Courier"/>
+              </a:rPr>
+              <a:t># list all patterns</a:t>
+            </a:r>
+            <a:br/>
+            <a:br/>
+            <a:r>
+              <a:rPr b="1">
+                <a:solidFill>
+                  <a:srgbClr val="FF9358"/>
+                </a:solidFill>
+                <a:latin typeface="Courier"/>
+              </a:rPr>
+              <a:t>ls</a:t>
+            </a:r>
+            <a:r>
+              <a:rPr>
+                <a:solidFill>
+                  <a:srgbClr val="BDAE9D"/>
+                </a:solidFill>
+                <a:latin typeface="Courier"/>
+              </a:rPr>
+              <a:t> ~/.config/fabric/patterns/ </a:t>
+            </a:r>
+            <a:r>
+              <a:rPr b="1" i="1">
+                <a:solidFill>
+                  <a:srgbClr val="0066FF"/>
+                </a:solidFill>
+                <a:latin typeface="Courier"/>
+              </a:rPr>
+              <a:t># Examine the pattern directory</a:t>
+            </a:r>
+            <a:br/>
+            <a:br/>
+            <a:r>
+              <a:rPr>
+                <a:solidFill>
+                  <a:srgbClr val="BDAE9D"/>
+                </a:solidFill>
+                <a:latin typeface="Courier"/>
+              </a:rPr>
+              <a:t>fabric -p extract_wisdom --dry-run </a:t>
+            </a:r>
+            <a:r>
+              <a:rPr b="1" i="1">
+                <a:solidFill>
+                  <a:srgbClr val="0066FF"/>
+                </a:solidFill>
+                <a:latin typeface="Courier"/>
+              </a:rPr>
+              <a:t># Read the pattern's prompt</a:t>
+            </a:r>
+            <a:br/>
+            <a:br/>
+            <a:r>
+              <a:rPr>
+                <a:solidFill>
+                  <a:srgbClr val="BDAE9D"/>
+                </a:solidFill>
+                <a:latin typeface="Courier"/>
+              </a:rPr>
+              <a:t>fabric -p analyze_threat_report --dry-run &gt; analyze_threat_report.md</a:t>
+            </a:r>
+            <a:br/>
+            <a:br/>
+            <a:r>
+              <a:rPr b="1">
+                <a:solidFill>
+                  <a:srgbClr val="FF9358"/>
+                </a:solidFill>
+                <a:latin typeface="Courier"/>
+              </a:rPr>
+              <a:t>nano</a:t>
+            </a:r>
+            <a:r>
+              <a:rPr>
+                <a:solidFill>
+                  <a:srgbClr val="BDAE9D"/>
+                </a:solidFill>
+                <a:latin typeface="Courier"/>
+              </a:rPr>
+              <a:t> analyze_threat_report.md  </a:t>
+            </a:r>
+            <a:r>
+              <a:rPr b="1" i="1">
+                <a:solidFill>
+                  <a:srgbClr val="0066FF"/>
+                </a:solidFill>
+                <a:latin typeface="Courier"/>
+              </a:rPr>
+              <a:t># Edit the pattern</a:t>
             </a:r>
           </a:p>
         </p:txBody>
@@ -11827,7 +11633,7 @@
               <a:buNone/>
             </a:pPr>
             <a:r>
-              <a:t>Chaining Commands - Loops</a:t>
+              <a:t>Creating Custom Patterns</a:t>
             </a:r>
           </a:p>
         </p:txBody>
@@ -11861,272 +11667,77 @@
             </a:pPr>
             <a:r>
               <a:rPr b="1"/>
-              <a:t>Bash For Loops</a:t>
-            </a:r>
-          </a:p>
-          <a:p>
-            <a:pPr lvl="0"/>
-            <a:r>
-              <a:t>Iterate over lists, ranges, or command output</a:t>
-            </a:r>
-          </a:p>
-          <a:p>
-            <a:pPr lvl="0"/>
-            <a:r>
-              <a:t>Basic syntax:</a:t>
-            </a:r>
-          </a:p>
-          <a:p>
-            <a:pPr lvl="1" indent="0">
-              <a:buNone/>
-            </a:pPr>
+              <a:t>Example: AWS CloudTrail Analysis Pattern</a:t>
+            </a:r>
+          </a:p>
+          <a:p>
+            <a:pPr lvl="0" indent="0">
+              <a:buNone/>
+            </a:pPr>
+            <a:r>
+              <a:rPr b="1" i="1">
+                <a:solidFill>
+                  <a:srgbClr val="0066FF"/>
+                </a:solidFill>
+                <a:latin typeface="Courier"/>
+              </a:rPr>
+              <a:t># Set up pattern directory</a:t>
+            </a:r>
+            <a:br/>
+            <a:r>
+              <a:rPr>
+                <a:solidFill>
+                  <a:srgbClr val="BDAE9D"/>
+                </a:solidFill>
+                <a:latin typeface="Courier"/>
+              </a:rPr>
+              <a:t>export PATTERN_DIR=</a:t>
+            </a:r>
+            <a:r>
+              <a:rPr>
+                <a:solidFill>
+                  <a:srgbClr val="049B0A"/>
+                </a:solidFill>
+                <a:latin typeface="Courier"/>
+              </a:rPr>
+              <a:t>"</a:t>
+            </a:r>
+            <a:r>
+              <a:rPr>
+                <a:solidFill>
+                  <a:srgbClr val="BDAE9D"/>
+                </a:solidFill>
+                <a:latin typeface="Courier"/>
+              </a:rPr>
+              <a:t>$HOME</a:t>
+            </a:r>
+            <a:r>
+              <a:rPr>
+                <a:solidFill>
+                  <a:srgbClr val="049B0A"/>
+                </a:solidFill>
+                <a:latin typeface="Courier"/>
+              </a:rPr>
+              <a:t>/.config/fabric/patterns"</a:t>
+            </a:r>
+            <a:br/>
             <a:r>
               <a:rPr b="1">
                 <a:solidFill>
-                  <a:srgbClr val="43A8ED"/>
-                </a:solidFill>
-                <a:latin typeface="Courier"/>
-              </a:rPr>
-              <a:t>for</a:t>
-            </a:r>
-            <a:r>
-              <a:rPr>
-                <a:solidFill>
-                  <a:srgbClr val="BDAE9D"/>
-                </a:solidFill>
-                <a:latin typeface="Courier"/>
-              </a:rPr>
-              <a:t> item </a:t>
-            </a:r>
-            <a:r>
-              <a:rPr b="1">
-                <a:solidFill>
-                  <a:srgbClr val="43A8ED"/>
-                </a:solidFill>
-                <a:latin typeface="Courier"/>
-              </a:rPr>
-              <a:t>in</a:t>
-            </a:r>
-            <a:r>
-              <a:rPr>
-                <a:solidFill>
-                  <a:srgbClr val="BDAE9D"/>
-                </a:solidFill>
-                <a:latin typeface="Courier"/>
-              </a:rPr>
-              <a:t> list</a:t>
-            </a:r>
-            <a:r>
-              <a:rPr b="1">
-                <a:solidFill>
-                  <a:srgbClr val="43A8ED"/>
-                </a:solidFill>
-                <a:latin typeface="Courier"/>
-              </a:rPr>
-              <a:t>;</a:t>
-            </a:r>
-            <a:r>
-              <a:rPr>
-                <a:solidFill>
-                  <a:srgbClr val="BDAE9D"/>
-                </a:solidFill>
-                <a:latin typeface="Courier"/>
-              </a:rPr>
-              <a:t> </a:t>
-            </a:r>
-            <a:r>
-              <a:rPr b="1">
-                <a:solidFill>
-                  <a:srgbClr val="43A8ED"/>
-                </a:solidFill>
-                <a:latin typeface="Courier"/>
-              </a:rPr>
-              <a:t>do</a:t>
-            </a:r>
-            <a:br/>
-            <a:r>
-              <a:rPr>
-                <a:solidFill>
-                  <a:srgbClr val="BDAE9D"/>
-                </a:solidFill>
-                <a:latin typeface="Courier"/>
-              </a:rPr>
-              <a:t>    command $item</a:t>
-            </a:r>
-            <a:br/>
-            <a:r>
-              <a:rPr b="1">
-                <a:solidFill>
-                  <a:srgbClr val="43A8ED"/>
-                </a:solidFill>
-                <a:latin typeface="Courier"/>
-              </a:rPr>
-              <a:t>done</a:t>
-            </a:r>
-          </a:p>
-          <a:p>
-            <a:pPr lvl="0"/>
-            <a:r>
-              <a:t>Examples:</a:t>
-            </a:r>
-          </a:p>
-          <a:p>
-            <a:pPr lvl="1" indent="0">
-              <a:buNone/>
-            </a:pPr>
-            <a:r>
-              <a:rPr b="1" i="1">
-                <a:solidFill>
-                  <a:srgbClr val="0066FF"/>
-                </a:solidFill>
-                <a:latin typeface="Courier"/>
-              </a:rPr>
-              <a:t># Loop over numbers</a:t>
-            </a:r>
-            <a:br/>
-            <a:r>
-              <a:rPr b="1">
-                <a:solidFill>
-                  <a:srgbClr val="43A8ED"/>
-                </a:solidFill>
-                <a:latin typeface="Courier"/>
-              </a:rPr>
-              <a:t>for</a:t>
-            </a:r>
-            <a:r>
-              <a:rPr>
-                <a:solidFill>
-                  <a:srgbClr val="BDAE9D"/>
-                </a:solidFill>
-                <a:latin typeface="Courier"/>
-              </a:rPr>
-              <a:t> i </a:t>
-            </a:r>
-            <a:r>
-              <a:rPr b="1">
-                <a:solidFill>
-                  <a:srgbClr val="43A8ED"/>
-                </a:solidFill>
-                <a:latin typeface="Courier"/>
-              </a:rPr>
-              <a:t>in</a:t>
-            </a:r>
-            <a:r>
-              <a:rPr>
-                <a:solidFill>
-                  <a:srgbClr val="BDAE9D"/>
-                </a:solidFill>
-                <a:latin typeface="Courier"/>
-              </a:rPr>
-              <a:t> </a:t>
-            </a:r>
-            <a:r>
-              <a:rPr u="sng">
-                <a:solidFill>
-                  <a:srgbClr val="BDAE9D"/>
-                </a:solidFill>
-                <a:latin typeface="Courier"/>
-              </a:rPr>
-              <a:t>{</a:t>
-            </a:r>
-            <a:r>
-              <a:rPr>
-                <a:solidFill>
-                  <a:srgbClr val="44AA43"/>
-                </a:solidFill>
-                <a:latin typeface="Courier"/>
-              </a:rPr>
-              <a:t>1</a:t>
-            </a:r>
-            <a:r>
-              <a:rPr u="sng">
-                <a:solidFill>
-                  <a:srgbClr val="BDAE9D"/>
-                </a:solidFill>
-                <a:latin typeface="Courier"/>
-              </a:rPr>
-              <a:t>..</a:t>
-            </a:r>
-            <a:r>
-              <a:rPr>
-                <a:solidFill>
-                  <a:srgbClr val="44AA43"/>
-                </a:solidFill>
-                <a:latin typeface="Courier"/>
-              </a:rPr>
-              <a:t>5</a:t>
-            </a:r>
-            <a:r>
-              <a:rPr u="sng">
-                <a:solidFill>
-                  <a:srgbClr val="BDAE9D"/>
-                </a:solidFill>
-                <a:latin typeface="Courier"/>
-              </a:rPr>
-              <a:t>}</a:t>
-            </a:r>
-            <a:r>
-              <a:rPr b="1">
-                <a:solidFill>
-                  <a:srgbClr val="43A8ED"/>
-                </a:solidFill>
-                <a:latin typeface="Courier"/>
-              </a:rPr>
-              <a:t>;</a:t>
-            </a:r>
-            <a:r>
-              <a:rPr>
-                <a:solidFill>
-                  <a:srgbClr val="BDAE9D"/>
-                </a:solidFill>
-                <a:latin typeface="Courier"/>
-              </a:rPr>
-              <a:t> </a:t>
-            </a:r>
-            <a:r>
-              <a:rPr b="1">
-                <a:solidFill>
-                  <a:srgbClr val="43A8ED"/>
-                </a:solidFill>
-                <a:latin typeface="Courier"/>
-              </a:rPr>
-              <a:t>do</a:t>
-            </a:r>
-            <a:r>
-              <a:rPr>
-                <a:solidFill>
-                  <a:srgbClr val="BDAE9D"/>
-                </a:solidFill>
-                <a:latin typeface="Courier"/>
-              </a:rPr>
-              <a:t> echo $i</a:t>
-            </a:r>
-            <a:r>
-              <a:rPr b="1">
-                <a:solidFill>
-                  <a:srgbClr val="43A8ED"/>
-                </a:solidFill>
-                <a:latin typeface="Courier"/>
-              </a:rPr>
-              <a:t>;</a:t>
-            </a:r>
-            <a:r>
-              <a:rPr>
-                <a:solidFill>
-                  <a:srgbClr val="BDAE9D"/>
-                </a:solidFill>
-                <a:latin typeface="Courier"/>
-              </a:rPr>
-              <a:t> </a:t>
-            </a:r>
-            <a:r>
-              <a:rPr b="1">
-                <a:solidFill>
-                  <a:srgbClr val="43A8ED"/>
-                </a:solidFill>
-                <a:latin typeface="Courier"/>
-              </a:rPr>
-              <a:t>done</a:t>
+                  <a:srgbClr val="FF9358"/>
+                </a:solidFill>
+                <a:latin typeface="Courier"/>
+              </a:rPr>
+              <a:t>mkdir</a:t>
+            </a:r>
+            <a:r>
+              <a:rPr>
+                <a:solidFill>
+                  <a:srgbClr val="BDAE9D"/>
+                </a:solidFill>
+                <a:latin typeface="Courier"/>
+              </a:rPr>
+              <a:t> -p $PATTERN_DIR/analyze_aws_cloudtrail</a:t>
             </a:r>
             <a:br/>
             <a:br/>
@@ -12137,26 +11748,53 @@
                 </a:solidFill>
                 <a:latin typeface="Courier"/>
               </a:rPr>
-              <a:t># Loop over files</a:t>
+              <a:t># Create the pattern</a:t>
             </a:r>
             <a:br/>
             <a:r>
+              <a:rPr>
+                <a:solidFill>
+                  <a:srgbClr val="BDAE9D"/>
+                </a:solidFill>
+                <a:latin typeface="Courier"/>
+              </a:rPr>
+              <a:t>echo </a:t>
+            </a:r>
+            <a:r>
+              <a:rPr>
+                <a:solidFill>
+                  <a:srgbClr val="049B0A"/>
+                </a:solidFill>
+                <a:latin typeface="Courier"/>
+              </a:rPr>
+              <a:t>"Analyzing AWS CloudTrail logs that identifies privilege escalation attempts"</a:t>
+            </a:r>
+            <a:r>
+              <a:rPr>
+                <a:solidFill>
+                  <a:srgbClr val="BDAE9D"/>
+                </a:solidFill>
+                <a:latin typeface="Courier"/>
+              </a:rPr>
+              <a:t> </a:t>
+            </a:r>
+            <a:r>
               <a:rPr b="1">
                 <a:solidFill>
                   <a:srgbClr val="43A8ED"/>
                 </a:solidFill>
                 <a:latin typeface="Courier"/>
               </a:rPr>
-              <a:t>for</a:t>
-            </a:r>
-            <a:r>
-              <a:rPr>
-                <a:solidFill>
-                  <a:srgbClr val="BDAE9D"/>
-                </a:solidFill>
-                <a:latin typeface="Courier"/>
-              </a:rPr>
-              <a:t> file </a:t>
+              <a:t>|</a:t>
+            </a:r>
+            <a:r>
+              <a:rPr>
+                <a:solidFill>
+                  <a:srgbClr val="BDAE9D"/>
+                </a:solidFill>
+                <a:latin typeface="Courier"/>
+              </a:rPr>
+              <a:t> fabric -p create_pattern </a:t>
             </a:r>
             <a:r>
               <a:rPr b="1">
@@ -12165,7 +11803,7 @@
                 </a:solidFill>
                 <a:latin typeface="Courier"/>
               </a:rPr>
-              <a:t>in</a:t>
+              <a:t>|</a:t>
             </a:r>
             <a:r>
               <a:rPr>
@@ -12179,101 +11817,20 @@
             <a:r>
               <a:rPr b="1">
                 <a:solidFill>
-                  <a:srgbClr val="BDAE9D"/>
-                </a:solidFill>
-                <a:latin typeface="Courier"/>
-              </a:rPr>
-              <a:t>*</a:t>
-            </a:r>
-            <a:r>
-              <a:rPr>
-                <a:solidFill>
-                  <a:srgbClr val="BDAE9D"/>
-                </a:solidFill>
-                <a:latin typeface="Courier"/>
-              </a:rPr>
-              <a:t>.txt</a:t>
-            </a:r>
-            <a:r>
-              <a:rPr b="1">
-                <a:solidFill>
-                  <a:srgbClr val="43A8ED"/>
-                </a:solidFill>
-                <a:latin typeface="Courier"/>
-              </a:rPr>
-              <a:t>;</a:t>
-            </a:r>
-            <a:r>
-              <a:rPr>
-                <a:solidFill>
-                  <a:srgbClr val="BDAE9D"/>
-                </a:solidFill>
-                <a:latin typeface="Courier"/>
-              </a:rPr>
-              <a:t> </a:t>
-            </a:r>
-            <a:r>
-              <a:rPr b="1">
-                <a:solidFill>
-                  <a:srgbClr val="43A8ED"/>
-                </a:solidFill>
-                <a:latin typeface="Courier"/>
-              </a:rPr>
-              <a:t>do</a:t>
-            </a:r>
-            <a:r>
-              <a:rPr>
-                <a:solidFill>
-                  <a:srgbClr val="BDAE9D"/>
-                </a:solidFill>
-                <a:latin typeface="Courier"/>
-              </a:rPr>
-              <a:t> </a:t>
-            </a:r>
-            <a:r>
-              <a:rPr b="1">
-                <a:solidFill>
                   <a:srgbClr val="FF9358"/>
                 </a:solidFill>
                 <a:latin typeface="Courier"/>
               </a:rPr>
-              <a:t>cat</a:t>
-            </a:r>
-            <a:r>
-              <a:rPr>
-                <a:solidFill>
-                  <a:srgbClr val="BDAE9D"/>
-                </a:solidFill>
-                <a:latin typeface="Courier"/>
-              </a:rPr>
-              <a:t> $file</a:t>
-            </a:r>
-            <a:r>
-              <a:rPr b="1">
-                <a:solidFill>
-                  <a:srgbClr val="43A8ED"/>
-                </a:solidFill>
-                <a:latin typeface="Courier"/>
-              </a:rPr>
-              <a:t>;</a:t>
-            </a:r>
-            <a:r>
-              <a:rPr>
-                <a:solidFill>
-                  <a:srgbClr val="BDAE9D"/>
-                </a:solidFill>
-                <a:latin typeface="Courier"/>
-              </a:rPr>
-              <a:t> </a:t>
-            </a:r>
-            <a:r>
-              <a:rPr b="1">
-                <a:solidFill>
-                  <a:srgbClr val="43A8ED"/>
-                </a:solidFill>
-                <a:latin typeface="Courier"/>
-              </a:rPr>
-              <a:t>done</a:t>
+              <a:t>tee</a:t>
+            </a:r>
+            <a:r>
+              <a:rPr>
+                <a:solidFill>
+                  <a:srgbClr val="BDAE9D"/>
+                </a:solidFill>
+                <a:latin typeface="Courier"/>
+              </a:rPr>
+              <a:t> $PATTERN_DIR/analyze_aws_cloudtrail/system.md</a:t>
             </a:r>
             <a:br/>
             <a:br/>
@@ -12284,70 +11841,64 @@
                 </a:solidFill>
                 <a:latin typeface="Courier"/>
               </a:rPr>
-              <a:t># Loop over command output</a:t>
+              <a:t># Inspect the pattern</a:t>
             </a:r>
             <a:br/>
             <a:r>
               <a:rPr b="1">
                 <a:solidFill>
+                  <a:srgbClr val="FF9358"/>
+                </a:solidFill>
+                <a:latin typeface="Courier"/>
+              </a:rPr>
+              <a:t>cat</a:t>
+            </a:r>
+            <a:r>
+              <a:rPr>
+                <a:solidFill>
+                  <a:srgbClr val="BDAE9D"/>
+                </a:solidFill>
+                <a:latin typeface="Courier"/>
+              </a:rPr>
+              <a:t> $PATTERN_DIR/analyze_aws_cloudtrail/system.md</a:t>
+            </a:r>
+            <a:br/>
+            <a:br/>
+            <a:r>
+              <a:rPr b="1" i="1">
+                <a:solidFill>
+                  <a:srgbClr val="0066FF"/>
+                </a:solidFill>
+                <a:latin typeface="Courier"/>
+              </a:rPr>
+              <a:t># Test the pattern</a:t>
+            </a:r>
+            <a:br/>
+            <a:r>
+              <a:rPr b="1">
+                <a:solidFill>
+                  <a:srgbClr val="FF9358"/>
+                </a:solidFill>
+                <a:latin typeface="Courier"/>
+              </a:rPr>
+              <a:t>cat</a:t>
+            </a:r>
+            <a:r>
+              <a:rPr>
+                <a:solidFill>
+                  <a:srgbClr val="BDAE9D"/>
+                </a:solidFill>
+                <a:latin typeface="Courier"/>
+              </a:rPr>
+              <a:t> cloudtrail.log </a:t>
+            </a:r>
+            <a:r>
+              <a:rPr b="1">
+                <a:solidFill>
                   <a:srgbClr val="43A8ED"/>
                 </a:solidFill>
                 <a:latin typeface="Courier"/>
               </a:rPr>
-              <a:t>for</a:t>
-            </a:r>
-            <a:r>
-              <a:rPr>
-                <a:solidFill>
-                  <a:srgbClr val="BDAE9D"/>
-                </a:solidFill>
-                <a:latin typeface="Courier"/>
-              </a:rPr>
-              <a:t> user </a:t>
-            </a:r>
-            <a:r>
-              <a:rPr b="1">
-                <a:solidFill>
-                  <a:srgbClr val="43A8ED"/>
-                </a:solidFill>
-                <a:latin typeface="Courier"/>
-              </a:rPr>
-              <a:t>in</a:t>
-            </a:r>
-            <a:r>
-              <a:rPr>
-                <a:solidFill>
-                  <a:srgbClr val="BDAE9D"/>
-                </a:solidFill>
-                <a:latin typeface="Courier"/>
-              </a:rPr>
-              <a:t> $(</a:t>
-            </a:r>
-            <a:r>
-              <a:rPr b="1">
-                <a:solidFill>
-                  <a:srgbClr val="FF9358"/>
-                </a:solidFill>
-                <a:latin typeface="Courier"/>
-              </a:rPr>
-              <a:t>who</a:t>
-            </a:r>
-            <a:r>
-              <a:rPr>
-                <a:solidFill>
-                  <a:srgbClr val="BDAE9D"/>
-                </a:solidFill>
-                <a:latin typeface="Courier"/>
-              </a:rPr>
-              <a:t> </a:t>
-            </a:r>
-            <a:r>
-              <a:rPr b="1">
-                <a:solidFill>
-                  <a:srgbClr val="43A8ED"/>
-                </a:solidFill>
-                <a:latin typeface="Courier"/>
-              </a:rPr>
               <a:t>|</a:t>
             </a:r>
             <a:r>
@@ -12357,117 +11908,7 @@
                 </a:solidFill>
                 <a:latin typeface="Courier"/>
               </a:rPr>
-              <a:t> </a:t>
-            </a:r>
-            <a:r>
-              <a:rPr b="1">
-                <a:solidFill>
-                  <a:srgbClr val="FF9358"/>
-                </a:solidFill>
-                <a:latin typeface="Courier"/>
-              </a:rPr>
-              <a:t>cut</a:t>
-            </a:r>
-            <a:r>
-              <a:rPr>
-                <a:solidFill>
-                  <a:srgbClr val="BDAE9D"/>
-                </a:solidFill>
-                <a:latin typeface="Courier"/>
-              </a:rPr>
-              <a:t> -d</a:t>
-            </a:r>
-            <a:r>
-              <a:rPr>
-                <a:solidFill>
-                  <a:srgbClr val="049B0A"/>
-                </a:solidFill>
-                <a:latin typeface="Courier"/>
-              </a:rPr>
-              <a:t>' '</a:t>
-            </a:r>
-            <a:r>
-              <a:rPr>
-                <a:solidFill>
-                  <a:srgbClr val="BDAE9D"/>
-                </a:solidFill>
-                <a:latin typeface="Courier"/>
-              </a:rPr>
-              <a:t> -f1)</a:t>
-            </a:r>
-            <a:r>
-              <a:rPr b="1">
-                <a:solidFill>
-                  <a:srgbClr val="43A8ED"/>
-                </a:solidFill>
-                <a:latin typeface="Courier"/>
-              </a:rPr>
-              <a:t>;</a:t>
-            </a:r>
-            <a:r>
-              <a:rPr>
-                <a:solidFill>
-                  <a:srgbClr val="BDAE9D"/>
-                </a:solidFill>
-                <a:latin typeface="Courier"/>
-              </a:rPr>
-              <a:t> </a:t>
-            </a:r>
-            <a:r>
-              <a:rPr b="1">
-                <a:solidFill>
-                  <a:srgbClr val="43A8ED"/>
-                </a:solidFill>
-                <a:latin typeface="Courier"/>
-              </a:rPr>
-              <a:t>do</a:t>
-            </a:r>
-            <a:br/>
-            <a:r>
-              <a:rPr>
-                <a:solidFill>
-                  <a:srgbClr val="BDAE9D"/>
-                </a:solidFill>
-                <a:latin typeface="Courier"/>
-              </a:rPr>
-              <a:t>    echo </a:t>
-            </a:r>
-            <a:r>
-              <a:rPr>
-                <a:solidFill>
-                  <a:srgbClr val="049B0A"/>
-                </a:solidFill>
-                <a:latin typeface="Courier"/>
-              </a:rPr>
-              <a:t>"Hello </a:t>
-            </a:r>
-            <a:r>
-              <a:rPr>
-                <a:solidFill>
-                  <a:srgbClr val="BDAE9D"/>
-                </a:solidFill>
-                <a:latin typeface="Courier"/>
-              </a:rPr>
-              <a:t>$user</a:t>
-            </a:r>
-            <a:r>
-              <a:rPr>
-                <a:solidFill>
-                  <a:srgbClr val="049B0A"/>
-                </a:solidFill>
-                <a:latin typeface="Courier"/>
-              </a:rPr>
-              <a:t>"</a:t>
-            </a:r>
-            <a:br/>
-            <a:r>
-              <a:rPr b="1">
-                <a:solidFill>
-                  <a:srgbClr val="43A8ED"/>
-                </a:solidFill>
-                <a:latin typeface="Courier"/>
-              </a:rPr>
-              <a:t>done</a:t>
+              <a:t> fabric -p analyze_aws_cloudtrail</a:t>
             </a:r>
           </a:p>
         </p:txBody>
@@ -12527,7 +11968,7 @@
               <a:buNone/>
             </a:pPr>
             <a:r>
-              <a:t>Hands on Exercise: Summarize a Pattern</a:t>
+              <a:t>Chaining Commands to Exploit CLI Power</a:t>
             </a:r>
           </a:p>
         </p:txBody>
@@ -12553,139 +11994,96 @@
           <a:bodyPr/>
           <a:lstStyle/>
           <a:p>
-            <a:pPr lvl="0" indent="0">
-              <a:buNone/>
-            </a:pPr>
-            <a:r>
-              <a:rPr b="1" i="1">
-                <a:solidFill>
-                  <a:srgbClr val="0066FF"/>
-                </a:solidFill>
-                <a:latin typeface="Courier"/>
-              </a:rPr>
-              <a:t># Summarize the extract_wisdom pattern</a:t>
-            </a:r>
-            <a:br/>
-            <a:r>
-              <a:rPr>
-                <a:solidFill>
-                  <a:srgbClr val="BDAE9D"/>
-                </a:solidFill>
-                <a:latin typeface="Courier"/>
-              </a:rPr>
-              <a:t>fabric p extract_wisdom --dry-run </a:t>
-            </a:r>
-            <a:r>
-              <a:rPr b="1">
-                <a:solidFill>
-                  <a:srgbClr val="43A8ED"/>
-                </a:solidFill>
-                <a:latin typeface="Courier"/>
-              </a:rPr>
-              <a:t>|</a:t>
-            </a:r>
-            <a:r>
-              <a:rPr>
-                <a:solidFill>
-                  <a:srgbClr val="BDAE9D"/>
-                </a:solidFill>
-                <a:latin typeface="Courier"/>
-              </a:rPr>
-              <a:t> fabric -p summarize_prompt &gt; output.md</a:t>
-            </a:r>
-            <a:br/>
-            <a:r>
-              <a:rPr b="1">
-                <a:solidFill>
-                  <a:srgbClr val="FF9358"/>
-                </a:solidFill>
-                <a:latin typeface="Courier"/>
-              </a:rPr>
-              <a:t>cat</a:t>
-            </a:r>
-            <a:r>
-              <a:rPr>
-                <a:solidFill>
-                  <a:srgbClr val="BDAE9D"/>
-                </a:solidFill>
-                <a:latin typeface="Courier"/>
-              </a:rPr>
-              <a:t> output.md </a:t>
-            </a:r>
-            <a:br/>
-            <a:br/>
-            <a:r>
-              <a:rPr b="1" i="1">
-                <a:solidFill>
-                  <a:srgbClr val="0066FF"/>
-                </a:solidFill>
-                <a:latin typeface="Courier"/>
-              </a:rPr>
-              <a:t># Use `tee` to write to a file and stdout</a:t>
-            </a:r>
-            <a:br/>
-            <a:r>
-              <a:rPr>
-                <a:solidFill>
-                  <a:srgbClr val="BDAE9D"/>
-                </a:solidFill>
-                <a:latin typeface="Courier"/>
-              </a:rPr>
-              <a:t>fabric -p extract_wisdom --dry-run </a:t>
-            </a:r>
-            <a:r>
-              <a:rPr b="1">
-                <a:solidFill>
-                  <a:srgbClr val="43A8ED"/>
-                </a:solidFill>
-                <a:latin typeface="Courier"/>
-              </a:rPr>
-              <a:t>|</a:t>
-            </a:r>
-            <a:r>
-              <a:rPr>
-                <a:solidFill>
-                  <a:srgbClr val="BDAE9D"/>
-                </a:solidFill>
-                <a:latin typeface="Courier"/>
-              </a:rPr>
-              <a:t> fabric -p summarize_prompt </a:t>
-            </a:r>
-            <a:r>
-              <a:rPr b="1">
-                <a:solidFill>
-                  <a:srgbClr val="43A8ED"/>
-                </a:solidFill>
-                <a:latin typeface="Courier"/>
-              </a:rPr>
-              <a:t>|</a:t>
-            </a:r>
-            <a:r>
-              <a:rPr>
-                <a:solidFill>
-                  <a:srgbClr val="BDAE9D"/>
-                </a:solidFill>
-                <a:latin typeface="Courier"/>
-              </a:rPr>
-              <a:t> </a:t>
-            </a:r>
-            <a:r>
-              <a:rPr b="1">
-                <a:solidFill>
-                  <a:srgbClr val="FF9358"/>
-                </a:solidFill>
-                <a:latin typeface="Courier"/>
-              </a:rPr>
-              <a:t>tee</a:t>
-            </a:r>
-            <a:r>
-              <a:rPr>
-                <a:solidFill>
-                  <a:srgbClr val="BDAE9D"/>
-                </a:solidFill>
-                <a:latin typeface="Courier"/>
-              </a:rPr>
-              <a:t> output.md</a:t>
+            <a:pPr marL="0" lvl="0" indent="0">
+              <a:spcBef>
+                <a:spcPts val="3000"/>
+              </a:spcBef>
+              <a:buNone/>
+            </a:pPr>
+            <a:r>
+              <a:rPr b="1"/>
+              <a:t>The Power of Unix Philosophy</a:t>
+            </a:r>
+          </a:p>
+          <a:p>
+            <a:pPr lvl="0"/>
+            <a:r>
+              <a:t>Each program does one thing well</a:t>
+            </a:r>
+          </a:p>
+          <a:p>
+            <a:pPr lvl="0"/>
+            <a:r>
+              <a:t>Programs work together</a:t>
+            </a:r>
+          </a:p>
+          <a:p>
+            <a:pPr lvl="0"/>
+            <a:r>
+              <a:t>Programs handle text streams as universal interface</a:t>
+            </a:r>
+          </a:p>
+          <a:p>
+            <a:pPr marL="0" lvl="0" indent="0">
+              <a:spcBef>
+                <a:spcPts val="3000"/>
+              </a:spcBef>
+              <a:buNone/>
+            </a:pPr>
+            <a:r>
+              <a:rPr b="1"/>
+              <a:t>Understanding Subshells</a:t>
+            </a:r>
+          </a:p>
+          <a:p>
+            <a:pPr lvl="0"/>
+            <a:r>
+              <a:t>A subshell is a child process of the current shell</a:t>
+            </a:r>
+          </a:p>
+          <a:p>
+            <a:pPr lvl="0"/>
+            <a:r>
+              <a:t>Created using </a:t>
+            </a:r>
+            <a:r>
+              <a:rPr>
+                <a:latin typeface="Courier"/>
+              </a:rPr>
+              <a:t>$()</a:t>
+            </a:r>
+            <a:r>
+              <a:t> or backticks </a:t>
+            </a:r>
+            <a:r>
+              <a:rPr>
+                <a:latin typeface="Courier"/>
+              </a:rPr>
+              <a:t>`</a:t>
+            </a:r>
+          </a:p>
+          <a:p>
+            <a:pPr lvl="0"/>
+            <a:r>
+              <a:t>Example: </a:t>
+            </a:r>
+            <a:r>
+              <a:rPr>
+                <a:latin typeface="Courier"/>
+              </a:rPr>
+              <a:t>echo "Today is $(date)"</a:t>
+            </a:r>
+          </a:p>
+          <a:p>
+            <a:pPr lvl="0"/>
+            <a:r>
+              <a:t>Nested commands execute from innermost to outermost</a:t>
+            </a:r>
+          </a:p>
+          <a:p>
+            <a:pPr lvl="0"/>
+            <a:r>
+              <a:t>Useful for command substitution and complex pipelines</a:t>
             </a:r>
           </a:p>
         </p:txBody>
@@ -13108,7 +12506,7 @@
               <a:buNone/>
             </a:pPr>
             <a:r>
-              <a:t>Hands on Exercise: Summarize All Patterns</a:t>
+              <a:t>Chaining Commands - Loops</a:t>
             </a:r>
           </a:p>
         </p:txBody>
@@ -13134,7 +12532,125 @@
           <a:bodyPr/>
           <a:lstStyle/>
           <a:p>
-            <a:pPr lvl="0" indent="0">
+            <a:pPr marL="0" lvl="0" indent="0">
+              <a:spcBef>
+                <a:spcPts val="3000"/>
+              </a:spcBef>
+              <a:buNone/>
+            </a:pPr>
+            <a:r>
+              <a:rPr b="1"/>
+              <a:t>Bash For Loops</a:t>
+            </a:r>
+          </a:p>
+          <a:p>
+            <a:pPr lvl="0"/>
+            <a:r>
+              <a:t>Iterate over lists, ranges, or command output</a:t>
+            </a:r>
+          </a:p>
+          <a:p>
+            <a:pPr lvl="0"/>
+            <a:r>
+              <a:t>Basic syntax:</a:t>
+            </a:r>
+          </a:p>
+          <a:p>
+            <a:pPr lvl="1" indent="0">
+              <a:buNone/>
+            </a:pPr>
+            <a:r>
+              <a:rPr b="1">
+                <a:solidFill>
+                  <a:srgbClr val="43A8ED"/>
+                </a:solidFill>
+                <a:latin typeface="Courier"/>
+              </a:rPr>
+              <a:t>for</a:t>
+            </a:r>
+            <a:r>
+              <a:rPr>
+                <a:solidFill>
+                  <a:srgbClr val="BDAE9D"/>
+                </a:solidFill>
+                <a:latin typeface="Courier"/>
+              </a:rPr>
+              <a:t> item </a:t>
+            </a:r>
+            <a:r>
+              <a:rPr b="1">
+                <a:solidFill>
+                  <a:srgbClr val="43A8ED"/>
+                </a:solidFill>
+                <a:latin typeface="Courier"/>
+              </a:rPr>
+              <a:t>in</a:t>
+            </a:r>
+            <a:r>
+              <a:rPr>
+                <a:solidFill>
+                  <a:srgbClr val="BDAE9D"/>
+                </a:solidFill>
+                <a:latin typeface="Courier"/>
+              </a:rPr>
+              <a:t> list</a:t>
+            </a:r>
+            <a:r>
+              <a:rPr b="1">
+                <a:solidFill>
+                  <a:srgbClr val="43A8ED"/>
+                </a:solidFill>
+                <a:latin typeface="Courier"/>
+              </a:rPr>
+              <a:t>;</a:t>
+            </a:r>
+            <a:r>
+              <a:rPr>
+                <a:solidFill>
+                  <a:srgbClr val="BDAE9D"/>
+                </a:solidFill>
+                <a:latin typeface="Courier"/>
+              </a:rPr>
+              <a:t> </a:t>
+            </a:r>
+            <a:r>
+              <a:rPr b="1">
+                <a:solidFill>
+                  <a:srgbClr val="43A8ED"/>
+                </a:solidFill>
+                <a:latin typeface="Courier"/>
+              </a:rPr>
+              <a:t>do</a:t>
+            </a:r>
+            <a:br/>
+            <a:r>
+              <a:rPr>
+                <a:solidFill>
+                  <a:srgbClr val="BDAE9D"/>
+                </a:solidFill>
+                <a:latin typeface="Courier"/>
+              </a:rPr>
+              <a:t>    command $item</a:t>
+            </a:r>
+            <a:br/>
+            <a:r>
+              <a:rPr b="1">
+                <a:solidFill>
+                  <a:srgbClr val="43A8ED"/>
+                </a:solidFill>
+                <a:latin typeface="Courier"/>
+              </a:rPr>
+              <a:t>done</a:t>
+            </a:r>
+          </a:p>
+          <a:p>
+            <a:pPr lvl="0"/>
+            <a:r>
+              <a:t>Examples:</a:t>
+            </a:r>
+          </a:p>
+          <a:p>
+            <a:pPr lvl="1" indent="0">
               <a:buNone/>
             </a:pPr>
             <a:r>
@@ -13144,7 +12660,7 @@
                 </a:solidFill>
                 <a:latin typeface="Courier"/>
               </a:rPr>
-              <a:t># Loop through all patterns</a:t>
+              <a:t># Loop over numbers</a:t>
             </a:r>
             <a:br/>
             <a:r>
@@ -13163,7 +12679,7 @@
                 </a:solidFill>
                 <a:latin typeface="Courier"/>
               </a:rPr>
-              <a:t> pattern </a:t>
+              <a:t> i </a:t>
             </a:r>
             <a:r>
               <a:rPr b="1">
@@ -13181,7 +12697,52 @@
                 </a:solidFill>
                 <a:latin typeface="Courier"/>
               </a:rPr>
-              <a:t> $(fabric -l)</a:t>
+              <a:t> </a:t>
+            </a:r>
+            <a:r>
+              <a:rPr u="sng">
+                <a:solidFill>
+                  <a:srgbClr val="BDAE9D"/>
+                </a:solidFill>
+                <a:latin typeface="Courier"/>
+              </a:rPr>
+              <a:t>{</a:t>
+            </a:r>
+            <a:r>
+              <a:rPr>
+                <a:solidFill>
+                  <a:srgbClr val="44AA43"/>
+                </a:solidFill>
+                <a:latin typeface="Courier"/>
+              </a:rPr>
+              <a:t>1</a:t>
+            </a:r>
+            <a:r>
+              <a:rPr u="sng">
+                <a:solidFill>
+                  <a:srgbClr val="BDAE9D"/>
+                </a:solidFill>
+                <a:latin typeface="Courier"/>
+              </a:rPr>
+              <a:t>..</a:t>
+            </a:r>
+            <a:r>
+              <a:rPr>
+                <a:solidFill>
+                  <a:srgbClr val="44AA43"/>
+                </a:solidFill>
+                <a:latin typeface="Courier"/>
+              </a:rPr>
+              <a:t>5</a:t>
+            </a:r>
+            <a:r>
+              <a:rPr u="sng">
+                <a:solidFill>
+                  <a:srgbClr val="BDAE9D"/>
+                </a:solidFill>
+                <a:latin typeface="Courier"/>
+              </a:rPr>
+              <a:t>}</a:t>
             </a:r>
             <a:r>
               <a:rPr b="1">
@@ -13217,25 +12778,7 @@
                 </a:solidFill>
                 <a:latin typeface="Courier"/>
               </a:rPr>
-              <a:t> echo </a:t>
-            </a:r>
-            <a:r>
-              <a:rPr>
-                <a:solidFill>
-                  <a:srgbClr val="049B0A"/>
-                </a:solidFill>
-                <a:latin typeface="Courier"/>
-              </a:rPr>
-              <a:t>"--&gt; "</a:t>
-            </a:r>
-            <a:r>
-              <a:rPr>
-                <a:solidFill>
-                  <a:srgbClr val="BDAE9D"/>
-                </a:solidFill>
-                <a:latin typeface="Courier"/>
-              </a:rPr>
-              <a:t>$pattern</a:t>
+              <a:t> echo $i</a:t>
             </a:r>
             <a:r>
               <a:rPr b="1">
@@ -13267,6 +12810,16 @@
             <a:br/>
             <a:br/>
             <a:r>
+              <a:rPr b="1" i="1">
+                <a:solidFill>
+                  <a:srgbClr val="0066FF"/>
+                </a:solidFill>
+                <a:latin typeface="Courier"/>
+              </a:rPr>
+              <a:t># Loop over files</a:t>
+            </a:r>
+            <a:br/>
+            <a:r>
               <a:rPr b="1">
                 <a:solidFill>
                   <a:srgbClr val="43A8ED"/>
@@ -13282,7 +12835,7 @@
                 </a:solidFill>
                 <a:latin typeface="Courier"/>
               </a:rPr>
-              <a:t> pattern </a:t>
+              <a:t> file </a:t>
             </a:r>
             <a:r>
               <a:rPr b="1">
@@ -13300,11 +12853,29 @@
                 </a:solidFill>
                 <a:latin typeface="Courier"/>
               </a:rPr>
-              <a:t> $(fabric -l)</a:t>
+              <a:t> </a:t>
             </a:r>
             <a:r>
               <a:rPr b="1">
                 <a:solidFill>
+                  <a:srgbClr val="BDAE9D"/>
+                </a:solidFill>
+                <a:latin typeface="Courier"/>
+              </a:rPr>
+              <a:t>*</a:t>
+            </a:r>
+            <a:r>
+              <a:rPr>
+                <a:solidFill>
+                  <a:srgbClr val="BDAE9D"/>
+                </a:solidFill>
+                <a:latin typeface="Courier"/>
+              </a:rPr>
+              <a:t>.txt</a:t>
+            </a:r>
+            <a:r>
+              <a:rPr b="1">
+                <a:solidFill>
                   <a:srgbClr val="43A8ED"/>
                 </a:solidFill>
                 <a:latin typeface="Courier"/>
@@ -13338,15 +12909,152 @@
               </a:rPr>
               <a:t> </a:t>
             </a:r>
+            <a:r>
+              <a:rPr b="1">
+                <a:solidFill>
+                  <a:srgbClr val="FF9358"/>
+                </a:solidFill>
+                <a:latin typeface="Courier"/>
+              </a:rPr>
+              <a:t>cat</a:t>
+            </a:r>
+            <a:r>
+              <a:rPr>
+                <a:solidFill>
+                  <a:srgbClr val="BDAE9D"/>
+                </a:solidFill>
+                <a:latin typeface="Courier"/>
+              </a:rPr>
+              <a:t> $file</a:t>
+            </a:r>
+            <a:r>
+              <a:rPr b="1">
+                <a:solidFill>
+                  <a:srgbClr val="43A8ED"/>
+                </a:solidFill>
+                <a:latin typeface="Courier"/>
+              </a:rPr>
+              <a:t>;</a:t>
+            </a:r>
+            <a:r>
+              <a:rPr>
+                <a:solidFill>
+                  <a:srgbClr val="BDAE9D"/>
+                </a:solidFill>
+                <a:latin typeface="Courier"/>
+              </a:rPr>
+              <a:t> </a:t>
+            </a:r>
+            <a:r>
+              <a:rPr b="1">
+                <a:solidFill>
+                  <a:srgbClr val="43A8ED"/>
+                </a:solidFill>
+                <a:latin typeface="Courier"/>
+              </a:rPr>
+              <a:t>done</a:t>
+            </a:r>
             <a:br/>
-            <a:r>
-              <a:rPr>
-                <a:solidFill>
-                  <a:srgbClr val="BDAE9D"/>
-                </a:solidFill>
-                <a:latin typeface="Courier"/>
-              </a:rPr>
-              <a:t>    echo -e </a:t>
+            <a:br/>
+            <a:r>
+              <a:rPr b="1" i="1">
+                <a:solidFill>
+                  <a:srgbClr val="0066FF"/>
+                </a:solidFill>
+                <a:latin typeface="Courier"/>
+              </a:rPr>
+              <a:t># Loop over command output</a:t>
+            </a:r>
+            <a:br/>
+            <a:r>
+              <a:rPr b="1">
+                <a:solidFill>
+                  <a:srgbClr val="43A8ED"/>
+                </a:solidFill>
+                <a:latin typeface="Courier"/>
+              </a:rPr>
+              <a:t>for</a:t>
+            </a:r>
+            <a:r>
+              <a:rPr>
+                <a:solidFill>
+                  <a:srgbClr val="BDAE9D"/>
+                </a:solidFill>
+                <a:latin typeface="Courier"/>
+              </a:rPr>
+              <a:t> user </a:t>
+            </a:r>
+            <a:r>
+              <a:rPr b="1">
+                <a:solidFill>
+                  <a:srgbClr val="43A8ED"/>
+                </a:solidFill>
+                <a:latin typeface="Courier"/>
+              </a:rPr>
+              <a:t>in</a:t>
+            </a:r>
+            <a:r>
+              <a:rPr>
+                <a:solidFill>
+                  <a:srgbClr val="BDAE9D"/>
+                </a:solidFill>
+                <a:latin typeface="Courier"/>
+              </a:rPr>
+              <a:t> $(</a:t>
+            </a:r>
+            <a:r>
+              <a:rPr b="1">
+                <a:solidFill>
+                  <a:srgbClr val="FF9358"/>
+                </a:solidFill>
+                <a:latin typeface="Courier"/>
+              </a:rPr>
+              <a:t>who</a:t>
+            </a:r>
+            <a:r>
+              <a:rPr>
+                <a:solidFill>
+                  <a:srgbClr val="BDAE9D"/>
+                </a:solidFill>
+                <a:latin typeface="Courier"/>
+              </a:rPr>
+              <a:t> </a:t>
+            </a:r>
+            <a:r>
+              <a:rPr b="1">
+                <a:solidFill>
+                  <a:srgbClr val="43A8ED"/>
+                </a:solidFill>
+                <a:latin typeface="Courier"/>
+              </a:rPr>
+              <a:t>|</a:t>
+            </a:r>
+            <a:r>
+              <a:rPr>
+                <a:solidFill>
+                  <a:srgbClr val="BDAE9D"/>
+                </a:solidFill>
+                <a:latin typeface="Courier"/>
+              </a:rPr>
+              <a:t> </a:t>
+            </a:r>
+            <a:r>
+              <a:rPr b="1">
+                <a:solidFill>
+                  <a:srgbClr val="FF9358"/>
+                </a:solidFill>
+                <a:latin typeface="Courier"/>
+              </a:rPr>
+              <a:t>cut</a:t>
+            </a:r>
+            <a:r>
+              <a:rPr>
+                <a:solidFill>
+                  <a:srgbClr val="BDAE9D"/>
+                </a:solidFill>
+                <a:latin typeface="Courier"/>
+              </a:rPr>
+              <a:t> -d</a:t>
             </a:r>
             <a:r>
               <a:rPr>
@@ -13355,16 +13063,16 @@
                 </a:solidFill>
                 <a:latin typeface="Courier"/>
               </a:rPr>
-              <a:t>"\n## "</a:t>
-            </a:r>
-            <a:r>
-              <a:rPr>
-                <a:solidFill>
-                  <a:srgbClr val="BDAE9D"/>
-                </a:solidFill>
-                <a:latin typeface="Courier"/>
-              </a:rPr>
-              <a:t>$pattern </a:t>
+              <a:t>' '</a:t>
+            </a:r>
+            <a:r>
+              <a:rPr>
+                <a:solidFill>
+                  <a:srgbClr val="BDAE9D"/>
+                </a:solidFill>
+                <a:latin typeface="Courier"/>
+              </a:rPr>
+              <a:t> -f1)</a:t>
             </a:r>
             <a:r>
               <a:rPr b="1">
@@ -13373,7 +13081,7 @@
                 </a:solidFill>
                 <a:latin typeface="Courier"/>
               </a:rPr>
-              <a:t>|</a:t>
+              <a:t>;</a:t>
             </a:r>
             <a:r>
               <a:rPr>
@@ -13387,21 +13095,50 @@
             <a:r>
               <a:rPr b="1">
                 <a:solidFill>
-                  <a:srgbClr val="FF9358"/>
-                </a:solidFill>
-                <a:latin typeface="Courier"/>
-              </a:rPr>
-              <a:t>tee</a:t>
-            </a:r>
-            <a:r>
-              <a:rPr>
-                <a:solidFill>
-                  <a:srgbClr val="BDAE9D"/>
-                </a:solidFill>
-                <a:latin typeface="Courier"/>
-              </a:rPr>
-              <a:t> -a summaries.md</a:t>
-            </a:r>
+                  <a:srgbClr val="43A8ED"/>
+                </a:solidFill>
+                <a:latin typeface="Courier"/>
+              </a:rPr>
+              <a:t>do</a:t>
+            </a:r>
+            <a:br/>
+            <a:r>
+              <a:rPr>
+                <a:solidFill>
+                  <a:srgbClr val="BDAE9D"/>
+                </a:solidFill>
+                <a:latin typeface="Courier"/>
+              </a:rPr>
+              <a:t>    echo </a:t>
+            </a:r>
+            <a:r>
+              <a:rPr>
+                <a:solidFill>
+                  <a:srgbClr val="049B0A"/>
+                </a:solidFill>
+                <a:latin typeface="Courier"/>
+              </a:rPr>
+              <a:t>"Hello </a:t>
+            </a:r>
+            <a:r>
+              <a:rPr>
+                <a:solidFill>
+                  <a:srgbClr val="BDAE9D"/>
+                </a:solidFill>
+                <a:latin typeface="Courier"/>
+              </a:rPr>
+              <a:t>$user</a:t>
+            </a:r>
+            <a:r>
+              <a:rPr>
+                <a:solidFill>
+                  <a:srgbClr val="049B0A"/>
+                </a:solidFill>
+                <a:latin typeface="Courier"/>
+              </a:rPr>
+              <a:t>"</a:t>
+            </a:r>
+            <a:br/>
             <a:r>
               <a:rPr b="1">
                 <a:solidFill>
@@ -13409,115 +13146,7 @@
                 </a:solidFill>
                 <a:latin typeface="Courier"/>
               </a:rPr>
-              <a:t>;</a:t>
-            </a:r>
-            <a:br/>
-            <a:r>
-              <a:rPr>
-                <a:solidFill>
-                  <a:srgbClr val="BDAE9D"/>
-                </a:solidFill>
-                <a:latin typeface="Courier"/>
-              </a:rPr>
-              <a:t>    fabric -p $pattern --dry-run </a:t>
-            </a:r>
-            <a:r>
-              <a:rPr b="1">
-                <a:solidFill>
-                  <a:srgbClr val="43A8ED"/>
-                </a:solidFill>
-                <a:latin typeface="Courier"/>
-              </a:rPr>
-              <a:t>|</a:t>
-            </a:r>
-            <a:r>
-              <a:rPr>
-                <a:solidFill>
-                  <a:srgbClr val="BDAE9D"/>
-                </a:solidFill>
-                <a:latin typeface="Courier"/>
-              </a:rPr>
-              <a:t> fabric -p summarize_prompt </a:t>
-            </a:r>
-            <a:r>
-              <a:rPr b="1">
-                <a:solidFill>
-                  <a:srgbClr val="43A8ED"/>
-                </a:solidFill>
-                <a:latin typeface="Courier"/>
-              </a:rPr>
-              <a:t>|</a:t>
-            </a:r>
-            <a:r>
-              <a:rPr>
-                <a:solidFill>
-                  <a:srgbClr val="BDAE9D"/>
-                </a:solidFill>
-                <a:latin typeface="Courier"/>
-              </a:rPr>
-              <a:t> </a:t>
-            </a:r>
-            <a:r>
-              <a:rPr b="1">
-                <a:solidFill>
-                  <a:srgbClr val="FF9358"/>
-                </a:solidFill>
-                <a:latin typeface="Courier"/>
-              </a:rPr>
-              <a:t>tee</a:t>
-            </a:r>
-            <a:r>
-              <a:rPr>
-                <a:solidFill>
-                  <a:srgbClr val="BDAE9D"/>
-                </a:solidFill>
-                <a:latin typeface="Courier"/>
-              </a:rPr>
-              <a:t> -a summaries.md</a:t>
-            </a:r>
-            <a:r>
-              <a:rPr b="1">
-                <a:solidFill>
-                  <a:srgbClr val="43A8ED"/>
-                </a:solidFill>
-                <a:latin typeface="Courier"/>
-              </a:rPr>
-              <a:t>;</a:t>
-            </a:r>
-            <a:br/>
-            <a:r>
-              <a:rPr b="1">
-                <a:solidFill>
-                  <a:srgbClr val="43A8ED"/>
-                </a:solidFill>
-                <a:latin typeface="Courier"/>
-              </a:rPr>
               <a:t>done</a:t>
-            </a:r>
-          </a:p>
-          <a:p>
-            <a:pPr marL="0" lvl="0" indent="0">
-              <a:buNone/>
-            </a:pPr>
-            <a:r>
-              <a:t>Protip: Ask AI to explain commplicated CLI commands</a:t>
-            </a:r>
-          </a:p>
-          <a:p>
-            <a:pPr marL="0" lvl="0" indent="0">
-              <a:buNone/>
-            </a:pPr>
-            <a:r>
-              <a:t>Note the use of append mode </a:t>
-            </a:r>
-            <a:r>
-              <a:rPr>
-                <a:latin typeface="Courier"/>
-              </a:rPr>
-              <a:t>tee -a</a:t>
-            </a:r>
-            <a:r>
-              <a:t> to add to the file.</a:t>
             </a:r>
           </a:p>
         </p:txBody>
@@ -13577,7 +13206,7 @@
               <a:buNone/>
             </a:pPr>
             <a:r>
-              <a:t>Q&amp;A and Wrap-Up</a:t>
+              <a:t>Hands on Exercise: Summarize a Pattern</a:t>
             </a:r>
           </a:p>
         </p:txBody>
@@ -13603,51 +13232,147 @@
           <a:bodyPr/>
           <a:lstStyle/>
           <a:p>
+            <a:pPr lvl="0" indent="0">
+              <a:buNone/>
+            </a:pPr>
+            <a:r>
+              <a:rPr b="1" i="1">
+                <a:solidFill>
+                  <a:srgbClr val="0066FF"/>
+                </a:solidFill>
+                <a:latin typeface="Courier"/>
+              </a:rPr>
+              <a:t># Summarize the extract_wisdom pattern</a:t>
+            </a:r>
+            <a:br/>
+            <a:r>
+              <a:rPr>
+                <a:solidFill>
+                  <a:srgbClr val="BDAE9D"/>
+                </a:solidFill>
+                <a:latin typeface="Courier"/>
+              </a:rPr>
+              <a:t>fabric p extract_wisdom --dry-run </a:t>
+            </a:r>
+            <a:r>
+              <a:rPr b="1">
+                <a:solidFill>
+                  <a:srgbClr val="43A8ED"/>
+                </a:solidFill>
+                <a:latin typeface="Courier"/>
+              </a:rPr>
+              <a:t>|</a:t>
+            </a:r>
+            <a:r>
+              <a:rPr>
+                <a:solidFill>
+                  <a:srgbClr val="BDAE9D"/>
+                </a:solidFill>
+                <a:latin typeface="Courier"/>
+              </a:rPr>
+              <a:t> fabric -p summarize_prompt &gt; output.md</a:t>
+            </a:r>
+            <a:br/>
+            <a:r>
+              <a:rPr b="1">
+                <a:solidFill>
+                  <a:srgbClr val="FF9358"/>
+                </a:solidFill>
+                <a:latin typeface="Courier"/>
+              </a:rPr>
+              <a:t>cat</a:t>
+            </a:r>
+            <a:r>
+              <a:rPr>
+                <a:solidFill>
+                  <a:srgbClr val="BDAE9D"/>
+                </a:solidFill>
+                <a:latin typeface="Courier"/>
+              </a:rPr>
+              <a:t> output.md </a:t>
+            </a:r>
+            <a:br/>
+            <a:br/>
+            <a:r>
+              <a:rPr b="1" i="1">
+                <a:solidFill>
+                  <a:srgbClr val="0066FF"/>
+                </a:solidFill>
+                <a:latin typeface="Courier"/>
+              </a:rPr>
+              <a:t># Use `tee` to write to a file and stdout</a:t>
+            </a:r>
+            <a:br/>
+            <a:r>
+              <a:rPr>
+                <a:solidFill>
+                  <a:srgbClr val="BDAE9D"/>
+                </a:solidFill>
+                <a:latin typeface="Courier"/>
+              </a:rPr>
+              <a:t>fabric -p extract_wisdom --dry-run </a:t>
+            </a:r>
+            <a:r>
+              <a:rPr b="1">
+                <a:solidFill>
+                  <a:srgbClr val="43A8ED"/>
+                </a:solidFill>
+                <a:latin typeface="Courier"/>
+              </a:rPr>
+              <a:t>|</a:t>
+            </a:r>
+            <a:r>
+              <a:rPr>
+                <a:solidFill>
+                  <a:srgbClr val="BDAE9D"/>
+                </a:solidFill>
+                <a:latin typeface="Courier"/>
+              </a:rPr>
+              <a:t> fabric -p summarize_prompt </a:t>
+            </a:r>
+            <a:r>
+              <a:rPr b="1">
+                <a:solidFill>
+                  <a:srgbClr val="43A8ED"/>
+                </a:solidFill>
+                <a:latin typeface="Courier"/>
+              </a:rPr>
+              <a:t>|</a:t>
+            </a:r>
+            <a:r>
+              <a:rPr>
+                <a:solidFill>
+                  <a:srgbClr val="BDAE9D"/>
+                </a:solidFill>
+                <a:latin typeface="Courier"/>
+              </a:rPr>
+              <a:t> </a:t>
+            </a:r>
+            <a:r>
+              <a:rPr b="1">
+                <a:solidFill>
+                  <a:srgbClr val="FF9358"/>
+                </a:solidFill>
+                <a:latin typeface="Courier"/>
+              </a:rPr>
+              <a:t>tee</a:t>
+            </a:r>
+            <a:r>
+              <a:rPr>
+                <a:solidFill>
+                  <a:srgbClr val="BDAE9D"/>
+                </a:solidFill>
+                <a:latin typeface="Courier"/>
+              </a:rPr>
+              <a:t> output.md</a:t>
+            </a:r>
+          </a:p>
+          <a:p>
             <a:pPr marL="0" lvl="0" indent="0">
-              <a:spcBef>
-                <a:spcPts val="3000"/>
-              </a:spcBef>
-              <a:buNone/>
-            </a:pPr>
-            <a:r>
-              <a:rPr b="1"/>
-              <a:t>Key Takeaways</a:t>
-            </a:r>
-          </a:p>
-          <a:p>
-            <a:pPr lvl="0"/>
-            <a:r>
-              <a:t>Fabric enhances CLI workflows with LLM capabilities</a:t>
-            </a:r>
-          </a:p>
-          <a:p>
-            <a:pPr lvl="0"/>
-            <a:r>
-              <a:t>Command chaining multiplies tool effectiveness</a:t>
-            </a:r>
-          </a:p>
-          <a:p>
-            <a:pPr lvl="0"/>
-            <a:r>
-              <a:t>Integration with VS Code and GitHub streamlines development</a:t>
-            </a:r>
-          </a:p>
-          <a:p>
-            <a:pPr lvl="0"/>
-            <a:r>
-              <a:t>Security use cases demonstrate practical applications</a:t>
-            </a:r>
-          </a:p>
-          <a:p>
-            <a:pPr marL="0" lvl="0" indent="0">
-              <a:spcBef>
-                <a:spcPts val="3000"/>
-              </a:spcBef>
-              <a:buNone/>
-            </a:pPr>
-            <a:r>
-              <a:rPr b="1"/>
-              <a:t>Questions?</a:t>
+              <a:buNone/>
+            </a:pPr>
+            <a:r>
+              <a:t>TIP: Try different models! (This works best with OpenAI GPT4o)</a:t>
             </a:r>
           </a:p>
         </p:txBody>
@@ -13707,7 +13432,7 @@
               <a:buNone/>
             </a:pPr>
             <a:r>
-              <a:t>Resources for Further Learning</a:t>
+              <a:t>Hands on Exercise: Summarize All Patterns</a:t>
             </a:r>
           </a:p>
         </p:txBody>
@@ -13733,122 +13458,390 @@
           <a:bodyPr/>
           <a:lstStyle/>
           <a:p>
+            <a:pPr lvl="0" indent="0">
+              <a:buNone/>
+            </a:pPr>
+            <a:r>
+              <a:rPr b="1" i="1">
+                <a:solidFill>
+                  <a:srgbClr val="0066FF"/>
+                </a:solidFill>
+                <a:latin typeface="Courier"/>
+              </a:rPr>
+              <a:t># Loop through all patterns</a:t>
+            </a:r>
+            <a:br/>
+            <a:r>
+              <a:rPr b="1">
+                <a:solidFill>
+                  <a:srgbClr val="43A8ED"/>
+                </a:solidFill>
+                <a:latin typeface="Courier"/>
+              </a:rPr>
+              <a:t>for</a:t>
+            </a:r>
+            <a:r>
+              <a:rPr>
+                <a:solidFill>
+                  <a:srgbClr val="BDAE9D"/>
+                </a:solidFill>
+                <a:latin typeface="Courier"/>
+              </a:rPr>
+              <a:t> pattern </a:t>
+            </a:r>
+            <a:r>
+              <a:rPr b="1">
+                <a:solidFill>
+                  <a:srgbClr val="43A8ED"/>
+                </a:solidFill>
+                <a:latin typeface="Courier"/>
+              </a:rPr>
+              <a:t>in</a:t>
+            </a:r>
+            <a:r>
+              <a:rPr>
+                <a:solidFill>
+                  <a:srgbClr val="BDAE9D"/>
+                </a:solidFill>
+                <a:latin typeface="Courier"/>
+              </a:rPr>
+              <a:t> $(fabric -l)</a:t>
+            </a:r>
+            <a:r>
+              <a:rPr b="1">
+                <a:solidFill>
+                  <a:srgbClr val="43A8ED"/>
+                </a:solidFill>
+                <a:latin typeface="Courier"/>
+              </a:rPr>
+              <a:t>;</a:t>
+            </a:r>
+            <a:r>
+              <a:rPr>
+                <a:solidFill>
+                  <a:srgbClr val="BDAE9D"/>
+                </a:solidFill>
+                <a:latin typeface="Courier"/>
+              </a:rPr>
+              <a:t> </a:t>
+            </a:r>
+            <a:r>
+              <a:rPr b="1">
+                <a:solidFill>
+                  <a:srgbClr val="43A8ED"/>
+                </a:solidFill>
+                <a:latin typeface="Courier"/>
+              </a:rPr>
+              <a:t>do</a:t>
+            </a:r>
+            <a:r>
+              <a:rPr>
+                <a:solidFill>
+                  <a:srgbClr val="BDAE9D"/>
+                </a:solidFill>
+                <a:latin typeface="Courier"/>
+              </a:rPr>
+              <a:t> echo </a:t>
+            </a:r>
+            <a:r>
+              <a:rPr>
+                <a:solidFill>
+                  <a:srgbClr val="049B0A"/>
+                </a:solidFill>
+                <a:latin typeface="Courier"/>
+              </a:rPr>
+              <a:t>"--&gt; "</a:t>
+            </a:r>
+            <a:r>
+              <a:rPr>
+                <a:solidFill>
+                  <a:srgbClr val="BDAE9D"/>
+                </a:solidFill>
+                <a:latin typeface="Courier"/>
+              </a:rPr>
+              <a:t>$pattern</a:t>
+            </a:r>
+            <a:r>
+              <a:rPr b="1">
+                <a:solidFill>
+                  <a:srgbClr val="43A8ED"/>
+                </a:solidFill>
+                <a:latin typeface="Courier"/>
+              </a:rPr>
+              <a:t>;</a:t>
+            </a:r>
+            <a:r>
+              <a:rPr>
+                <a:solidFill>
+                  <a:srgbClr val="BDAE9D"/>
+                </a:solidFill>
+                <a:latin typeface="Courier"/>
+              </a:rPr>
+              <a:t> </a:t>
+            </a:r>
+            <a:r>
+              <a:rPr b="1">
+                <a:solidFill>
+                  <a:srgbClr val="43A8ED"/>
+                </a:solidFill>
+                <a:latin typeface="Courier"/>
+              </a:rPr>
+              <a:t>done</a:t>
+            </a:r>
+            <a:br/>
+            <a:br/>
+            <a:r>
+              <a:rPr b="1">
+                <a:solidFill>
+                  <a:srgbClr val="43A8ED"/>
+                </a:solidFill>
+                <a:latin typeface="Courier"/>
+              </a:rPr>
+              <a:t>for</a:t>
+            </a:r>
+            <a:r>
+              <a:rPr>
+                <a:solidFill>
+                  <a:srgbClr val="BDAE9D"/>
+                </a:solidFill>
+                <a:latin typeface="Courier"/>
+              </a:rPr>
+              <a:t> pattern </a:t>
+            </a:r>
+            <a:r>
+              <a:rPr b="1">
+                <a:solidFill>
+                  <a:srgbClr val="43A8ED"/>
+                </a:solidFill>
+                <a:latin typeface="Courier"/>
+              </a:rPr>
+              <a:t>in</a:t>
+            </a:r>
+            <a:r>
+              <a:rPr>
+                <a:solidFill>
+                  <a:srgbClr val="BDAE9D"/>
+                </a:solidFill>
+                <a:latin typeface="Courier"/>
+              </a:rPr>
+              <a:t> $(fabric -l)</a:t>
+            </a:r>
+            <a:r>
+              <a:rPr b="1">
+                <a:solidFill>
+                  <a:srgbClr val="43A8ED"/>
+                </a:solidFill>
+                <a:latin typeface="Courier"/>
+              </a:rPr>
+              <a:t>;</a:t>
+            </a:r>
+            <a:r>
+              <a:rPr>
+                <a:solidFill>
+                  <a:srgbClr val="BDAE9D"/>
+                </a:solidFill>
+                <a:latin typeface="Courier"/>
+              </a:rPr>
+              <a:t> </a:t>
+            </a:r>
+            <a:r>
+              <a:rPr b="1">
+                <a:solidFill>
+                  <a:srgbClr val="43A8ED"/>
+                </a:solidFill>
+                <a:latin typeface="Courier"/>
+              </a:rPr>
+              <a:t>do</a:t>
+            </a:r>
+            <a:r>
+              <a:rPr>
+                <a:solidFill>
+                  <a:srgbClr val="BDAE9D"/>
+                </a:solidFill>
+                <a:latin typeface="Courier"/>
+              </a:rPr>
+              <a:t> </a:t>
+            </a:r>
+            <a:br/>
+            <a:r>
+              <a:rPr>
+                <a:solidFill>
+                  <a:srgbClr val="BDAE9D"/>
+                </a:solidFill>
+                <a:latin typeface="Courier"/>
+              </a:rPr>
+              <a:t>    echo -e </a:t>
+            </a:r>
+            <a:r>
+              <a:rPr>
+                <a:solidFill>
+                  <a:srgbClr val="049B0A"/>
+                </a:solidFill>
+                <a:latin typeface="Courier"/>
+              </a:rPr>
+              <a:t>"\n## "</a:t>
+            </a:r>
+            <a:r>
+              <a:rPr>
+                <a:solidFill>
+                  <a:srgbClr val="BDAE9D"/>
+                </a:solidFill>
+                <a:latin typeface="Courier"/>
+              </a:rPr>
+              <a:t>$pattern </a:t>
+            </a:r>
+            <a:r>
+              <a:rPr b="1">
+                <a:solidFill>
+                  <a:srgbClr val="43A8ED"/>
+                </a:solidFill>
+                <a:latin typeface="Courier"/>
+              </a:rPr>
+              <a:t>|</a:t>
+            </a:r>
+            <a:r>
+              <a:rPr>
+                <a:solidFill>
+                  <a:srgbClr val="BDAE9D"/>
+                </a:solidFill>
+                <a:latin typeface="Courier"/>
+              </a:rPr>
+              <a:t> </a:t>
+            </a:r>
+            <a:r>
+              <a:rPr b="1">
+                <a:solidFill>
+                  <a:srgbClr val="FF9358"/>
+                </a:solidFill>
+                <a:latin typeface="Courier"/>
+              </a:rPr>
+              <a:t>tee</a:t>
+            </a:r>
+            <a:r>
+              <a:rPr>
+                <a:solidFill>
+                  <a:srgbClr val="BDAE9D"/>
+                </a:solidFill>
+                <a:latin typeface="Courier"/>
+              </a:rPr>
+              <a:t> -a summaries.md</a:t>
+            </a:r>
+            <a:r>
+              <a:rPr b="1">
+                <a:solidFill>
+                  <a:srgbClr val="43A8ED"/>
+                </a:solidFill>
+                <a:latin typeface="Courier"/>
+              </a:rPr>
+              <a:t>;</a:t>
+            </a:r>
+            <a:br/>
+            <a:r>
+              <a:rPr>
+                <a:solidFill>
+                  <a:srgbClr val="BDAE9D"/>
+                </a:solidFill>
+                <a:latin typeface="Courier"/>
+              </a:rPr>
+              <a:t>    fabric -p $pattern --dry-run </a:t>
+            </a:r>
+            <a:r>
+              <a:rPr b="1">
+                <a:solidFill>
+                  <a:srgbClr val="43A8ED"/>
+                </a:solidFill>
+                <a:latin typeface="Courier"/>
+              </a:rPr>
+              <a:t>|</a:t>
+            </a:r>
+            <a:r>
+              <a:rPr>
+                <a:solidFill>
+                  <a:srgbClr val="BDAE9D"/>
+                </a:solidFill>
+                <a:latin typeface="Courier"/>
+              </a:rPr>
+              <a:t> fabric -p summarize_prompt </a:t>
+            </a:r>
+            <a:r>
+              <a:rPr b="1">
+                <a:solidFill>
+                  <a:srgbClr val="43A8ED"/>
+                </a:solidFill>
+                <a:latin typeface="Courier"/>
+              </a:rPr>
+              <a:t>|</a:t>
+            </a:r>
+            <a:r>
+              <a:rPr>
+                <a:solidFill>
+                  <a:srgbClr val="BDAE9D"/>
+                </a:solidFill>
+                <a:latin typeface="Courier"/>
+              </a:rPr>
+              <a:t> </a:t>
+            </a:r>
+            <a:r>
+              <a:rPr b="1">
+                <a:solidFill>
+                  <a:srgbClr val="FF9358"/>
+                </a:solidFill>
+                <a:latin typeface="Courier"/>
+              </a:rPr>
+              <a:t>tee</a:t>
+            </a:r>
+            <a:r>
+              <a:rPr>
+                <a:solidFill>
+                  <a:srgbClr val="BDAE9D"/>
+                </a:solidFill>
+                <a:latin typeface="Courier"/>
+              </a:rPr>
+              <a:t> -a summaries.md</a:t>
+            </a:r>
+            <a:r>
+              <a:rPr b="1">
+                <a:solidFill>
+                  <a:srgbClr val="43A8ED"/>
+                </a:solidFill>
+                <a:latin typeface="Courier"/>
+              </a:rPr>
+              <a:t>;</a:t>
+            </a:r>
+            <a:br/>
+            <a:r>
+              <a:rPr b="1">
+                <a:solidFill>
+                  <a:srgbClr val="43A8ED"/>
+                </a:solidFill>
+                <a:latin typeface="Courier"/>
+              </a:rPr>
+              <a:t>done</a:t>
+            </a:r>
+          </a:p>
+          <a:p>
             <a:pPr marL="0" lvl="0" indent="0">
-              <a:spcBef>
-                <a:spcPts val="3000"/>
-              </a:spcBef>
-              <a:buNone/>
-            </a:pPr>
-            <a:r>
-              <a:rPr b="1"/>
-              <a:t>Documentation &amp; Repositories</a:t>
-            </a:r>
-          </a:p>
-          <a:p>
-            <a:pPr lvl="0"/>
-            <a:r>
-              <a:rPr>
-                <a:hlinkClick r:id="rId2"/>
-              </a:rPr>
-              <a:t>Fabric GitHub Repository</a:t>
-            </a:r>
-          </a:p>
-          <a:p>
-            <a:pPr lvl="0"/>
-            <a:r>
-              <a:rPr>
-                <a:hlinkClick r:id="rId3"/>
-              </a:rPr>
-              <a:t>Fabric Documentation</a:t>
-            </a:r>
-          </a:p>
-          <a:p>
-            <a:pPr lvl="0"/>
-            <a:r>
-              <a:rPr>
-                <a:hlinkClick r:id="rId4"/>
-              </a:rPr>
-              <a:t>VS Code Command Line Tools</a:t>
+              <a:buNone/>
+            </a:pPr>
+            <a:r>
+              <a:t>Protip: Ask AI to explain commplicated CLI commands</a:t>
             </a:r>
           </a:p>
           <a:p>
             <a:pPr marL="0" lvl="0" indent="0">
-              <a:spcBef>
-                <a:spcPts val="3000"/>
-              </a:spcBef>
-              <a:buNone/>
-            </a:pPr>
-            <a:r>
-              <a:rPr b="1"/>
-              <a:t>CLI Learning Resources</a:t>
-            </a:r>
-          </a:p>
-          <a:p>
-            <a:pPr lvl="0"/>
-            <a:r>
-              <a:rPr>
-                <a:hlinkClick r:id="rId5"/>
-              </a:rPr>
-              <a:t>Tips for success with Command Line Interfaces using BASH</a:t>
-            </a:r>
-          </a:p>
-          <a:p>
-            <a:pPr lvl="0"/>
-            <a:r>
-              <a:rPr>
-                <a:hlinkClick r:id="rId6"/>
-              </a:rPr>
-              <a:t>Slice and Dice Data using grep, head, tail, cut, sort, tr, uniq and wc</a:t>
-            </a:r>
-            <a:br/>
-            <a:endParaRPr/>
-          </a:p>
-          <a:p>
-            <a:pPr lvl="0"/>
-            <a:r>
-              <a:rPr>
-                <a:hlinkClick r:id="rId7"/>
-              </a:rPr>
-              <a:t>explainshell.com</a:t>
-            </a:r>
-            <a:r>
-              <a:t> - Decode command-line arguments</a:t>
-            </a:r>
-          </a:p>
-          <a:p>
-            <a:pPr lvl="0"/>
-            <a:r>
-              <a:rPr>
-                <a:hlinkClick r:id="rId8"/>
-              </a:rPr>
-              <a:t>commandlinefu.com</a:t>
-            </a:r>
-            <a:r>
-              <a:t> - Community-driven command-line tips</a:t>
-            </a:r>
-          </a:p>
-          <a:p>
-            <a:pPr lvl="0"/>
-            <a:r>
-              <a:rPr>
-                <a:hlinkClick r:id="rId9"/>
-              </a:rPr>
-              <a:t>ss64.com</a:t>
-            </a:r>
-            <a:r>
-              <a:t> - Command line reference</a:t>
-            </a:r>
-          </a:p>
-          <a:p>
-            <a:pPr lvl="0"/>
-            <a:r>
-              <a:rPr>
-                <a:hlinkClick r:id="rId10"/>
-              </a:rPr>
-              <a:t>Learn Shell</a:t>
-            </a:r>
-            <a:r>
-              <a:t> - Learn Shell</a:t>
+              <a:buNone/>
+            </a:pPr>
+            <a:r>
+              <a:t>Note the use of append mode </a:t>
+            </a:r>
+            <a:r>
+              <a:rPr>
+                <a:latin typeface="Courier"/>
+              </a:rPr>
+              <a:t>tee -a</a:t>
+            </a:r>
+            <a:r>
+              <a:t> to add to the file.</a:t>
             </a:r>
           </a:p>
         </p:txBody>
@@ -13908,7 +13901,7 @@
               <a:buNone/>
             </a:pPr>
             <a:r>
-              <a:t>Getting Help &amp; The FabricCommunity</a:t>
+              <a:t>Q&amp;A and Wrap-Up</a:t>
             </a:r>
           </a:p>
         </p:txBody>
@@ -13942,43 +13935,31 @@
             </a:pPr>
             <a:r>
               <a:rPr b="1"/>
-              <a:t>Stay Connected to the Fabric Project</a:t>
-            </a:r>
-          </a:p>
-          <a:p>
-            <a:pPr lvl="0"/>
-            <a:r>
-              <a:rPr>
-                <a:hlinkClick r:id="rId2"/>
-              </a:rPr>
-              <a:t>Fabric Intro Video</a:t>
-            </a:r>
-          </a:p>
-          <a:p>
-            <a:pPr lvl="0"/>
-            <a:r>
-              <a:t>Follow </a:t>
-            </a:r>
-            <a:r>
-              <a:rPr>
-                <a:hlinkClick r:id="rId3"/>
-              </a:rPr>
-              <a:t>@danielmiessler</a:t>
-            </a:r>
-            <a:r>
-              <a:t> on Twitter/X</a:t>
-            </a:r>
-          </a:p>
-          <a:p>
-            <a:pPr lvl="0"/>
-            <a:r>
-              <a:t>Learn more at </a:t>
-            </a:r>
-            <a:r>
-              <a:rPr>
-                <a:hlinkClick r:id="rId4"/>
-              </a:rPr>
-              <a:t>danielmiessler.com/</a:t>
+              <a:t>Key Takeaways</a:t>
+            </a:r>
+          </a:p>
+          <a:p>
+            <a:pPr lvl="0"/>
+            <a:r>
+              <a:t>Fabric enhances CLI workflows with LLM capabilities</a:t>
+            </a:r>
+          </a:p>
+          <a:p>
+            <a:pPr lvl="0"/>
+            <a:r>
+              <a:t>Command chaining multiplies tool effectiveness</a:t>
+            </a:r>
+          </a:p>
+          <a:p>
+            <a:pPr lvl="0"/>
+            <a:r>
+              <a:t>Integration with VS Code and GitHub streamlines development</a:t>
+            </a:r>
+          </a:p>
+          <a:p>
+            <a:pPr lvl="0"/>
+            <a:r>
+              <a:t>Security use cases demonstrate practical applications</a:t>
             </a:r>
           </a:p>
           <a:p>
@@ -13990,30 +13971,7 @@
             </a:pPr>
             <a:r>
               <a:rPr b="1"/>
-              <a:t>Contributing to Fabric</a:t>
-            </a:r>
-          </a:p>
-          <a:p>
-            <a:pPr lvl="0"/>
-            <a:r>
-              <a:t>How to </a:t>
-            </a:r>
-            <a:r>
-              <a:rPr>
-                <a:hlinkClick r:id="rId5"/>
-              </a:rPr>
-              <a:t>report issues or get help</a:t>
-            </a:r>
-            <a:br/>
-            <a:endParaRPr/>
-          </a:p>
-          <a:p>
-            <a:pPr lvl="0"/>
-            <a:r>
-              <a:rPr>
-                <a:hlinkClick r:id="rId6"/>
-              </a:rPr>
-              <a:t>Contributing guidelines</a:t>
+              <a:t>Questions?</a:t>
             </a:r>
           </a:p>
         </p:txBody>
@@ -14073,7 +14031,7 @@
               <a:buNone/>
             </a:pPr>
             <a:r>
-              <a:t>Workshop Feedback</a:t>
+              <a:t>Resources for Further Learning</a:t>
             </a:r>
           </a:p>
         </p:txBody>
@@ -14107,45 +14065,34 @@
             </a:pPr>
             <a:r>
               <a:rPr b="1"/>
-              <a:t>Help Us Improve</a:t>
-            </a:r>
-          </a:p>
-          <a:p>
-            <a:pPr lvl="0"/>
-            <a:r>
-              <a:t>Complete the feedback survey</a:t>
-            </a:r>
-          </a:p>
-          <a:p>
-            <a:pPr lvl="0"/>
-            <a:r>
-              <a:t>Share your experience</a:t>
-            </a:r>
-          </a:p>
-          <a:p>
-            <a:pPr lvl="0"/>
-            <a:r>
-              <a:t>Suggest improvements</a:t>
-            </a:r>
-          </a:p>
-          <a:p>
-            <a:pPr lvl="0"/>
-            <a:r>
-              <a:t>Request future topics</a:t>
-            </a:r>
-          </a:p>
-          <a:p>
-            <a:pPr marL="0" lvl="0" indent="0">
-              <a:buNone/>
-            </a:pPr>
-            <a:r>
-              <a:t>Feedback Survey: </a:t>
-            </a:r>
+              <a:t>Documentation &amp; Repositories</a:t>
+            </a:r>
+          </a:p>
+          <a:p>
+            <a:pPr lvl="0"/>
             <a:r>
               <a:rPr>
                 <a:hlinkClick r:id="rId2"/>
               </a:rPr>
-              <a:t>FIX THIS LINK</a:t>
+              <a:t>Fabric GitHub Repository</a:t>
+            </a:r>
+          </a:p>
+          <a:p>
+            <a:pPr lvl="0"/>
+            <a:r>
+              <a:rPr>
+                <a:hlinkClick r:id="rId3"/>
+              </a:rPr>
+              <a:t>Fabric Documentation</a:t>
+            </a:r>
+          </a:p>
+          <a:p>
+            <a:pPr lvl="0"/>
+            <a:r>
+              <a:rPr>
+                <a:hlinkClick r:id="rId4"/>
+              </a:rPr>
+              <a:t>VS Code Command Line Tools</a:t>
             </a:r>
           </a:p>
           <a:p>
@@ -14157,15 +14104,75 @@
             </a:pPr>
             <a:r>
               <a:rPr b="1"/>
-              <a:t>Thank You!</a:t>
-            </a:r>
-          </a:p>
-          <a:p>
-            <a:pPr marL="0" lvl="0" indent="0">
-              <a:buNone/>
-            </a:pPr>
-            <a:r>
-              <a:t>Thank you for participating in the Mastering Fabric Workshop</a:t>
+              <a:t>CLI Learning Resources</a:t>
+            </a:r>
+          </a:p>
+          <a:p>
+            <a:pPr lvl="0"/>
+            <a:r>
+              <a:rPr>
+                <a:hlinkClick r:id="rId5"/>
+              </a:rPr>
+              <a:t>Tips for success with Command Line Interfaces using BASH</a:t>
+            </a:r>
+          </a:p>
+          <a:p>
+            <a:pPr lvl="0"/>
+            <a:r>
+              <a:rPr>
+                <a:hlinkClick r:id="rId6"/>
+              </a:rPr>
+              <a:t>Slice and Dice Data using grep, head, tail, cut, sort, tr, uniq and wc</a:t>
+            </a:r>
+            <a:br/>
+            <a:endParaRPr/>
+          </a:p>
+          <a:p>
+            <a:pPr lvl="0"/>
+            <a:r>
+              <a:rPr>
+                <a:hlinkClick r:id="rId7"/>
+              </a:rPr>
+              <a:t>explainshell.com</a:t>
+            </a:r>
+            <a:r>
+              <a:t> - Decode command-line arguments</a:t>
+            </a:r>
+          </a:p>
+          <a:p>
+            <a:pPr lvl="0"/>
+            <a:r>
+              <a:rPr>
+                <a:hlinkClick r:id="rId8"/>
+              </a:rPr>
+              <a:t>commandlinefu.com</a:t>
+            </a:r>
+            <a:r>
+              <a:t> - Community-driven command-line tips</a:t>
+            </a:r>
+          </a:p>
+          <a:p>
+            <a:pPr lvl="0"/>
+            <a:r>
+              <a:rPr>
+                <a:hlinkClick r:id="rId9"/>
+              </a:rPr>
+              <a:t>ss64.com</a:t>
+            </a:r>
+            <a:r>
+              <a:t> - Command line reference</a:t>
+            </a:r>
+          </a:p>
+          <a:p>
+            <a:pPr lvl="0"/>
+            <a:r>
+              <a:rPr>
+                <a:hlinkClick r:id="rId10"/>
+              </a:rPr>
+              <a:t>Learn Shell</a:t>
+            </a:r>
+            <a:r>
+              <a:t> - Learn Shell</a:t>
             </a:r>
           </a:p>
         </p:txBody>
@@ -14179,6 +14186,320 @@
 </file>
 
 <file path=ppt/slides/slide55.xml><?xml version="1.0" encoding="utf-8"?>
+<p:sld xmlns:a="http://schemas.openxmlformats.org/drawingml/2006/main" xmlns:r="http://schemas.openxmlformats.org/officeDocument/2006/relationships" xmlns:p="http://schemas.openxmlformats.org/presentationml/2006/main">
+  <p:cSld>
+    <p:spTree>
+      <p:nvGrpSpPr>
+        <p:cNvPr id="1" name=""/>
+        <p:cNvGrpSpPr/>
+        <p:nvPr/>
+      </p:nvGrpSpPr>
+      <p:grpSpPr>
+        <a:xfrm>
+          <a:off x="0" y="0"/>
+          <a:ext cx="0" cy="0"/>
+          <a:chOff x="0" y="0"/>
+          <a:chExt cx="0" cy="0"/>
+        </a:xfrm>
+      </p:grpSpPr>
+      <p:sp>
+        <p:nvSpPr>
+          <p:cNvPr id="2" name="Title 1">
+            <a:extLst>
+              <a:ext uri="{FF2B5EF4-FFF2-40B4-BE49-F238E27FC236}">
+                <a16:creationId xmlns:a16="http://schemas.microsoft.com/office/drawing/2014/main" id="{195CA256-78CA-F101-189A-087F9B37C6AF}"/>
+              </a:ext>
+            </a:extLst>
+          </p:cNvPr>
+          <p:cNvSpPr>
+            <a:spLocks noGrp="1"/>
+          </p:cNvSpPr>
+          <p:nvPr>
+            <p:ph type="title"/>
+          </p:nvPr>
+        </p:nvSpPr>
+        <p:spPr>
+          <a:xfrm>
+            <a:off x="528810" y="365126"/>
+            <a:ext cx="11149070" cy="637410"/>
+          </a:xfrm>
+        </p:spPr>
+        <p:txBody>
+          <a:bodyPr/>
+          <a:lstStyle/>
+          <a:p>
+            <a:pPr marL="0" lvl="0" indent="0">
+              <a:buNone/>
+            </a:pPr>
+            <a:r>
+              <a:t>Getting Help &amp; The FabricCommunity</a:t>
+            </a:r>
+          </a:p>
+        </p:txBody>
+      </p:sp>
+      <p:sp>
+        <p:nvSpPr>
+          <p:cNvPr id="3" name="Content Placeholder 2">
+            <a:extLst>
+              <a:ext uri="{FF2B5EF4-FFF2-40B4-BE49-F238E27FC236}">
+                <a16:creationId xmlns:a16="http://schemas.microsoft.com/office/drawing/2014/main" id="{C039527D-BC03-7469-53B9-F3C0925A6420}"/>
+              </a:ext>
+            </a:extLst>
+          </p:cNvPr>
+          <p:cNvSpPr>
+            <a:spLocks noGrp="1"/>
+          </p:cNvSpPr>
+          <p:nvPr>
+            <p:ph idx="1"/>
+          </p:nvPr>
+        </p:nvSpPr>
+        <p:spPr/>
+        <p:txBody>
+          <a:bodyPr/>
+          <a:lstStyle/>
+          <a:p>
+            <a:pPr marL="0" lvl="0" indent="0">
+              <a:spcBef>
+                <a:spcPts val="3000"/>
+              </a:spcBef>
+              <a:buNone/>
+            </a:pPr>
+            <a:r>
+              <a:rPr b="1"/>
+              <a:t>Stay Connected to the Fabric Project</a:t>
+            </a:r>
+          </a:p>
+          <a:p>
+            <a:pPr lvl="0"/>
+            <a:r>
+              <a:rPr>
+                <a:hlinkClick r:id="rId2"/>
+              </a:rPr>
+              <a:t>Fabric Intro Video</a:t>
+            </a:r>
+          </a:p>
+          <a:p>
+            <a:pPr lvl="0"/>
+            <a:r>
+              <a:t>Follow </a:t>
+            </a:r>
+            <a:r>
+              <a:rPr>
+                <a:hlinkClick r:id="rId3"/>
+              </a:rPr>
+              <a:t>@danielmiessler</a:t>
+            </a:r>
+            <a:r>
+              <a:t> on Twitter/X</a:t>
+            </a:r>
+          </a:p>
+          <a:p>
+            <a:pPr lvl="0"/>
+            <a:r>
+              <a:t>Learn more at </a:t>
+            </a:r>
+            <a:r>
+              <a:rPr>
+                <a:hlinkClick r:id="rId4"/>
+              </a:rPr>
+              <a:t>danielmiessler.com/</a:t>
+            </a:r>
+          </a:p>
+          <a:p>
+            <a:pPr marL="0" lvl="0" indent="0">
+              <a:spcBef>
+                <a:spcPts val="3000"/>
+              </a:spcBef>
+              <a:buNone/>
+            </a:pPr>
+            <a:r>
+              <a:rPr b="1"/>
+              <a:t>Contributing to Fabric</a:t>
+            </a:r>
+          </a:p>
+          <a:p>
+            <a:pPr lvl="0"/>
+            <a:r>
+              <a:t>How to </a:t>
+            </a:r>
+            <a:r>
+              <a:rPr>
+                <a:hlinkClick r:id="rId5"/>
+              </a:rPr>
+              <a:t>report issues or get help</a:t>
+            </a:r>
+            <a:br/>
+            <a:endParaRPr/>
+          </a:p>
+          <a:p>
+            <a:pPr lvl="0"/>
+            <a:r>
+              <a:rPr>
+                <a:hlinkClick r:id="rId6"/>
+              </a:rPr>
+              <a:t>Contributing guidelines</a:t>
+            </a:r>
+          </a:p>
+        </p:txBody>
+      </p:sp>
+    </p:spTree>
+  </p:cSld>
+  <p:clrMapOvr>
+    <a:masterClrMapping/>
+  </p:clrMapOvr>
+</p:sld>
+</file>
+
+<file path=ppt/slides/slide56.xml><?xml version="1.0" encoding="utf-8"?>
+<p:sld xmlns:a="http://schemas.openxmlformats.org/drawingml/2006/main" xmlns:r="http://schemas.openxmlformats.org/officeDocument/2006/relationships" xmlns:p="http://schemas.openxmlformats.org/presentationml/2006/main">
+  <p:cSld>
+    <p:spTree>
+      <p:nvGrpSpPr>
+        <p:cNvPr id="1" name=""/>
+        <p:cNvGrpSpPr/>
+        <p:nvPr/>
+      </p:nvGrpSpPr>
+      <p:grpSpPr>
+        <a:xfrm>
+          <a:off x="0" y="0"/>
+          <a:ext cx="0" cy="0"/>
+          <a:chOff x="0" y="0"/>
+          <a:chExt cx="0" cy="0"/>
+        </a:xfrm>
+      </p:grpSpPr>
+      <p:sp>
+        <p:nvSpPr>
+          <p:cNvPr id="2" name="Title 1">
+            <a:extLst>
+              <a:ext uri="{FF2B5EF4-FFF2-40B4-BE49-F238E27FC236}">
+                <a16:creationId xmlns:a16="http://schemas.microsoft.com/office/drawing/2014/main" id="{195CA256-78CA-F101-189A-087F9B37C6AF}"/>
+              </a:ext>
+            </a:extLst>
+          </p:cNvPr>
+          <p:cNvSpPr>
+            <a:spLocks noGrp="1"/>
+          </p:cNvSpPr>
+          <p:nvPr>
+            <p:ph type="title"/>
+          </p:nvPr>
+        </p:nvSpPr>
+        <p:spPr>
+          <a:xfrm>
+            <a:off x="528810" y="365126"/>
+            <a:ext cx="11149070" cy="637410"/>
+          </a:xfrm>
+        </p:spPr>
+        <p:txBody>
+          <a:bodyPr/>
+          <a:lstStyle/>
+          <a:p>
+            <a:pPr marL="0" lvl="0" indent="0">
+              <a:buNone/>
+            </a:pPr>
+            <a:r>
+              <a:t>Workshop Feedback</a:t>
+            </a:r>
+          </a:p>
+        </p:txBody>
+      </p:sp>
+      <p:sp>
+        <p:nvSpPr>
+          <p:cNvPr id="3" name="Content Placeholder 2">
+            <a:extLst>
+              <a:ext uri="{FF2B5EF4-FFF2-40B4-BE49-F238E27FC236}">
+                <a16:creationId xmlns:a16="http://schemas.microsoft.com/office/drawing/2014/main" id="{C039527D-BC03-7469-53B9-F3C0925A6420}"/>
+              </a:ext>
+            </a:extLst>
+          </p:cNvPr>
+          <p:cNvSpPr>
+            <a:spLocks noGrp="1"/>
+          </p:cNvSpPr>
+          <p:nvPr>
+            <p:ph idx="1"/>
+          </p:nvPr>
+        </p:nvSpPr>
+        <p:spPr/>
+        <p:txBody>
+          <a:bodyPr/>
+          <a:lstStyle/>
+          <a:p>
+            <a:pPr marL="0" lvl="0" indent="0">
+              <a:spcBef>
+                <a:spcPts val="3000"/>
+              </a:spcBef>
+              <a:buNone/>
+            </a:pPr>
+            <a:r>
+              <a:rPr b="1"/>
+              <a:t>Help Us Improve</a:t>
+            </a:r>
+          </a:p>
+          <a:p>
+            <a:pPr lvl="0"/>
+            <a:r>
+              <a:t>Complete the feedback survey</a:t>
+            </a:r>
+          </a:p>
+          <a:p>
+            <a:pPr lvl="0"/>
+            <a:r>
+              <a:t>Share your experience</a:t>
+            </a:r>
+          </a:p>
+          <a:p>
+            <a:pPr lvl="0"/>
+            <a:r>
+              <a:t>Suggest improvements</a:t>
+            </a:r>
+          </a:p>
+          <a:p>
+            <a:pPr lvl="0"/>
+            <a:r>
+              <a:t>Request future topics</a:t>
+            </a:r>
+          </a:p>
+          <a:p>
+            <a:pPr marL="0" lvl="0" indent="0">
+              <a:buNone/>
+            </a:pPr>
+            <a:r>
+              <a:rPr>
+                <a:hlinkClick r:id="rId2"/>
+              </a:rPr>
+              <a:t>Feedback Survey</a:t>
+            </a:r>
+          </a:p>
+          <a:p>
+            <a:pPr marL="0" lvl="0" indent="0">
+              <a:spcBef>
+                <a:spcPts val="3000"/>
+              </a:spcBef>
+              <a:buNone/>
+            </a:pPr>
+            <a:r>
+              <a:rPr b="1"/>
+              <a:t>Thank You!</a:t>
+            </a:r>
+          </a:p>
+          <a:p>
+            <a:pPr marL="0" lvl="0" indent="0">
+              <a:buNone/>
+            </a:pPr>
+            <a:r>
+              <a:t>Thank you for participating in the Mastering Fabric Workshop</a:t>
+            </a:r>
+          </a:p>
+        </p:txBody>
+      </p:sp>
+    </p:spTree>
+  </p:cSld>
+  <p:clrMapOvr>
+    <a:masterClrMapping/>
+  </p:clrMapOvr>
+</p:sld>
+</file>
+
+<file path=ppt/slides/slide57.xml><?xml version="1.0" encoding="utf-8"?>
 <p:sld xmlns:a="http://schemas.openxmlformats.org/drawingml/2006/main" xmlns:r="http://schemas.openxmlformats.org/officeDocument/2006/relationships" xmlns:p="http://schemas.openxmlformats.org/presentationml/2006/main">
   <p:cSld>
     <p:spTree>
